--- a/Note 3-2/Dame_fabio_litscher.pptx
+++ b/Note 3-2/Dame_fabio_litscher.pptx
@@ -9,7 +9,13 @@
     <p:sldId id="257" r:id="rId3"/>
     <p:sldId id="258" r:id="rId4"/>
     <p:sldId id="259" r:id="rId5"/>
-    <p:sldId id="260" r:id="rId6"/>
+    <p:sldId id="263" r:id="rId6"/>
+    <p:sldId id="267" r:id="rId7"/>
+    <p:sldId id="264" r:id="rId8"/>
+    <p:sldId id="261" r:id="rId9"/>
+    <p:sldId id="262" r:id="rId10"/>
+    <p:sldId id="268" r:id="rId11"/>
+    <p:sldId id="269" r:id="rId12"/>
   </p:sldIdLst>
   <p:sldSz cx="9144000" cy="6858000" type="screen4x3"/>
   <p:notesSz cx="6858000" cy="9144000"/>
@@ -108,6 +114,22 @@
       </a:defRPr>
     </a:lvl9pPr>
   </p:defaultTextStyle>
+  <p:extLst>
+    <p:ext uri="{EFAFB233-063F-42B5-8137-9DF3F51BA10A}">
+      <p15:sldGuideLst xmlns:p15="http://schemas.microsoft.com/office/powerpoint/2012/main">
+        <p15:guide id="1" orient="horz" pos="2160">
+          <p15:clr>
+            <a:srgbClr val="A4A3A4"/>
+          </p15:clr>
+        </p15:guide>
+        <p15:guide id="2" pos="2880">
+          <p15:clr>
+            <a:srgbClr val="A4A3A4"/>
+          </p15:clr>
+        </p15:guide>
+      </p15:sldGuideLst>
+    </p:ext>
+  </p:extLst>
 </p:presentation>
 </file>
 
@@ -286,7 +308,7 @@
           <a:p>
             <a:fld id="{1BA50D42-C9CD-4801-B293-61D1F53EC57E}" type="datetimeFigureOut">
               <a:rPr lang="de-DE" smtClean="0"/>
-              <a:t>18.06.2014</a:t>
+              <a:t>19.06.2014</a:t>
             </a:fld>
             <a:endParaRPr lang="de-DE"/>
           </a:p>
@@ -344,6 +366,18 @@
   <p:clrMapOvr>
     <a:masterClrMapping/>
   </p:clrMapOvr>
+  <mc:AlternateContent xmlns:mc="http://schemas.openxmlformats.org/markup-compatibility/2006">
+    <mc:Choice xmlns:p14="http://schemas.microsoft.com/office/powerpoint/2010/main" Requires="p14">
+      <p:transition spd="slow">
+        <p14:ferris dir="l"/>
+      </p:transition>
+    </mc:Choice>
+    <mc:Fallback>
+      <p:transition spd="slow">
+        <p:fade/>
+      </p:transition>
+    </mc:Fallback>
+  </mc:AlternateContent>
 </p:sldLayout>
 </file>
 
@@ -456,7 +490,7 @@
           <a:p>
             <a:fld id="{1BA50D42-C9CD-4801-B293-61D1F53EC57E}" type="datetimeFigureOut">
               <a:rPr lang="de-DE" smtClean="0"/>
-              <a:t>18.06.2014</a:t>
+              <a:t>19.06.2014</a:t>
             </a:fld>
             <a:endParaRPr lang="de-DE"/>
           </a:p>
@@ -509,6 +543,18 @@
   <p:clrMapOvr>
     <a:masterClrMapping/>
   </p:clrMapOvr>
+  <mc:AlternateContent xmlns:mc="http://schemas.openxmlformats.org/markup-compatibility/2006">
+    <mc:Choice xmlns:p14="http://schemas.microsoft.com/office/powerpoint/2010/main" Requires="p14">
+      <p:transition spd="slow">
+        <p14:ferris dir="l"/>
+      </p:transition>
+    </mc:Choice>
+    <mc:Fallback>
+      <p:transition spd="slow">
+        <p:fade/>
+      </p:transition>
+    </mc:Fallback>
+  </mc:AlternateContent>
 </p:sldLayout>
 </file>
 
@@ -631,7 +677,7 @@
           <a:p>
             <a:fld id="{1BA50D42-C9CD-4801-B293-61D1F53EC57E}" type="datetimeFigureOut">
               <a:rPr lang="de-DE" smtClean="0"/>
-              <a:t>18.06.2014</a:t>
+              <a:t>19.06.2014</a:t>
             </a:fld>
             <a:endParaRPr lang="de-DE"/>
           </a:p>
@@ -684,6 +730,18 @@
   <p:clrMapOvr>
     <a:masterClrMapping/>
   </p:clrMapOvr>
+  <mc:AlternateContent xmlns:mc="http://schemas.openxmlformats.org/markup-compatibility/2006">
+    <mc:Choice xmlns:p14="http://schemas.microsoft.com/office/powerpoint/2010/main" Requires="p14">
+      <p:transition spd="slow">
+        <p14:ferris dir="l"/>
+      </p:transition>
+    </mc:Choice>
+    <mc:Fallback>
+      <p:transition spd="slow">
+        <p:fade/>
+      </p:transition>
+    </mc:Fallback>
+  </mc:AlternateContent>
 </p:sldLayout>
 </file>
 
@@ -796,7 +854,7 @@
           <a:p>
             <a:fld id="{1BA50D42-C9CD-4801-B293-61D1F53EC57E}" type="datetimeFigureOut">
               <a:rPr lang="de-DE" smtClean="0"/>
-              <a:t>18.06.2014</a:t>
+              <a:t>19.06.2014</a:t>
             </a:fld>
             <a:endParaRPr lang="de-DE"/>
           </a:p>
@@ -859,6 +917,18 @@
   <p:clrMapOvr>
     <a:masterClrMapping/>
   </p:clrMapOvr>
+  <mc:AlternateContent xmlns:mc="http://schemas.openxmlformats.org/markup-compatibility/2006">
+    <mc:Choice xmlns:p14="http://schemas.microsoft.com/office/powerpoint/2010/main" Requires="p14">
+      <p:transition spd="slow">
+        <p14:ferris dir="l"/>
+      </p:transition>
+    </mc:Choice>
+    <mc:Fallback>
+      <p:transition spd="slow">
+        <p:fade/>
+      </p:transition>
+    </mc:Fallback>
+  </mc:AlternateContent>
 </p:sldLayout>
 </file>
 
@@ -1030,7 +1100,7 @@
           <a:p>
             <a:fld id="{1BA50D42-C9CD-4801-B293-61D1F53EC57E}" type="datetimeFigureOut">
               <a:rPr lang="de-DE" smtClean="0"/>
-              <a:t>18.06.2014</a:t>
+              <a:t>19.06.2014</a:t>
             </a:fld>
             <a:endParaRPr lang="de-DE"/>
           </a:p>
@@ -1115,6 +1185,18 @@
   <p:clrMapOvr>
     <a:overrideClrMapping bg1="dk1" tx1="lt1" bg2="dk2" tx2="lt2" accent1="accent1" accent2="accent2" accent3="accent3" accent4="accent4" accent5="accent5" accent6="accent6" hlink="hlink" folHlink="folHlink"/>
   </p:clrMapOvr>
+  <mc:AlternateContent xmlns:mc="http://schemas.openxmlformats.org/markup-compatibility/2006">
+    <mc:Choice xmlns:p14="http://schemas.microsoft.com/office/powerpoint/2010/main" Requires="p14">
+      <p:transition spd="slow">
+        <p14:ferris dir="l"/>
+      </p:transition>
+    </mc:Choice>
+    <mc:Fallback>
+      <p:transition spd="slow">
+        <p:fade/>
+      </p:transition>
+    </mc:Fallback>
+  </mc:AlternateContent>
 </p:sldLayout>
 </file>
 
@@ -1326,7 +1408,7 @@
           <a:p>
             <a:fld id="{1BA50D42-C9CD-4801-B293-61D1F53EC57E}" type="datetimeFigureOut">
               <a:rPr lang="de-DE" smtClean="0"/>
-              <a:t>18.06.2014</a:t>
+              <a:t>19.06.2014</a:t>
             </a:fld>
             <a:endParaRPr lang="de-DE"/>
           </a:p>
@@ -1379,6 +1461,18 @@
   <p:clrMapOvr>
     <a:masterClrMapping/>
   </p:clrMapOvr>
+  <mc:AlternateContent xmlns:mc="http://schemas.openxmlformats.org/markup-compatibility/2006">
+    <mc:Choice xmlns:p14="http://schemas.microsoft.com/office/powerpoint/2010/main" Requires="p14">
+      <p:transition spd="slow">
+        <p14:ferris dir="l"/>
+      </p:transition>
+    </mc:Choice>
+    <mc:Fallback>
+      <p:transition spd="slow">
+        <p:fade/>
+      </p:transition>
+    </mc:Fallback>
+  </mc:AlternateContent>
 </p:sldLayout>
 </file>
 
@@ -1710,7 +1804,7 @@
           <a:p>
             <a:fld id="{1BA50D42-C9CD-4801-B293-61D1F53EC57E}" type="datetimeFigureOut">
               <a:rPr lang="de-DE" smtClean="0"/>
-              <a:t>18.06.2014</a:t>
+              <a:t>19.06.2014</a:t>
             </a:fld>
             <a:endParaRPr lang="de-DE"/>
           </a:p>
@@ -1818,6 +1912,18 @@
   <p:clrMapOvr>
     <a:masterClrMapping/>
   </p:clrMapOvr>
+  <mc:AlternateContent xmlns:mc="http://schemas.openxmlformats.org/markup-compatibility/2006">
+    <mc:Choice xmlns:p14="http://schemas.microsoft.com/office/powerpoint/2010/main" Requires="p14">
+      <p:transition spd="slow">
+        <p14:ferris dir="l"/>
+      </p:transition>
+    </mc:Choice>
+    <mc:Fallback>
+      <p:transition spd="slow">
+        <p:fade/>
+      </p:transition>
+    </mc:Fallback>
+  </mc:AlternateContent>
 </p:sldLayout>
 </file>
 
@@ -1883,7 +1989,7 @@
           <a:p>
             <a:fld id="{1BA50D42-C9CD-4801-B293-61D1F53EC57E}" type="datetimeFigureOut">
               <a:rPr lang="de-DE" smtClean="0"/>
-              <a:t>18.06.2014</a:t>
+              <a:t>19.06.2014</a:t>
             </a:fld>
             <a:endParaRPr lang="de-DE"/>
           </a:p>
@@ -1936,6 +2042,18 @@
   <p:clrMapOvr>
     <a:masterClrMapping/>
   </p:clrMapOvr>
+  <mc:AlternateContent xmlns:mc="http://schemas.openxmlformats.org/markup-compatibility/2006">
+    <mc:Choice xmlns:p14="http://schemas.microsoft.com/office/powerpoint/2010/main" Requires="p14">
+      <p:transition spd="slow">
+        <p14:ferris dir="l"/>
+      </p:transition>
+    </mc:Choice>
+    <mc:Fallback>
+      <p:transition spd="slow">
+        <p:fade/>
+      </p:transition>
+    </mc:Fallback>
+  </mc:AlternateContent>
 </p:sldLayout>
 </file>
 
@@ -1973,7 +2091,7 @@
           <a:p>
             <a:fld id="{1BA50D42-C9CD-4801-B293-61D1F53EC57E}" type="datetimeFigureOut">
               <a:rPr lang="de-DE" smtClean="0"/>
-              <a:t>18.06.2014</a:t>
+              <a:t>19.06.2014</a:t>
             </a:fld>
             <a:endParaRPr lang="de-DE"/>
           </a:p>
@@ -2026,6 +2144,18 @@
   <p:clrMapOvr>
     <a:masterClrMapping/>
   </p:clrMapOvr>
+  <mc:AlternateContent xmlns:mc="http://schemas.openxmlformats.org/markup-compatibility/2006">
+    <mc:Choice xmlns:p14="http://schemas.microsoft.com/office/powerpoint/2010/main" Requires="p14">
+      <p:transition spd="slow">
+        <p14:ferris dir="l"/>
+      </p:transition>
+    </mc:Choice>
+    <mc:Fallback>
+      <p:transition spd="slow">
+        <p:fade/>
+      </p:transition>
+    </mc:Fallback>
+  </mc:AlternateContent>
 </p:sldLayout>
 </file>
 
@@ -2268,7 +2398,7 @@
           <a:p>
             <a:fld id="{1BA50D42-C9CD-4801-B293-61D1F53EC57E}" type="datetimeFigureOut">
               <a:rPr lang="de-DE" smtClean="0"/>
-              <a:t>18.06.2014</a:t>
+              <a:t>19.06.2014</a:t>
             </a:fld>
             <a:endParaRPr lang="de-DE"/>
           </a:p>
@@ -2321,6 +2451,18 @@
   <p:clrMapOvr>
     <a:masterClrMapping/>
   </p:clrMapOvr>
+  <mc:AlternateContent xmlns:mc="http://schemas.openxmlformats.org/markup-compatibility/2006">
+    <mc:Choice xmlns:p14="http://schemas.microsoft.com/office/powerpoint/2010/main" Requires="p14">
+      <p:transition spd="slow">
+        <p14:ferris dir="l"/>
+      </p:transition>
+    </mc:Choice>
+    <mc:Fallback>
+      <p:transition spd="slow">
+        <p:fade/>
+      </p:transition>
+    </mc:Fallback>
+  </mc:AlternateContent>
 </p:sldLayout>
 </file>
 
@@ -2402,7 +2544,7 @@
           <a:p>
             <a:fld id="{1BA50D42-C9CD-4801-B293-61D1F53EC57E}" type="datetimeFigureOut">
               <a:rPr lang="de-DE" smtClean="0"/>
-              <a:t>18.06.2014</a:t>
+              <a:t>19.06.2014</a:t>
             </a:fld>
             <a:endParaRPr lang="de-DE"/>
           </a:p>
@@ -2533,6 +2675,18 @@
   <p:clrMapOvr>
     <a:masterClrMapping/>
   </p:clrMapOvr>
+  <mc:AlternateContent xmlns:mc="http://schemas.openxmlformats.org/markup-compatibility/2006">
+    <mc:Choice xmlns:p14="http://schemas.microsoft.com/office/powerpoint/2010/main" Requires="p14">
+      <p:transition spd="slow">
+        <p14:ferris dir="l"/>
+      </p:transition>
+    </mc:Choice>
+    <mc:Fallback>
+      <p:transition spd="slow">
+        <p:fade/>
+      </p:transition>
+    </mc:Fallback>
+  </mc:AlternateContent>
 </p:sldLayout>
 </file>
 
@@ -2705,7 +2859,7 @@
           <a:p>
             <a:fld id="{1BA50D42-C9CD-4801-B293-61D1F53EC57E}" type="datetimeFigureOut">
               <a:rPr lang="de-DE" smtClean="0"/>
-              <a:t>18.06.2014</a:t>
+              <a:t>19.06.2014</a:t>
             </a:fld>
             <a:endParaRPr lang="de-DE"/>
           </a:p>
@@ -2938,6 +3092,18 @@
     <p:sldLayoutId id="2147483718" r:id="rId10"/>
     <p:sldLayoutId id="2147483719" r:id="rId11"/>
   </p:sldLayoutIdLst>
+  <mc:AlternateContent xmlns:mc="http://schemas.openxmlformats.org/markup-compatibility/2006">
+    <mc:Choice xmlns:p14="http://schemas.microsoft.com/office/powerpoint/2010/main" Requires="p14">
+      <p:transition spd="slow">
+        <p14:ferris dir="l"/>
+      </p:transition>
+    </mc:Choice>
+    <mc:Fallback>
+      <p:transition spd="slow">
+        <p:fade/>
+      </p:transition>
+    </mc:Fallback>
+  </mc:AlternateContent>
   <p:txStyles>
     <p:titleStyle>
       <a:lvl1pPr algn="l" rtl="0" eaLnBrk="1" latinLnBrk="0" hangingPunct="1">
@@ -3560,12 +3726,528 @@
   <p:clrMapOvr>
     <a:masterClrMapping/>
   </p:clrMapOvr>
+  <mc:AlternateContent xmlns:mc="http://schemas.openxmlformats.org/markup-compatibility/2006">
+    <mc:Choice xmlns:p14="http://schemas.microsoft.com/office/powerpoint/2010/main" Requires="p14">
+      <p:transition spd="slow">
+        <p14:ferris dir="l"/>
+      </p:transition>
+    </mc:Choice>
+    <mc:Fallback>
+      <p:transition spd="slow">
+        <p:fade/>
+      </p:transition>
+    </mc:Fallback>
+  </mc:AlternateContent>
   <p:timing>
     <p:tnLst>
       <p:par>
         <p:cTn id="1" dur="indefinite" restart="never" nodeType="tmRoot"/>
       </p:par>
     </p:tnLst>
+  </p:timing>
+</p:sld>
+</file>
+
+<file path=ppt/slides/slide10.xml><?xml version="1.0" encoding="utf-8"?>
+<p:sld xmlns:a="http://schemas.openxmlformats.org/drawingml/2006/main" xmlns:r="http://schemas.openxmlformats.org/officeDocument/2006/relationships" xmlns:p="http://schemas.openxmlformats.org/presentationml/2006/main">
+  <p:cSld>
+    <p:spTree>
+      <p:nvGrpSpPr>
+        <p:cNvPr id="1" name=""/>
+        <p:cNvGrpSpPr/>
+        <p:nvPr/>
+      </p:nvGrpSpPr>
+      <p:grpSpPr>
+        <a:xfrm>
+          <a:off x="0" y="0"/>
+          <a:ext cx="0" cy="0"/>
+          <a:chOff x="0" y="0"/>
+          <a:chExt cx="0" cy="0"/>
+        </a:xfrm>
+      </p:grpSpPr>
+      <p:sp>
+        <p:nvSpPr>
+          <p:cNvPr id="2" name="Titel 1"/>
+          <p:cNvSpPr>
+            <a:spLocks noGrp="1"/>
+          </p:cNvSpPr>
+          <p:nvPr>
+            <p:ph type="title"/>
+          </p:nvPr>
+        </p:nvSpPr>
+        <p:spPr/>
+        <p:txBody>
+          <a:bodyPr/>
+          <a:lstStyle/>
+          <a:p>
+            <a:r>
+              <a:rPr lang="de-CH" dirty="0"/>
+              <a:t>Fragen</a:t>
+            </a:r>
+          </a:p>
+        </p:txBody>
+      </p:sp>
+      <p:sp>
+        <p:nvSpPr>
+          <p:cNvPr id="3" name="Inhaltsplatzhalter 2"/>
+          <p:cNvSpPr>
+            <a:spLocks noGrp="1"/>
+          </p:cNvSpPr>
+          <p:nvPr>
+            <p:ph idx="1"/>
+          </p:nvPr>
+        </p:nvSpPr>
+        <p:spPr>
+          <a:xfrm>
+            <a:off x="228600" y="1484784"/>
+            <a:ext cx="8686800" cy="4525963"/>
+          </a:xfrm>
+        </p:spPr>
+        <p:txBody>
+          <a:bodyPr>
+            <a:normAutofit/>
+          </a:bodyPr>
+          <a:lstStyle/>
+          <a:p>
+            <a:pPr marL="0" indent="0" algn="ctr">
+              <a:buNone/>
+            </a:pPr>
+            <a:r>
+              <a:rPr lang="de-CH" sz="26000" dirty="0" smtClean="0"/>
+              <a:t>?</a:t>
+            </a:r>
+            <a:endParaRPr lang="de-CH" sz="26000" dirty="0"/>
+          </a:p>
+        </p:txBody>
+      </p:sp>
+    </p:spTree>
+    <p:extLst>
+      <p:ext uri="{BB962C8B-B14F-4D97-AF65-F5344CB8AC3E}">
+        <p14:creationId xmlns:p14="http://schemas.microsoft.com/office/powerpoint/2010/main" val="994495482"/>
+      </p:ext>
+    </p:extLst>
+  </p:cSld>
+  <p:clrMapOvr>
+    <a:masterClrMapping/>
+  </p:clrMapOvr>
+  <mc:AlternateContent xmlns:mc="http://schemas.openxmlformats.org/markup-compatibility/2006">
+    <mc:Choice xmlns:p14="http://schemas.microsoft.com/office/powerpoint/2010/main" Requires="p14">
+      <p:transition spd="slow">
+        <p14:ferris dir="l"/>
+      </p:transition>
+    </mc:Choice>
+    <mc:Fallback>
+      <p:transition spd="slow">
+        <p:fade/>
+      </p:transition>
+    </mc:Fallback>
+  </mc:AlternateContent>
+  <p:timing>
+    <p:tnLst>
+      <p:par>
+        <p:cTn id="1" dur="indefinite" restart="never" nodeType="tmRoot">
+          <p:childTnLst>
+            <p:seq concurrent="1" nextAc="seek">
+              <p:cTn id="2" dur="indefinite" nodeType="mainSeq">
+                <p:childTnLst>
+                  <p:par>
+                    <p:cTn id="3" fill="hold">
+                      <p:stCondLst>
+                        <p:cond delay="indefinite"/>
+                        <p:cond evt="onBegin" delay="0">
+                          <p:tn val="2"/>
+                        </p:cond>
+                      </p:stCondLst>
+                      <p:childTnLst>
+                        <p:par>
+                          <p:cTn id="4" fill="hold">
+                            <p:stCondLst>
+                              <p:cond delay="0"/>
+                            </p:stCondLst>
+                            <p:childTnLst>
+                              <p:par>
+                                <p:cTn id="5" presetID="55" presetClass="entr" presetSubtype="0" fill="hold" grpId="0" nodeType="afterEffect">
+                                  <p:stCondLst>
+                                    <p:cond delay="0"/>
+                                  </p:stCondLst>
+                                  <p:childTnLst>
+                                    <p:set>
+                                      <p:cBhvr>
+                                        <p:cTn id="6" dur="1" fill="hold">
+                                          <p:stCondLst>
+                                            <p:cond delay="0"/>
+                                          </p:stCondLst>
+                                        </p:cTn>
+                                        <p:tgtEl>
+                                          <p:spTgt spid="3">
+                                            <p:txEl>
+                                              <p:pRg st="0" end="0"/>
+                                            </p:txEl>
+                                          </p:spTgt>
+                                        </p:tgtEl>
+                                        <p:attrNameLst>
+                                          <p:attrName>style.visibility</p:attrName>
+                                        </p:attrNameLst>
+                                      </p:cBhvr>
+                                      <p:to>
+                                        <p:strVal val="visible"/>
+                                      </p:to>
+                                    </p:set>
+                                    <p:anim calcmode="lin" valueType="num">
+                                      <p:cBhvr>
+                                        <p:cTn id="7" dur="1000" fill="hold"/>
+                                        <p:tgtEl>
+                                          <p:spTgt spid="3">
+                                            <p:txEl>
+                                              <p:pRg st="0" end="0"/>
+                                            </p:txEl>
+                                          </p:spTgt>
+                                        </p:tgtEl>
+                                        <p:attrNameLst>
+                                          <p:attrName>ppt_w</p:attrName>
+                                        </p:attrNameLst>
+                                      </p:cBhvr>
+                                      <p:tavLst>
+                                        <p:tav tm="0">
+                                          <p:val>
+                                            <p:strVal val="#ppt_w*0.70"/>
+                                          </p:val>
+                                        </p:tav>
+                                        <p:tav tm="100000">
+                                          <p:val>
+                                            <p:strVal val="#ppt_w"/>
+                                          </p:val>
+                                        </p:tav>
+                                      </p:tavLst>
+                                    </p:anim>
+                                    <p:anim calcmode="lin" valueType="num">
+                                      <p:cBhvr>
+                                        <p:cTn id="8" dur="1000" fill="hold"/>
+                                        <p:tgtEl>
+                                          <p:spTgt spid="3">
+                                            <p:txEl>
+                                              <p:pRg st="0" end="0"/>
+                                            </p:txEl>
+                                          </p:spTgt>
+                                        </p:tgtEl>
+                                        <p:attrNameLst>
+                                          <p:attrName>ppt_h</p:attrName>
+                                        </p:attrNameLst>
+                                      </p:cBhvr>
+                                      <p:tavLst>
+                                        <p:tav tm="0">
+                                          <p:val>
+                                            <p:strVal val="#ppt_h"/>
+                                          </p:val>
+                                        </p:tav>
+                                        <p:tav tm="100000">
+                                          <p:val>
+                                            <p:strVal val="#ppt_h"/>
+                                          </p:val>
+                                        </p:tav>
+                                      </p:tavLst>
+                                    </p:anim>
+                                    <p:animEffect transition="in" filter="fade">
+                                      <p:cBhvr>
+                                        <p:cTn id="9" dur="1000"/>
+                                        <p:tgtEl>
+                                          <p:spTgt spid="3">
+                                            <p:txEl>
+                                              <p:pRg st="0" end="0"/>
+                                            </p:txEl>
+                                          </p:spTgt>
+                                        </p:tgtEl>
+                                      </p:cBhvr>
+                                    </p:animEffect>
+                                  </p:childTnLst>
+                                </p:cTn>
+                              </p:par>
+                            </p:childTnLst>
+                          </p:cTn>
+                        </p:par>
+                      </p:childTnLst>
+                    </p:cTn>
+                  </p:par>
+                </p:childTnLst>
+              </p:cTn>
+              <p:prevCondLst>
+                <p:cond evt="onPrev" delay="0">
+                  <p:tgtEl>
+                    <p:sldTgt/>
+                  </p:tgtEl>
+                </p:cond>
+              </p:prevCondLst>
+              <p:nextCondLst>
+                <p:cond evt="onNext" delay="0">
+                  <p:tgtEl>
+                    <p:sldTgt/>
+                  </p:tgtEl>
+                </p:cond>
+              </p:nextCondLst>
+            </p:seq>
+          </p:childTnLst>
+        </p:cTn>
+      </p:par>
+    </p:tnLst>
+    <p:bldLst>
+      <p:bldP spid="3" grpId="0" build="p"/>
+    </p:bldLst>
+  </p:timing>
+</p:sld>
+</file>
+
+<file path=ppt/slides/slide11.xml><?xml version="1.0" encoding="utf-8"?>
+<p:sld xmlns:a="http://schemas.openxmlformats.org/drawingml/2006/main" xmlns:r="http://schemas.openxmlformats.org/officeDocument/2006/relationships" xmlns:p="http://schemas.openxmlformats.org/presentationml/2006/main">
+  <p:cSld>
+    <p:spTree>
+      <p:nvGrpSpPr>
+        <p:cNvPr id="1" name=""/>
+        <p:cNvGrpSpPr/>
+        <p:nvPr/>
+      </p:nvGrpSpPr>
+      <p:grpSpPr>
+        <a:xfrm>
+          <a:off x="0" y="0"/>
+          <a:ext cx="0" cy="0"/>
+          <a:chOff x="0" y="0"/>
+          <a:chExt cx="0" cy="0"/>
+        </a:xfrm>
+      </p:grpSpPr>
+      <p:sp>
+        <p:nvSpPr>
+          <p:cNvPr id="2" name="Titel 1"/>
+          <p:cNvSpPr>
+            <a:spLocks noGrp="1"/>
+          </p:cNvSpPr>
+          <p:nvPr>
+            <p:ph type="title"/>
+          </p:nvPr>
+        </p:nvSpPr>
+        <p:spPr/>
+        <p:txBody>
+          <a:bodyPr/>
+          <a:lstStyle/>
+          <a:p>
+            <a:r>
+              <a:rPr lang="de-CH" dirty="0" smtClean="0"/>
+              <a:t>Ende</a:t>
+            </a:r>
+            <a:endParaRPr lang="de-CH" dirty="0"/>
+          </a:p>
+        </p:txBody>
+      </p:sp>
+      <p:sp>
+        <p:nvSpPr>
+          <p:cNvPr id="3" name="Inhaltsplatzhalter 2"/>
+          <p:cNvSpPr>
+            <a:spLocks noGrp="1"/>
+          </p:cNvSpPr>
+          <p:nvPr>
+            <p:ph idx="1"/>
+          </p:nvPr>
+        </p:nvSpPr>
+        <p:spPr>
+          <a:xfrm>
+            <a:off x="1466292" y="2420888"/>
+            <a:ext cx="6211416" cy="1730822"/>
+          </a:xfrm>
+        </p:spPr>
+        <p:txBody>
+          <a:bodyPr>
+            <a:normAutofit/>
+          </a:bodyPr>
+          <a:lstStyle/>
+          <a:p>
+            <a:pPr marL="0" indent="0" algn="ctr">
+              <a:buNone/>
+            </a:pPr>
+            <a:r>
+              <a:rPr lang="de-CH" sz="4400" dirty="0" smtClean="0"/>
+              <a:t>Vielen Dank</a:t>
+            </a:r>
+            <a:br>
+              <a:rPr lang="de-CH" sz="4400" dirty="0" smtClean="0"/>
+            </a:br>
+            <a:r>
+              <a:rPr lang="de-CH" sz="4400" dirty="0" smtClean="0"/>
+              <a:t>für eure Aufmerksamkeit!</a:t>
+            </a:r>
+            <a:endParaRPr lang="de-CH" sz="4400" dirty="0"/>
+          </a:p>
+        </p:txBody>
+      </p:sp>
+    </p:spTree>
+    <p:extLst>
+      <p:ext uri="{BB962C8B-B14F-4D97-AF65-F5344CB8AC3E}">
+        <p14:creationId xmlns:p14="http://schemas.microsoft.com/office/powerpoint/2010/main" val="4159056601"/>
+      </p:ext>
+    </p:extLst>
+  </p:cSld>
+  <p:clrMapOvr>
+    <a:masterClrMapping/>
+  </p:clrMapOvr>
+  <mc:AlternateContent xmlns:mc="http://schemas.openxmlformats.org/markup-compatibility/2006">
+    <mc:Choice xmlns:p14="http://schemas.microsoft.com/office/powerpoint/2010/main" Requires="p14">
+      <p:transition spd="slow">
+        <p14:ferris dir="l"/>
+      </p:transition>
+    </mc:Choice>
+    <mc:Fallback>
+      <p:transition spd="slow">
+        <p:fade/>
+      </p:transition>
+    </mc:Fallback>
+  </mc:AlternateContent>
+  <p:timing>
+    <p:tnLst>
+      <p:par>
+        <p:cTn id="1" dur="indefinite" restart="never" nodeType="tmRoot">
+          <p:childTnLst>
+            <p:seq concurrent="1" nextAc="seek">
+              <p:cTn id="2" dur="indefinite" nodeType="mainSeq">
+                <p:childTnLst>
+                  <p:par>
+                    <p:cTn id="3" fill="hold">
+                      <p:stCondLst>
+                        <p:cond delay="indefinite"/>
+                        <p:cond evt="onBegin" delay="0">
+                          <p:tn val="2"/>
+                        </p:cond>
+                      </p:stCondLst>
+                      <p:childTnLst>
+                        <p:par>
+                          <p:cTn id="4" fill="hold">
+                            <p:stCondLst>
+                              <p:cond delay="0"/>
+                            </p:stCondLst>
+                            <p:childTnLst>
+                              <p:par>
+                                <p:cTn id="5" presetID="42" presetClass="entr" presetSubtype="0" fill="hold" grpId="0" nodeType="afterEffect">
+                                  <p:stCondLst>
+                                    <p:cond delay="0"/>
+                                  </p:stCondLst>
+                                  <p:childTnLst>
+                                    <p:set>
+                                      <p:cBhvr>
+                                        <p:cTn id="6" dur="1" fill="hold">
+                                          <p:stCondLst>
+                                            <p:cond delay="0"/>
+                                          </p:stCondLst>
+                                        </p:cTn>
+                                        <p:tgtEl>
+                                          <p:spTgt spid="3">
+                                            <p:txEl>
+                                              <p:pRg st="0" end="0"/>
+                                            </p:txEl>
+                                          </p:spTgt>
+                                        </p:tgtEl>
+                                        <p:attrNameLst>
+                                          <p:attrName>style.visibility</p:attrName>
+                                        </p:attrNameLst>
+                                      </p:cBhvr>
+                                      <p:to>
+                                        <p:strVal val="visible"/>
+                                      </p:to>
+                                    </p:set>
+                                    <p:animEffect transition="in" filter="fade">
+                                      <p:cBhvr>
+                                        <p:cTn id="7" dur="1000"/>
+                                        <p:tgtEl>
+                                          <p:spTgt spid="3">
+                                            <p:txEl>
+                                              <p:pRg st="0" end="0"/>
+                                            </p:txEl>
+                                          </p:spTgt>
+                                        </p:tgtEl>
+                                      </p:cBhvr>
+                                    </p:animEffect>
+                                    <p:anim calcmode="lin" valueType="num">
+                                      <p:cBhvr>
+                                        <p:cTn id="8" dur="1000" fill="hold"/>
+                                        <p:tgtEl>
+                                          <p:spTgt spid="3">
+                                            <p:txEl>
+                                              <p:pRg st="0" end="0"/>
+                                            </p:txEl>
+                                          </p:spTgt>
+                                        </p:tgtEl>
+                                        <p:attrNameLst>
+                                          <p:attrName>ppt_x</p:attrName>
+                                        </p:attrNameLst>
+                                      </p:cBhvr>
+                                      <p:tavLst>
+                                        <p:tav tm="0">
+                                          <p:val>
+                                            <p:strVal val="#ppt_x"/>
+                                          </p:val>
+                                        </p:tav>
+                                        <p:tav tm="100000">
+                                          <p:val>
+                                            <p:strVal val="#ppt_x"/>
+                                          </p:val>
+                                        </p:tav>
+                                      </p:tavLst>
+                                    </p:anim>
+                                    <p:anim calcmode="lin" valueType="num">
+                                      <p:cBhvr>
+                                        <p:cTn id="9" dur="1000" fill="hold"/>
+                                        <p:tgtEl>
+                                          <p:spTgt spid="3">
+                                            <p:txEl>
+                                              <p:pRg st="0" end="0"/>
+                                            </p:txEl>
+                                          </p:spTgt>
+                                        </p:tgtEl>
+                                        <p:attrNameLst>
+                                          <p:attrName>ppt_y</p:attrName>
+                                        </p:attrNameLst>
+                                      </p:cBhvr>
+                                      <p:tavLst>
+                                        <p:tav tm="0">
+                                          <p:val>
+                                            <p:strVal val="#ppt_y+.1"/>
+                                          </p:val>
+                                        </p:tav>
+                                        <p:tav tm="100000">
+                                          <p:val>
+                                            <p:strVal val="#ppt_y"/>
+                                          </p:val>
+                                        </p:tav>
+                                      </p:tavLst>
+                                    </p:anim>
+                                  </p:childTnLst>
+                                </p:cTn>
+                              </p:par>
+                            </p:childTnLst>
+                          </p:cTn>
+                        </p:par>
+                      </p:childTnLst>
+                    </p:cTn>
+                  </p:par>
+                </p:childTnLst>
+              </p:cTn>
+              <p:prevCondLst>
+                <p:cond evt="onPrev" delay="0">
+                  <p:tgtEl>
+                    <p:sldTgt/>
+                  </p:tgtEl>
+                </p:cond>
+              </p:prevCondLst>
+              <p:nextCondLst>
+                <p:cond evt="onNext" delay="0">
+                  <p:tgtEl>
+                    <p:sldTgt/>
+                  </p:tgtEl>
+                </p:cond>
+              </p:nextCondLst>
+            </p:seq>
+          </p:childTnLst>
+        </p:cTn>
+      </p:par>
+    </p:tnLst>
+    <p:bldLst>
+      <p:bldP spid="3" grpId="0" build="p"/>
+    </p:bldLst>
   </p:timing>
 </p:sld>
 </file>
@@ -3622,54 +4304,92 @@
         </p:nvSpPr>
         <p:spPr/>
         <p:txBody>
-          <a:bodyPr/>
+          <a:bodyPr>
+            <a:normAutofit fontScale="70000" lnSpcReduction="20000"/>
+          </a:bodyPr>
           <a:lstStyle/>
           <a:p>
-            <a:r>
-              <a:rPr lang="de-CH" smtClean="0"/>
-              <a:t>Aufgabenstellungen / Anforderungen</a:t>
-            </a:r>
-          </a:p>
-          <a:p>
-            <a:r>
-              <a:rPr lang="de-CH" smtClean="0"/>
-              <a:t>Rahmenbedingungen</a:t>
-            </a:r>
-          </a:p>
-          <a:p>
-            <a:r>
-              <a:rPr lang="de-CH" smtClean="0"/>
+            <a:pPr>
+              <a:lnSpc>
+                <a:spcPct val="150000"/>
+              </a:lnSpc>
+            </a:pPr>
+            <a:r>
+              <a:rPr lang="de-CH" sz="4300" dirty="0" smtClean="0"/>
+              <a:t>Aufgabenstellung </a:t>
+            </a:r>
+            <a:r>
+              <a:rPr lang="de-CH" sz="4300" dirty="0" smtClean="0"/>
+              <a:t>/ Anforderungen</a:t>
+            </a:r>
+          </a:p>
+          <a:p>
+            <a:pPr>
+              <a:lnSpc>
+                <a:spcPct val="150000"/>
+              </a:lnSpc>
+            </a:pPr>
+            <a:r>
+              <a:rPr lang="de-CH" sz="4300" dirty="0" smtClean="0"/>
+              <a:t>Mein Projekt</a:t>
+            </a:r>
+            <a:endParaRPr lang="de-CH" sz="4300" dirty="0" smtClean="0"/>
+          </a:p>
+          <a:p>
+            <a:pPr>
+              <a:lnSpc>
+                <a:spcPct val="150000"/>
+              </a:lnSpc>
+            </a:pPr>
+            <a:r>
+              <a:rPr lang="de-CH" sz="4300" dirty="0" smtClean="0"/>
               <a:t>Umsetzung Projekt</a:t>
             </a:r>
           </a:p>
           <a:p>
-            <a:pPr lvl="1"/>
-            <a:r>
-              <a:rPr lang="de-CH" smtClean="0"/>
-              <a:t>Allgemeines</a:t>
-            </a:r>
-          </a:p>
-          <a:p>
-            <a:pPr lvl="1"/>
-            <a:r>
-              <a:rPr lang="de-CH" smtClean="0"/>
-              <a:t>wichtige Funktionen</a:t>
-            </a:r>
-          </a:p>
-          <a:p>
-            <a:pPr lvl="1"/>
-            <a:r>
-              <a:rPr lang="de-CH" smtClean="0"/>
+            <a:pPr lvl="1">
+              <a:lnSpc>
+                <a:spcPct val="150000"/>
+              </a:lnSpc>
+            </a:pPr>
+            <a:r>
+              <a:rPr lang="de-CH" sz="3200" dirty="0" smtClean="0"/>
+              <a:t>Grundgedanke / Ansatz</a:t>
+            </a:r>
+          </a:p>
+          <a:p>
+            <a:pPr lvl="1">
+              <a:lnSpc>
+                <a:spcPct val="150000"/>
+              </a:lnSpc>
+            </a:pPr>
+            <a:r>
+              <a:rPr lang="de-CH" sz="3200" dirty="0" smtClean="0"/>
+              <a:t>Ablauf eines Zuges</a:t>
+            </a:r>
+          </a:p>
+          <a:p>
+            <a:pPr lvl="1">
+              <a:lnSpc>
+                <a:spcPct val="150000"/>
+              </a:lnSpc>
+            </a:pPr>
+            <a:r>
+              <a:rPr lang="de-CH" sz="3200" dirty="0" smtClean="0"/>
               <a:t>Schwierigkeiten</a:t>
             </a:r>
-            <a:endParaRPr lang="de-CH"/>
-          </a:p>
-          <a:p>
-            <a:r>
-              <a:rPr lang="de-CH" smtClean="0"/>
-              <a:t>Demo</a:t>
-            </a:r>
-            <a:endParaRPr lang="de-CH"/>
+            <a:endParaRPr lang="de-CH" sz="3200" dirty="0"/>
+          </a:p>
+          <a:p>
+            <a:pPr>
+              <a:lnSpc>
+                <a:spcPct val="150000"/>
+              </a:lnSpc>
+            </a:pPr>
+            <a:r>
+              <a:rPr lang="de-CH" sz="4300" dirty="0" smtClean="0"/>
+              <a:t>Demonstration</a:t>
+            </a:r>
           </a:p>
         </p:txBody>
       </p:sp>
@@ -3683,6 +4403,799 @@
   <p:clrMapOvr>
     <a:masterClrMapping/>
   </p:clrMapOvr>
+  <mc:AlternateContent xmlns:mc="http://schemas.openxmlformats.org/markup-compatibility/2006">
+    <mc:Choice xmlns:p14="http://schemas.microsoft.com/office/powerpoint/2010/main" Requires="p14">
+      <p:transition spd="slow">
+        <p14:ferris dir="l"/>
+      </p:transition>
+    </mc:Choice>
+    <mc:Fallback>
+      <p:transition spd="slow">
+        <p:fade/>
+      </p:transition>
+    </mc:Fallback>
+  </mc:AlternateContent>
+  <p:timing>
+    <p:tnLst>
+      <p:par>
+        <p:cTn id="1" dur="indefinite" restart="never" nodeType="tmRoot">
+          <p:childTnLst>
+            <p:seq concurrent="1" nextAc="seek">
+              <p:cTn id="2" dur="indefinite" nodeType="mainSeq">
+                <p:childTnLst>
+                  <p:par>
+                    <p:cTn id="3" fill="hold">
+                      <p:stCondLst>
+                        <p:cond delay="indefinite"/>
+                      </p:stCondLst>
+                      <p:childTnLst>
+                        <p:par>
+                          <p:cTn id="4" fill="hold">
+                            <p:stCondLst>
+                              <p:cond delay="0"/>
+                            </p:stCondLst>
+                            <p:childTnLst>
+                              <p:par>
+                                <p:cTn id="5" presetID="42" presetClass="entr" presetSubtype="0" fill="hold" nodeType="clickEffect">
+                                  <p:stCondLst>
+                                    <p:cond delay="0"/>
+                                  </p:stCondLst>
+                                  <p:childTnLst>
+                                    <p:set>
+                                      <p:cBhvr>
+                                        <p:cTn id="6" dur="1" fill="hold">
+                                          <p:stCondLst>
+                                            <p:cond delay="0"/>
+                                          </p:stCondLst>
+                                        </p:cTn>
+                                        <p:tgtEl>
+                                          <p:spTgt spid="3">
+                                            <p:txEl>
+                                              <p:pRg st="0" end="0"/>
+                                            </p:txEl>
+                                          </p:spTgt>
+                                        </p:tgtEl>
+                                        <p:attrNameLst>
+                                          <p:attrName>style.visibility</p:attrName>
+                                        </p:attrNameLst>
+                                      </p:cBhvr>
+                                      <p:to>
+                                        <p:strVal val="visible"/>
+                                      </p:to>
+                                    </p:set>
+                                    <p:animEffect transition="in" filter="fade">
+                                      <p:cBhvr>
+                                        <p:cTn id="7" dur="500"/>
+                                        <p:tgtEl>
+                                          <p:spTgt spid="3">
+                                            <p:txEl>
+                                              <p:pRg st="0" end="0"/>
+                                            </p:txEl>
+                                          </p:spTgt>
+                                        </p:tgtEl>
+                                      </p:cBhvr>
+                                    </p:animEffect>
+                                    <p:anim calcmode="lin" valueType="num">
+                                      <p:cBhvr>
+                                        <p:cTn id="8" dur="500" fill="hold"/>
+                                        <p:tgtEl>
+                                          <p:spTgt spid="3">
+                                            <p:txEl>
+                                              <p:pRg st="0" end="0"/>
+                                            </p:txEl>
+                                          </p:spTgt>
+                                        </p:tgtEl>
+                                        <p:attrNameLst>
+                                          <p:attrName>ppt_x</p:attrName>
+                                        </p:attrNameLst>
+                                      </p:cBhvr>
+                                      <p:tavLst>
+                                        <p:tav tm="0">
+                                          <p:val>
+                                            <p:strVal val="#ppt_x"/>
+                                          </p:val>
+                                        </p:tav>
+                                        <p:tav tm="100000">
+                                          <p:val>
+                                            <p:strVal val="#ppt_x"/>
+                                          </p:val>
+                                        </p:tav>
+                                      </p:tavLst>
+                                    </p:anim>
+                                    <p:anim calcmode="lin" valueType="num">
+                                      <p:cBhvr>
+                                        <p:cTn id="9" dur="500" fill="hold"/>
+                                        <p:tgtEl>
+                                          <p:spTgt spid="3">
+                                            <p:txEl>
+                                              <p:pRg st="0" end="0"/>
+                                            </p:txEl>
+                                          </p:spTgt>
+                                        </p:tgtEl>
+                                        <p:attrNameLst>
+                                          <p:attrName>ppt_y</p:attrName>
+                                        </p:attrNameLst>
+                                      </p:cBhvr>
+                                      <p:tavLst>
+                                        <p:tav tm="0">
+                                          <p:val>
+                                            <p:strVal val="#ppt_y+.1"/>
+                                          </p:val>
+                                        </p:tav>
+                                        <p:tav tm="100000">
+                                          <p:val>
+                                            <p:strVal val="#ppt_y"/>
+                                          </p:val>
+                                        </p:tav>
+                                      </p:tavLst>
+                                    </p:anim>
+                                  </p:childTnLst>
+                                </p:cTn>
+                              </p:par>
+                            </p:childTnLst>
+                          </p:cTn>
+                        </p:par>
+                      </p:childTnLst>
+                    </p:cTn>
+                  </p:par>
+                  <p:par>
+                    <p:cTn id="10" fill="hold">
+                      <p:stCondLst>
+                        <p:cond delay="indefinite"/>
+                      </p:stCondLst>
+                      <p:childTnLst>
+                        <p:par>
+                          <p:cTn id="11" fill="hold">
+                            <p:stCondLst>
+                              <p:cond delay="0"/>
+                            </p:stCondLst>
+                            <p:childTnLst>
+                              <p:par>
+                                <p:cTn id="12" presetID="42" presetClass="entr" presetSubtype="0" fill="hold" nodeType="clickEffect">
+                                  <p:stCondLst>
+                                    <p:cond delay="0"/>
+                                  </p:stCondLst>
+                                  <p:childTnLst>
+                                    <p:set>
+                                      <p:cBhvr>
+                                        <p:cTn id="13" dur="1" fill="hold">
+                                          <p:stCondLst>
+                                            <p:cond delay="0"/>
+                                          </p:stCondLst>
+                                        </p:cTn>
+                                        <p:tgtEl>
+                                          <p:spTgt spid="3">
+                                            <p:txEl>
+                                              <p:pRg st="1" end="1"/>
+                                            </p:txEl>
+                                          </p:spTgt>
+                                        </p:tgtEl>
+                                        <p:attrNameLst>
+                                          <p:attrName>style.visibility</p:attrName>
+                                        </p:attrNameLst>
+                                      </p:cBhvr>
+                                      <p:to>
+                                        <p:strVal val="visible"/>
+                                      </p:to>
+                                    </p:set>
+                                    <p:animEffect transition="in" filter="fade">
+                                      <p:cBhvr>
+                                        <p:cTn id="14" dur="500"/>
+                                        <p:tgtEl>
+                                          <p:spTgt spid="3">
+                                            <p:txEl>
+                                              <p:pRg st="1" end="1"/>
+                                            </p:txEl>
+                                          </p:spTgt>
+                                        </p:tgtEl>
+                                      </p:cBhvr>
+                                    </p:animEffect>
+                                    <p:anim calcmode="lin" valueType="num">
+                                      <p:cBhvr>
+                                        <p:cTn id="15" dur="500" fill="hold"/>
+                                        <p:tgtEl>
+                                          <p:spTgt spid="3">
+                                            <p:txEl>
+                                              <p:pRg st="1" end="1"/>
+                                            </p:txEl>
+                                          </p:spTgt>
+                                        </p:tgtEl>
+                                        <p:attrNameLst>
+                                          <p:attrName>ppt_x</p:attrName>
+                                        </p:attrNameLst>
+                                      </p:cBhvr>
+                                      <p:tavLst>
+                                        <p:tav tm="0">
+                                          <p:val>
+                                            <p:strVal val="#ppt_x"/>
+                                          </p:val>
+                                        </p:tav>
+                                        <p:tav tm="100000">
+                                          <p:val>
+                                            <p:strVal val="#ppt_x"/>
+                                          </p:val>
+                                        </p:tav>
+                                      </p:tavLst>
+                                    </p:anim>
+                                    <p:anim calcmode="lin" valueType="num">
+                                      <p:cBhvr>
+                                        <p:cTn id="16" dur="500" fill="hold"/>
+                                        <p:tgtEl>
+                                          <p:spTgt spid="3">
+                                            <p:txEl>
+                                              <p:pRg st="1" end="1"/>
+                                            </p:txEl>
+                                          </p:spTgt>
+                                        </p:tgtEl>
+                                        <p:attrNameLst>
+                                          <p:attrName>ppt_y</p:attrName>
+                                        </p:attrNameLst>
+                                      </p:cBhvr>
+                                      <p:tavLst>
+                                        <p:tav tm="0">
+                                          <p:val>
+                                            <p:strVal val="#ppt_y+.1"/>
+                                          </p:val>
+                                        </p:tav>
+                                        <p:tav tm="100000">
+                                          <p:val>
+                                            <p:strVal val="#ppt_y"/>
+                                          </p:val>
+                                        </p:tav>
+                                      </p:tavLst>
+                                    </p:anim>
+                                  </p:childTnLst>
+                                </p:cTn>
+                              </p:par>
+                            </p:childTnLst>
+                          </p:cTn>
+                        </p:par>
+                      </p:childTnLst>
+                    </p:cTn>
+                  </p:par>
+                  <p:par>
+                    <p:cTn id="17" fill="hold">
+                      <p:stCondLst>
+                        <p:cond delay="indefinite"/>
+                      </p:stCondLst>
+                      <p:childTnLst>
+                        <p:par>
+                          <p:cTn id="18" fill="hold">
+                            <p:stCondLst>
+                              <p:cond delay="0"/>
+                            </p:stCondLst>
+                            <p:childTnLst>
+                              <p:par>
+                                <p:cTn id="19" presetID="42" presetClass="entr" presetSubtype="0" fill="hold" nodeType="clickEffect">
+                                  <p:stCondLst>
+                                    <p:cond delay="0"/>
+                                  </p:stCondLst>
+                                  <p:childTnLst>
+                                    <p:set>
+                                      <p:cBhvr>
+                                        <p:cTn id="20" dur="1" fill="hold">
+                                          <p:stCondLst>
+                                            <p:cond delay="0"/>
+                                          </p:stCondLst>
+                                        </p:cTn>
+                                        <p:tgtEl>
+                                          <p:spTgt spid="3">
+                                            <p:txEl>
+                                              <p:pRg st="2" end="2"/>
+                                            </p:txEl>
+                                          </p:spTgt>
+                                        </p:tgtEl>
+                                        <p:attrNameLst>
+                                          <p:attrName>style.visibility</p:attrName>
+                                        </p:attrNameLst>
+                                      </p:cBhvr>
+                                      <p:to>
+                                        <p:strVal val="visible"/>
+                                      </p:to>
+                                    </p:set>
+                                    <p:animEffect transition="in" filter="fade">
+                                      <p:cBhvr>
+                                        <p:cTn id="21" dur="500"/>
+                                        <p:tgtEl>
+                                          <p:spTgt spid="3">
+                                            <p:txEl>
+                                              <p:pRg st="2" end="2"/>
+                                            </p:txEl>
+                                          </p:spTgt>
+                                        </p:tgtEl>
+                                      </p:cBhvr>
+                                    </p:animEffect>
+                                    <p:anim calcmode="lin" valueType="num">
+                                      <p:cBhvr>
+                                        <p:cTn id="22" dur="500" fill="hold"/>
+                                        <p:tgtEl>
+                                          <p:spTgt spid="3">
+                                            <p:txEl>
+                                              <p:pRg st="2" end="2"/>
+                                            </p:txEl>
+                                          </p:spTgt>
+                                        </p:tgtEl>
+                                        <p:attrNameLst>
+                                          <p:attrName>ppt_x</p:attrName>
+                                        </p:attrNameLst>
+                                      </p:cBhvr>
+                                      <p:tavLst>
+                                        <p:tav tm="0">
+                                          <p:val>
+                                            <p:strVal val="#ppt_x"/>
+                                          </p:val>
+                                        </p:tav>
+                                        <p:tav tm="100000">
+                                          <p:val>
+                                            <p:strVal val="#ppt_x"/>
+                                          </p:val>
+                                        </p:tav>
+                                      </p:tavLst>
+                                    </p:anim>
+                                    <p:anim calcmode="lin" valueType="num">
+                                      <p:cBhvr>
+                                        <p:cTn id="23" dur="500" fill="hold"/>
+                                        <p:tgtEl>
+                                          <p:spTgt spid="3">
+                                            <p:txEl>
+                                              <p:pRg st="2" end="2"/>
+                                            </p:txEl>
+                                          </p:spTgt>
+                                        </p:tgtEl>
+                                        <p:attrNameLst>
+                                          <p:attrName>ppt_y</p:attrName>
+                                        </p:attrNameLst>
+                                      </p:cBhvr>
+                                      <p:tavLst>
+                                        <p:tav tm="0">
+                                          <p:val>
+                                            <p:strVal val="#ppt_y+.1"/>
+                                          </p:val>
+                                        </p:tav>
+                                        <p:tav tm="100000">
+                                          <p:val>
+                                            <p:strVal val="#ppt_y"/>
+                                          </p:val>
+                                        </p:tav>
+                                      </p:tavLst>
+                                    </p:anim>
+                                  </p:childTnLst>
+                                </p:cTn>
+                              </p:par>
+                              <p:par>
+                                <p:cTn id="24" presetID="42" presetClass="entr" presetSubtype="0" fill="hold" nodeType="withEffect">
+                                  <p:stCondLst>
+                                    <p:cond delay="0"/>
+                                  </p:stCondLst>
+                                  <p:childTnLst>
+                                    <p:set>
+                                      <p:cBhvr>
+                                        <p:cTn id="25" dur="1" fill="hold">
+                                          <p:stCondLst>
+                                            <p:cond delay="0"/>
+                                          </p:stCondLst>
+                                        </p:cTn>
+                                        <p:tgtEl>
+                                          <p:spTgt spid="3">
+                                            <p:txEl>
+                                              <p:pRg st="3" end="3"/>
+                                            </p:txEl>
+                                          </p:spTgt>
+                                        </p:tgtEl>
+                                        <p:attrNameLst>
+                                          <p:attrName>style.visibility</p:attrName>
+                                        </p:attrNameLst>
+                                      </p:cBhvr>
+                                      <p:to>
+                                        <p:strVal val="visible"/>
+                                      </p:to>
+                                    </p:set>
+                                    <p:animEffect transition="in" filter="fade">
+                                      <p:cBhvr>
+                                        <p:cTn id="26" dur="500"/>
+                                        <p:tgtEl>
+                                          <p:spTgt spid="3">
+                                            <p:txEl>
+                                              <p:pRg st="3" end="3"/>
+                                            </p:txEl>
+                                          </p:spTgt>
+                                        </p:tgtEl>
+                                      </p:cBhvr>
+                                    </p:animEffect>
+                                    <p:anim calcmode="lin" valueType="num">
+                                      <p:cBhvr>
+                                        <p:cTn id="27" dur="500" fill="hold"/>
+                                        <p:tgtEl>
+                                          <p:spTgt spid="3">
+                                            <p:txEl>
+                                              <p:pRg st="3" end="3"/>
+                                            </p:txEl>
+                                          </p:spTgt>
+                                        </p:tgtEl>
+                                        <p:attrNameLst>
+                                          <p:attrName>ppt_x</p:attrName>
+                                        </p:attrNameLst>
+                                      </p:cBhvr>
+                                      <p:tavLst>
+                                        <p:tav tm="0">
+                                          <p:val>
+                                            <p:strVal val="#ppt_x"/>
+                                          </p:val>
+                                        </p:tav>
+                                        <p:tav tm="100000">
+                                          <p:val>
+                                            <p:strVal val="#ppt_x"/>
+                                          </p:val>
+                                        </p:tav>
+                                      </p:tavLst>
+                                    </p:anim>
+                                    <p:anim calcmode="lin" valueType="num">
+                                      <p:cBhvr>
+                                        <p:cTn id="28" dur="500" fill="hold"/>
+                                        <p:tgtEl>
+                                          <p:spTgt spid="3">
+                                            <p:txEl>
+                                              <p:pRg st="3" end="3"/>
+                                            </p:txEl>
+                                          </p:spTgt>
+                                        </p:tgtEl>
+                                        <p:attrNameLst>
+                                          <p:attrName>ppt_y</p:attrName>
+                                        </p:attrNameLst>
+                                      </p:cBhvr>
+                                      <p:tavLst>
+                                        <p:tav tm="0">
+                                          <p:val>
+                                            <p:strVal val="#ppt_y+.1"/>
+                                          </p:val>
+                                        </p:tav>
+                                        <p:tav tm="100000">
+                                          <p:val>
+                                            <p:strVal val="#ppt_y"/>
+                                          </p:val>
+                                        </p:tav>
+                                      </p:tavLst>
+                                    </p:anim>
+                                  </p:childTnLst>
+                                </p:cTn>
+                              </p:par>
+                              <p:par>
+                                <p:cTn id="29" presetID="42" presetClass="entr" presetSubtype="0" fill="hold" nodeType="withEffect">
+                                  <p:stCondLst>
+                                    <p:cond delay="0"/>
+                                  </p:stCondLst>
+                                  <p:childTnLst>
+                                    <p:set>
+                                      <p:cBhvr>
+                                        <p:cTn id="30" dur="1" fill="hold">
+                                          <p:stCondLst>
+                                            <p:cond delay="0"/>
+                                          </p:stCondLst>
+                                        </p:cTn>
+                                        <p:tgtEl>
+                                          <p:spTgt spid="3">
+                                            <p:txEl>
+                                              <p:pRg st="4" end="4"/>
+                                            </p:txEl>
+                                          </p:spTgt>
+                                        </p:tgtEl>
+                                        <p:attrNameLst>
+                                          <p:attrName>style.visibility</p:attrName>
+                                        </p:attrNameLst>
+                                      </p:cBhvr>
+                                      <p:to>
+                                        <p:strVal val="visible"/>
+                                      </p:to>
+                                    </p:set>
+                                    <p:animEffect transition="in" filter="fade">
+                                      <p:cBhvr>
+                                        <p:cTn id="31" dur="500"/>
+                                        <p:tgtEl>
+                                          <p:spTgt spid="3">
+                                            <p:txEl>
+                                              <p:pRg st="4" end="4"/>
+                                            </p:txEl>
+                                          </p:spTgt>
+                                        </p:tgtEl>
+                                      </p:cBhvr>
+                                    </p:animEffect>
+                                    <p:anim calcmode="lin" valueType="num">
+                                      <p:cBhvr>
+                                        <p:cTn id="32" dur="500" fill="hold"/>
+                                        <p:tgtEl>
+                                          <p:spTgt spid="3">
+                                            <p:txEl>
+                                              <p:pRg st="4" end="4"/>
+                                            </p:txEl>
+                                          </p:spTgt>
+                                        </p:tgtEl>
+                                        <p:attrNameLst>
+                                          <p:attrName>ppt_x</p:attrName>
+                                        </p:attrNameLst>
+                                      </p:cBhvr>
+                                      <p:tavLst>
+                                        <p:tav tm="0">
+                                          <p:val>
+                                            <p:strVal val="#ppt_x"/>
+                                          </p:val>
+                                        </p:tav>
+                                        <p:tav tm="100000">
+                                          <p:val>
+                                            <p:strVal val="#ppt_x"/>
+                                          </p:val>
+                                        </p:tav>
+                                      </p:tavLst>
+                                    </p:anim>
+                                    <p:anim calcmode="lin" valueType="num">
+                                      <p:cBhvr>
+                                        <p:cTn id="33" dur="500" fill="hold"/>
+                                        <p:tgtEl>
+                                          <p:spTgt spid="3">
+                                            <p:txEl>
+                                              <p:pRg st="4" end="4"/>
+                                            </p:txEl>
+                                          </p:spTgt>
+                                        </p:tgtEl>
+                                        <p:attrNameLst>
+                                          <p:attrName>ppt_y</p:attrName>
+                                        </p:attrNameLst>
+                                      </p:cBhvr>
+                                      <p:tavLst>
+                                        <p:tav tm="0">
+                                          <p:val>
+                                            <p:strVal val="#ppt_y+.1"/>
+                                          </p:val>
+                                        </p:tav>
+                                        <p:tav tm="100000">
+                                          <p:val>
+                                            <p:strVal val="#ppt_y"/>
+                                          </p:val>
+                                        </p:tav>
+                                      </p:tavLst>
+                                    </p:anim>
+                                  </p:childTnLst>
+                                </p:cTn>
+                              </p:par>
+                              <p:par>
+                                <p:cTn id="34" presetID="42" presetClass="entr" presetSubtype="0" fill="hold" nodeType="withEffect">
+                                  <p:stCondLst>
+                                    <p:cond delay="0"/>
+                                  </p:stCondLst>
+                                  <p:childTnLst>
+                                    <p:set>
+                                      <p:cBhvr>
+                                        <p:cTn id="35" dur="1" fill="hold">
+                                          <p:stCondLst>
+                                            <p:cond delay="0"/>
+                                          </p:stCondLst>
+                                        </p:cTn>
+                                        <p:tgtEl>
+                                          <p:spTgt spid="3">
+                                            <p:txEl>
+                                              <p:pRg st="5" end="5"/>
+                                            </p:txEl>
+                                          </p:spTgt>
+                                        </p:tgtEl>
+                                        <p:attrNameLst>
+                                          <p:attrName>style.visibility</p:attrName>
+                                        </p:attrNameLst>
+                                      </p:cBhvr>
+                                      <p:to>
+                                        <p:strVal val="visible"/>
+                                      </p:to>
+                                    </p:set>
+                                    <p:animEffect transition="in" filter="fade">
+                                      <p:cBhvr>
+                                        <p:cTn id="36" dur="500"/>
+                                        <p:tgtEl>
+                                          <p:spTgt spid="3">
+                                            <p:txEl>
+                                              <p:pRg st="5" end="5"/>
+                                            </p:txEl>
+                                          </p:spTgt>
+                                        </p:tgtEl>
+                                      </p:cBhvr>
+                                    </p:animEffect>
+                                    <p:anim calcmode="lin" valueType="num">
+                                      <p:cBhvr>
+                                        <p:cTn id="37" dur="500" fill="hold"/>
+                                        <p:tgtEl>
+                                          <p:spTgt spid="3">
+                                            <p:txEl>
+                                              <p:pRg st="5" end="5"/>
+                                            </p:txEl>
+                                          </p:spTgt>
+                                        </p:tgtEl>
+                                        <p:attrNameLst>
+                                          <p:attrName>ppt_x</p:attrName>
+                                        </p:attrNameLst>
+                                      </p:cBhvr>
+                                      <p:tavLst>
+                                        <p:tav tm="0">
+                                          <p:val>
+                                            <p:strVal val="#ppt_x"/>
+                                          </p:val>
+                                        </p:tav>
+                                        <p:tav tm="100000">
+                                          <p:val>
+                                            <p:strVal val="#ppt_x"/>
+                                          </p:val>
+                                        </p:tav>
+                                      </p:tavLst>
+                                    </p:anim>
+                                    <p:anim calcmode="lin" valueType="num">
+                                      <p:cBhvr>
+                                        <p:cTn id="38" dur="500" fill="hold"/>
+                                        <p:tgtEl>
+                                          <p:spTgt spid="3">
+                                            <p:txEl>
+                                              <p:pRg st="5" end="5"/>
+                                            </p:txEl>
+                                          </p:spTgt>
+                                        </p:tgtEl>
+                                        <p:attrNameLst>
+                                          <p:attrName>ppt_y</p:attrName>
+                                        </p:attrNameLst>
+                                      </p:cBhvr>
+                                      <p:tavLst>
+                                        <p:tav tm="0">
+                                          <p:val>
+                                            <p:strVal val="#ppt_y+.1"/>
+                                          </p:val>
+                                        </p:tav>
+                                        <p:tav tm="100000">
+                                          <p:val>
+                                            <p:strVal val="#ppt_y"/>
+                                          </p:val>
+                                        </p:tav>
+                                      </p:tavLst>
+                                    </p:anim>
+                                  </p:childTnLst>
+                                </p:cTn>
+                              </p:par>
+                            </p:childTnLst>
+                          </p:cTn>
+                        </p:par>
+                      </p:childTnLst>
+                    </p:cTn>
+                  </p:par>
+                  <p:par>
+                    <p:cTn id="39" fill="hold">
+                      <p:stCondLst>
+                        <p:cond delay="indefinite"/>
+                      </p:stCondLst>
+                      <p:childTnLst>
+                        <p:par>
+                          <p:cTn id="40" fill="hold">
+                            <p:stCondLst>
+                              <p:cond delay="0"/>
+                            </p:stCondLst>
+                            <p:childTnLst>
+                              <p:par>
+                                <p:cTn id="41" presetID="42" presetClass="entr" presetSubtype="0" fill="hold" nodeType="clickEffect">
+                                  <p:stCondLst>
+                                    <p:cond delay="0"/>
+                                  </p:stCondLst>
+                                  <p:childTnLst>
+                                    <p:set>
+                                      <p:cBhvr>
+                                        <p:cTn id="42" dur="1" fill="hold">
+                                          <p:stCondLst>
+                                            <p:cond delay="0"/>
+                                          </p:stCondLst>
+                                        </p:cTn>
+                                        <p:tgtEl>
+                                          <p:spTgt spid="3">
+                                            <p:txEl>
+                                              <p:pRg st="6" end="6"/>
+                                            </p:txEl>
+                                          </p:spTgt>
+                                        </p:tgtEl>
+                                        <p:attrNameLst>
+                                          <p:attrName>style.visibility</p:attrName>
+                                        </p:attrNameLst>
+                                      </p:cBhvr>
+                                      <p:to>
+                                        <p:strVal val="visible"/>
+                                      </p:to>
+                                    </p:set>
+                                    <p:animEffect transition="in" filter="fade">
+                                      <p:cBhvr>
+                                        <p:cTn id="43" dur="500"/>
+                                        <p:tgtEl>
+                                          <p:spTgt spid="3">
+                                            <p:txEl>
+                                              <p:pRg st="6" end="6"/>
+                                            </p:txEl>
+                                          </p:spTgt>
+                                        </p:tgtEl>
+                                      </p:cBhvr>
+                                    </p:animEffect>
+                                    <p:anim calcmode="lin" valueType="num">
+                                      <p:cBhvr>
+                                        <p:cTn id="44" dur="500" fill="hold"/>
+                                        <p:tgtEl>
+                                          <p:spTgt spid="3">
+                                            <p:txEl>
+                                              <p:pRg st="6" end="6"/>
+                                            </p:txEl>
+                                          </p:spTgt>
+                                        </p:tgtEl>
+                                        <p:attrNameLst>
+                                          <p:attrName>ppt_x</p:attrName>
+                                        </p:attrNameLst>
+                                      </p:cBhvr>
+                                      <p:tavLst>
+                                        <p:tav tm="0">
+                                          <p:val>
+                                            <p:strVal val="#ppt_x"/>
+                                          </p:val>
+                                        </p:tav>
+                                        <p:tav tm="100000">
+                                          <p:val>
+                                            <p:strVal val="#ppt_x"/>
+                                          </p:val>
+                                        </p:tav>
+                                      </p:tavLst>
+                                    </p:anim>
+                                    <p:anim calcmode="lin" valueType="num">
+                                      <p:cBhvr>
+                                        <p:cTn id="45" dur="500" fill="hold"/>
+                                        <p:tgtEl>
+                                          <p:spTgt spid="3">
+                                            <p:txEl>
+                                              <p:pRg st="6" end="6"/>
+                                            </p:txEl>
+                                          </p:spTgt>
+                                        </p:tgtEl>
+                                        <p:attrNameLst>
+                                          <p:attrName>ppt_y</p:attrName>
+                                        </p:attrNameLst>
+                                      </p:cBhvr>
+                                      <p:tavLst>
+                                        <p:tav tm="0">
+                                          <p:val>
+                                            <p:strVal val="#ppt_y+.1"/>
+                                          </p:val>
+                                        </p:tav>
+                                        <p:tav tm="100000">
+                                          <p:val>
+                                            <p:strVal val="#ppt_y"/>
+                                          </p:val>
+                                        </p:tav>
+                                      </p:tavLst>
+                                    </p:anim>
+                                  </p:childTnLst>
+                                </p:cTn>
+                              </p:par>
+                            </p:childTnLst>
+                          </p:cTn>
+                        </p:par>
+                      </p:childTnLst>
+                    </p:cTn>
+                  </p:par>
+                </p:childTnLst>
+              </p:cTn>
+              <p:prevCondLst>
+                <p:cond evt="onPrev" delay="0">
+                  <p:tgtEl>
+                    <p:sldTgt/>
+                  </p:tgtEl>
+                </p:cond>
+              </p:prevCondLst>
+              <p:nextCondLst>
+                <p:cond evt="onNext" delay="0">
+                  <p:tgtEl>
+                    <p:sldTgt/>
+                  </p:tgtEl>
+                </p:cond>
+              </p:nextCondLst>
+            </p:seq>
+          </p:childTnLst>
+        </p:cTn>
+      </p:par>
+    </p:tnLst>
+  </p:timing>
 </p:sld>
 </file>
 
@@ -3738,10 +5251,80 @@
         </p:nvSpPr>
         <p:spPr/>
         <p:txBody>
-          <a:bodyPr/>
+          <a:bodyPr>
+            <a:normAutofit fontScale="85000" lnSpcReduction="10000"/>
+          </a:bodyPr>
           <a:lstStyle/>
           <a:p>
-            <a:endParaRPr lang="de-CH"/>
+            <a:pPr>
+              <a:lnSpc>
+                <a:spcPct val="150000"/>
+              </a:lnSpc>
+            </a:pPr>
+            <a:r>
+              <a:rPr lang="de-CH" dirty="0" smtClean="0"/>
+              <a:t>Brettspiel Dame oder Mühle in Java oder C#</a:t>
+            </a:r>
+          </a:p>
+          <a:p>
+            <a:pPr>
+              <a:lnSpc>
+                <a:spcPct val="150000"/>
+              </a:lnSpc>
+            </a:pPr>
+            <a:r>
+              <a:rPr lang="de-CH" dirty="0" smtClean="0"/>
+              <a:t>Spielmodus Spieler vs. Spieler</a:t>
+            </a:r>
+          </a:p>
+          <a:p>
+            <a:pPr>
+              <a:lnSpc>
+                <a:spcPct val="150000"/>
+              </a:lnSpc>
+            </a:pPr>
+            <a:r>
+              <a:rPr lang="de-CH" dirty="0" smtClean="0"/>
+              <a:t>Spielmodus Spieler vs. Computer</a:t>
+            </a:r>
+          </a:p>
+          <a:p>
+            <a:pPr>
+              <a:lnSpc>
+                <a:spcPct val="150000"/>
+              </a:lnSpc>
+            </a:pPr>
+            <a:r>
+              <a:rPr lang="de-CH" dirty="0" smtClean="0"/>
+              <a:t>Systemdokumentation</a:t>
+            </a:r>
+          </a:p>
+          <a:p>
+            <a:pPr>
+              <a:lnSpc>
+                <a:spcPct val="150000"/>
+              </a:lnSpc>
+            </a:pPr>
+            <a:r>
+              <a:rPr lang="de-CH" dirty="0" smtClean="0"/>
+              <a:t>Betriebs- / Installationsanleitung</a:t>
+            </a:r>
+          </a:p>
+          <a:p>
+            <a:pPr>
+              <a:lnSpc>
+                <a:spcPct val="150000"/>
+              </a:lnSpc>
+            </a:pPr>
+            <a:r>
+              <a:rPr lang="de-CH" dirty="0" smtClean="0"/>
+              <a:t>Arbeitsdokumentation mit Arbeitsjournal oder </a:t>
+            </a:r>
+            <a:r>
+              <a:rPr lang="de-CH" dirty="0" err="1" smtClean="0"/>
+              <a:t>Scrum</a:t>
+            </a:r>
+            <a:endParaRPr lang="de-CH" dirty="0" smtClean="0"/>
           </a:p>
         </p:txBody>
       </p:sp>
@@ -3755,6 +5338,687 @@
   <p:clrMapOvr>
     <a:masterClrMapping/>
   </p:clrMapOvr>
+  <mc:AlternateContent xmlns:mc="http://schemas.openxmlformats.org/markup-compatibility/2006">
+    <mc:Choice xmlns:p14="http://schemas.microsoft.com/office/powerpoint/2010/main" Requires="p14">
+      <p:transition spd="slow">
+        <p14:ferris dir="l"/>
+      </p:transition>
+    </mc:Choice>
+    <mc:Fallback>
+      <p:transition spd="slow">
+        <p:fade/>
+      </p:transition>
+    </mc:Fallback>
+  </mc:AlternateContent>
+  <p:timing>
+    <p:tnLst>
+      <p:par>
+        <p:cTn id="1" dur="indefinite" restart="never" nodeType="tmRoot">
+          <p:childTnLst>
+            <p:seq concurrent="1" nextAc="seek">
+              <p:cTn id="2" dur="indefinite" nodeType="mainSeq">
+                <p:childTnLst>
+                  <p:par>
+                    <p:cTn id="3" fill="hold">
+                      <p:stCondLst>
+                        <p:cond delay="indefinite"/>
+                      </p:stCondLst>
+                      <p:childTnLst>
+                        <p:par>
+                          <p:cTn id="4" fill="hold">
+                            <p:stCondLst>
+                              <p:cond delay="0"/>
+                            </p:stCondLst>
+                            <p:childTnLst>
+                              <p:par>
+                                <p:cTn id="5" presetID="42" presetClass="entr" presetSubtype="0" fill="hold" grpId="0" nodeType="clickEffect">
+                                  <p:stCondLst>
+                                    <p:cond delay="0"/>
+                                  </p:stCondLst>
+                                  <p:childTnLst>
+                                    <p:set>
+                                      <p:cBhvr>
+                                        <p:cTn id="6" dur="1" fill="hold">
+                                          <p:stCondLst>
+                                            <p:cond delay="0"/>
+                                          </p:stCondLst>
+                                        </p:cTn>
+                                        <p:tgtEl>
+                                          <p:spTgt spid="3">
+                                            <p:txEl>
+                                              <p:pRg st="0" end="0"/>
+                                            </p:txEl>
+                                          </p:spTgt>
+                                        </p:tgtEl>
+                                        <p:attrNameLst>
+                                          <p:attrName>style.visibility</p:attrName>
+                                        </p:attrNameLst>
+                                      </p:cBhvr>
+                                      <p:to>
+                                        <p:strVal val="visible"/>
+                                      </p:to>
+                                    </p:set>
+                                    <p:animEffect transition="in" filter="fade">
+                                      <p:cBhvr>
+                                        <p:cTn id="7" dur="500"/>
+                                        <p:tgtEl>
+                                          <p:spTgt spid="3">
+                                            <p:txEl>
+                                              <p:pRg st="0" end="0"/>
+                                            </p:txEl>
+                                          </p:spTgt>
+                                        </p:tgtEl>
+                                      </p:cBhvr>
+                                    </p:animEffect>
+                                    <p:anim calcmode="lin" valueType="num">
+                                      <p:cBhvr>
+                                        <p:cTn id="8" dur="500" fill="hold"/>
+                                        <p:tgtEl>
+                                          <p:spTgt spid="3">
+                                            <p:txEl>
+                                              <p:pRg st="0" end="0"/>
+                                            </p:txEl>
+                                          </p:spTgt>
+                                        </p:tgtEl>
+                                        <p:attrNameLst>
+                                          <p:attrName>ppt_x</p:attrName>
+                                        </p:attrNameLst>
+                                      </p:cBhvr>
+                                      <p:tavLst>
+                                        <p:tav tm="0">
+                                          <p:val>
+                                            <p:strVal val="#ppt_x"/>
+                                          </p:val>
+                                        </p:tav>
+                                        <p:tav tm="100000">
+                                          <p:val>
+                                            <p:strVal val="#ppt_x"/>
+                                          </p:val>
+                                        </p:tav>
+                                      </p:tavLst>
+                                    </p:anim>
+                                    <p:anim calcmode="lin" valueType="num">
+                                      <p:cBhvr>
+                                        <p:cTn id="9" dur="500" fill="hold"/>
+                                        <p:tgtEl>
+                                          <p:spTgt spid="3">
+                                            <p:txEl>
+                                              <p:pRg st="0" end="0"/>
+                                            </p:txEl>
+                                          </p:spTgt>
+                                        </p:tgtEl>
+                                        <p:attrNameLst>
+                                          <p:attrName>ppt_y</p:attrName>
+                                        </p:attrNameLst>
+                                      </p:cBhvr>
+                                      <p:tavLst>
+                                        <p:tav tm="0">
+                                          <p:val>
+                                            <p:strVal val="#ppt_y+.1"/>
+                                          </p:val>
+                                        </p:tav>
+                                        <p:tav tm="100000">
+                                          <p:val>
+                                            <p:strVal val="#ppt_y"/>
+                                          </p:val>
+                                        </p:tav>
+                                      </p:tavLst>
+                                    </p:anim>
+                                  </p:childTnLst>
+                                </p:cTn>
+                              </p:par>
+                            </p:childTnLst>
+                          </p:cTn>
+                        </p:par>
+                      </p:childTnLst>
+                    </p:cTn>
+                  </p:par>
+                  <p:par>
+                    <p:cTn id="10" fill="hold">
+                      <p:stCondLst>
+                        <p:cond delay="indefinite"/>
+                      </p:stCondLst>
+                      <p:childTnLst>
+                        <p:par>
+                          <p:cTn id="11" fill="hold">
+                            <p:stCondLst>
+                              <p:cond delay="0"/>
+                            </p:stCondLst>
+                            <p:childTnLst>
+                              <p:par>
+                                <p:cTn id="12" presetID="42" presetClass="entr" presetSubtype="0" fill="hold" grpId="0" nodeType="clickEffect">
+                                  <p:stCondLst>
+                                    <p:cond delay="0"/>
+                                  </p:stCondLst>
+                                  <p:childTnLst>
+                                    <p:set>
+                                      <p:cBhvr>
+                                        <p:cTn id="13" dur="1" fill="hold">
+                                          <p:stCondLst>
+                                            <p:cond delay="0"/>
+                                          </p:stCondLst>
+                                        </p:cTn>
+                                        <p:tgtEl>
+                                          <p:spTgt spid="3">
+                                            <p:txEl>
+                                              <p:pRg st="1" end="1"/>
+                                            </p:txEl>
+                                          </p:spTgt>
+                                        </p:tgtEl>
+                                        <p:attrNameLst>
+                                          <p:attrName>style.visibility</p:attrName>
+                                        </p:attrNameLst>
+                                      </p:cBhvr>
+                                      <p:to>
+                                        <p:strVal val="visible"/>
+                                      </p:to>
+                                    </p:set>
+                                    <p:animEffect transition="in" filter="fade">
+                                      <p:cBhvr>
+                                        <p:cTn id="14" dur="500"/>
+                                        <p:tgtEl>
+                                          <p:spTgt spid="3">
+                                            <p:txEl>
+                                              <p:pRg st="1" end="1"/>
+                                            </p:txEl>
+                                          </p:spTgt>
+                                        </p:tgtEl>
+                                      </p:cBhvr>
+                                    </p:animEffect>
+                                    <p:anim calcmode="lin" valueType="num">
+                                      <p:cBhvr>
+                                        <p:cTn id="15" dur="500" fill="hold"/>
+                                        <p:tgtEl>
+                                          <p:spTgt spid="3">
+                                            <p:txEl>
+                                              <p:pRg st="1" end="1"/>
+                                            </p:txEl>
+                                          </p:spTgt>
+                                        </p:tgtEl>
+                                        <p:attrNameLst>
+                                          <p:attrName>ppt_x</p:attrName>
+                                        </p:attrNameLst>
+                                      </p:cBhvr>
+                                      <p:tavLst>
+                                        <p:tav tm="0">
+                                          <p:val>
+                                            <p:strVal val="#ppt_x"/>
+                                          </p:val>
+                                        </p:tav>
+                                        <p:tav tm="100000">
+                                          <p:val>
+                                            <p:strVal val="#ppt_x"/>
+                                          </p:val>
+                                        </p:tav>
+                                      </p:tavLst>
+                                    </p:anim>
+                                    <p:anim calcmode="lin" valueType="num">
+                                      <p:cBhvr>
+                                        <p:cTn id="16" dur="500" fill="hold"/>
+                                        <p:tgtEl>
+                                          <p:spTgt spid="3">
+                                            <p:txEl>
+                                              <p:pRg st="1" end="1"/>
+                                            </p:txEl>
+                                          </p:spTgt>
+                                        </p:tgtEl>
+                                        <p:attrNameLst>
+                                          <p:attrName>ppt_y</p:attrName>
+                                        </p:attrNameLst>
+                                      </p:cBhvr>
+                                      <p:tavLst>
+                                        <p:tav tm="0">
+                                          <p:val>
+                                            <p:strVal val="#ppt_y+.1"/>
+                                          </p:val>
+                                        </p:tav>
+                                        <p:tav tm="100000">
+                                          <p:val>
+                                            <p:strVal val="#ppt_y"/>
+                                          </p:val>
+                                        </p:tav>
+                                      </p:tavLst>
+                                    </p:anim>
+                                  </p:childTnLst>
+                                </p:cTn>
+                              </p:par>
+                              <p:par>
+                                <p:cTn id="17" presetID="42" presetClass="entr" presetSubtype="0" fill="hold" grpId="0" nodeType="withEffect">
+                                  <p:stCondLst>
+                                    <p:cond delay="0"/>
+                                  </p:stCondLst>
+                                  <p:childTnLst>
+                                    <p:set>
+                                      <p:cBhvr>
+                                        <p:cTn id="18" dur="1" fill="hold">
+                                          <p:stCondLst>
+                                            <p:cond delay="0"/>
+                                          </p:stCondLst>
+                                        </p:cTn>
+                                        <p:tgtEl>
+                                          <p:spTgt spid="3">
+                                            <p:txEl>
+                                              <p:pRg st="2" end="2"/>
+                                            </p:txEl>
+                                          </p:spTgt>
+                                        </p:tgtEl>
+                                        <p:attrNameLst>
+                                          <p:attrName>style.visibility</p:attrName>
+                                        </p:attrNameLst>
+                                      </p:cBhvr>
+                                      <p:to>
+                                        <p:strVal val="visible"/>
+                                      </p:to>
+                                    </p:set>
+                                    <p:animEffect transition="in" filter="fade">
+                                      <p:cBhvr>
+                                        <p:cTn id="19" dur="500"/>
+                                        <p:tgtEl>
+                                          <p:spTgt spid="3">
+                                            <p:txEl>
+                                              <p:pRg st="2" end="2"/>
+                                            </p:txEl>
+                                          </p:spTgt>
+                                        </p:tgtEl>
+                                      </p:cBhvr>
+                                    </p:animEffect>
+                                    <p:anim calcmode="lin" valueType="num">
+                                      <p:cBhvr>
+                                        <p:cTn id="20" dur="500" fill="hold"/>
+                                        <p:tgtEl>
+                                          <p:spTgt spid="3">
+                                            <p:txEl>
+                                              <p:pRg st="2" end="2"/>
+                                            </p:txEl>
+                                          </p:spTgt>
+                                        </p:tgtEl>
+                                        <p:attrNameLst>
+                                          <p:attrName>ppt_x</p:attrName>
+                                        </p:attrNameLst>
+                                      </p:cBhvr>
+                                      <p:tavLst>
+                                        <p:tav tm="0">
+                                          <p:val>
+                                            <p:strVal val="#ppt_x"/>
+                                          </p:val>
+                                        </p:tav>
+                                        <p:tav tm="100000">
+                                          <p:val>
+                                            <p:strVal val="#ppt_x"/>
+                                          </p:val>
+                                        </p:tav>
+                                      </p:tavLst>
+                                    </p:anim>
+                                    <p:anim calcmode="lin" valueType="num">
+                                      <p:cBhvr>
+                                        <p:cTn id="21" dur="500" fill="hold"/>
+                                        <p:tgtEl>
+                                          <p:spTgt spid="3">
+                                            <p:txEl>
+                                              <p:pRg st="2" end="2"/>
+                                            </p:txEl>
+                                          </p:spTgt>
+                                        </p:tgtEl>
+                                        <p:attrNameLst>
+                                          <p:attrName>ppt_y</p:attrName>
+                                        </p:attrNameLst>
+                                      </p:cBhvr>
+                                      <p:tavLst>
+                                        <p:tav tm="0">
+                                          <p:val>
+                                            <p:strVal val="#ppt_y+.1"/>
+                                          </p:val>
+                                        </p:tav>
+                                        <p:tav tm="100000">
+                                          <p:val>
+                                            <p:strVal val="#ppt_y"/>
+                                          </p:val>
+                                        </p:tav>
+                                      </p:tavLst>
+                                    </p:anim>
+                                  </p:childTnLst>
+                                </p:cTn>
+                              </p:par>
+                            </p:childTnLst>
+                          </p:cTn>
+                        </p:par>
+                      </p:childTnLst>
+                    </p:cTn>
+                  </p:par>
+                  <p:par>
+                    <p:cTn id="22" fill="hold">
+                      <p:stCondLst>
+                        <p:cond delay="indefinite"/>
+                      </p:stCondLst>
+                      <p:childTnLst>
+                        <p:par>
+                          <p:cTn id="23" fill="hold">
+                            <p:stCondLst>
+                              <p:cond delay="0"/>
+                            </p:stCondLst>
+                            <p:childTnLst>
+                              <p:par>
+                                <p:cTn id="24" presetID="42" presetClass="entr" presetSubtype="0" fill="hold" grpId="0" nodeType="clickEffect">
+                                  <p:stCondLst>
+                                    <p:cond delay="0"/>
+                                  </p:stCondLst>
+                                  <p:childTnLst>
+                                    <p:set>
+                                      <p:cBhvr>
+                                        <p:cTn id="25" dur="1" fill="hold">
+                                          <p:stCondLst>
+                                            <p:cond delay="0"/>
+                                          </p:stCondLst>
+                                        </p:cTn>
+                                        <p:tgtEl>
+                                          <p:spTgt spid="3">
+                                            <p:txEl>
+                                              <p:pRg st="3" end="3"/>
+                                            </p:txEl>
+                                          </p:spTgt>
+                                        </p:tgtEl>
+                                        <p:attrNameLst>
+                                          <p:attrName>style.visibility</p:attrName>
+                                        </p:attrNameLst>
+                                      </p:cBhvr>
+                                      <p:to>
+                                        <p:strVal val="visible"/>
+                                      </p:to>
+                                    </p:set>
+                                    <p:animEffect transition="in" filter="fade">
+                                      <p:cBhvr>
+                                        <p:cTn id="26" dur="500"/>
+                                        <p:tgtEl>
+                                          <p:spTgt spid="3">
+                                            <p:txEl>
+                                              <p:pRg st="3" end="3"/>
+                                            </p:txEl>
+                                          </p:spTgt>
+                                        </p:tgtEl>
+                                      </p:cBhvr>
+                                    </p:animEffect>
+                                    <p:anim calcmode="lin" valueType="num">
+                                      <p:cBhvr>
+                                        <p:cTn id="27" dur="500" fill="hold"/>
+                                        <p:tgtEl>
+                                          <p:spTgt spid="3">
+                                            <p:txEl>
+                                              <p:pRg st="3" end="3"/>
+                                            </p:txEl>
+                                          </p:spTgt>
+                                        </p:tgtEl>
+                                        <p:attrNameLst>
+                                          <p:attrName>ppt_x</p:attrName>
+                                        </p:attrNameLst>
+                                      </p:cBhvr>
+                                      <p:tavLst>
+                                        <p:tav tm="0">
+                                          <p:val>
+                                            <p:strVal val="#ppt_x"/>
+                                          </p:val>
+                                        </p:tav>
+                                        <p:tav tm="100000">
+                                          <p:val>
+                                            <p:strVal val="#ppt_x"/>
+                                          </p:val>
+                                        </p:tav>
+                                      </p:tavLst>
+                                    </p:anim>
+                                    <p:anim calcmode="lin" valueType="num">
+                                      <p:cBhvr>
+                                        <p:cTn id="28" dur="500" fill="hold"/>
+                                        <p:tgtEl>
+                                          <p:spTgt spid="3">
+                                            <p:txEl>
+                                              <p:pRg st="3" end="3"/>
+                                            </p:txEl>
+                                          </p:spTgt>
+                                        </p:tgtEl>
+                                        <p:attrNameLst>
+                                          <p:attrName>ppt_y</p:attrName>
+                                        </p:attrNameLst>
+                                      </p:cBhvr>
+                                      <p:tavLst>
+                                        <p:tav tm="0">
+                                          <p:val>
+                                            <p:strVal val="#ppt_y+.1"/>
+                                          </p:val>
+                                        </p:tav>
+                                        <p:tav tm="100000">
+                                          <p:val>
+                                            <p:strVal val="#ppt_y"/>
+                                          </p:val>
+                                        </p:tav>
+                                      </p:tavLst>
+                                    </p:anim>
+                                  </p:childTnLst>
+                                </p:cTn>
+                              </p:par>
+                              <p:par>
+                                <p:cTn id="29" presetID="42" presetClass="entr" presetSubtype="0" fill="hold" grpId="0" nodeType="withEffect">
+                                  <p:stCondLst>
+                                    <p:cond delay="0"/>
+                                  </p:stCondLst>
+                                  <p:childTnLst>
+                                    <p:set>
+                                      <p:cBhvr>
+                                        <p:cTn id="30" dur="1" fill="hold">
+                                          <p:stCondLst>
+                                            <p:cond delay="0"/>
+                                          </p:stCondLst>
+                                        </p:cTn>
+                                        <p:tgtEl>
+                                          <p:spTgt spid="3">
+                                            <p:txEl>
+                                              <p:pRg st="4" end="4"/>
+                                            </p:txEl>
+                                          </p:spTgt>
+                                        </p:tgtEl>
+                                        <p:attrNameLst>
+                                          <p:attrName>style.visibility</p:attrName>
+                                        </p:attrNameLst>
+                                      </p:cBhvr>
+                                      <p:to>
+                                        <p:strVal val="visible"/>
+                                      </p:to>
+                                    </p:set>
+                                    <p:animEffect transition="in" filter="fade">
+                                      <p:cBhvr>
+                                        <p:cTn id="31" dur="500"/>
+                                        <p:tgtEl>
+                                          <p:spTgt spid="3">
+                                            <p:txEl>
+                                              <p:pRg st="4" end="4"/>
+                                            </p:txEl>
+                                          </p:spTgt>
+                                        </p:tgtEl>
+                                      </p:cBhvr>
+                                    </p:animEffect>
+                                    <p:anim calcmode="lin" valueType="num">
+                                      <p:cBhvr>
+                                        <p:cTn id="32" dur="500" fill="hold"/>
+                                        <p:tgtEl>
+                                          <p:spTgt spid="3">
+                                            <p:txEl>
+                                              <p:pRg st="4" end="4"/>
+                                            </p:txEl>
+                                          </p:spTgt>
+                                        </p:tgtEl>
+                                        <p:attrNameLst>
+                                          <p:attrName>ppt_x</p:attrName>
+                                        </p:attrNameLst>
+                                      </p:cBhvr>
+                                      <p:tavLst>
+                                        <p:tav tm="0">
+                                          <p:val>
+                                            <p:strVal val="#ppt_x"/>
+                                          </p:val>
+                                        </p:tav>
+                                        <p:tav tm="100000">
+                                          <p:val>
+                                            <p:strVal val="#ppt_x"/>
+                                          </p:val>
+                                        </p:tav>
+                                      </p:tavLst>
+                                    </p:anim>
+                                    <p:anim calcmode="lin" valueType="num">
+                                      <p:cBhvr>
+                                        <p:cTn id="33" dur="500" fill="hold"/>
+                                        <p:tgtEl>
+                                          <p:spTgt spid="3">
+                                            <p:txEl>
+                                              <p:pRg st="4" end="4"/>
+                                            </p:txEl>
+                                          </p:spTgt>
+                                        </p:tgtEl>
+                                        <p:attrNameLst>
+                                          <p:attrName>ppt_y</p:attrName>
+                                        </p:attrNameLst>
+                                      </p:cBhvr>
+                                      <p:tavLst>
+                                        <p:tav tm="0">
+                                          <p:val>
+                                            <p:strVal val="#ppt_y+.1"/>
+                                          </p:val>
+                                        </p:tav>
+                                        <p:tav tm="100000">
+                                          <p:val>
+                                            <p:strVal val="#ppt_y"/>
+                                          </p:val>
+                                        </p:tav>
+                                      </p:tavLst>
+                                    </p:anim>
+                                  </p:childTnLst>
+                                </p:cTn>
+                              </p:par>
+                              <p:par>
+                                <p:cTn id="34" presetID="42" presetClass="entr" presetSubtype="0" fill="hold" grpId="0" nodeType="withEffect">
+                                  <p:stCondLst>
+                                    <p:cond delay="0"/>
+                                  </p:stCondLst>
+                                  <p:childTnLst>
+                                    <p:set>
+                                      <p:cBhvr>
+                                        <p:cTn id="35" dur="1" fill="hold">
+                                          <p:stCondLst>
+                                            <p:cond delay="0"/>
+                                          </p:stCondLst>
+                                        </p:cTn>
+                                        <p:tgtEl>
+                                          <p:spTgt spid="3">
+                                            <p:txEl>
+                                              <p:pRg st="5" end="5"/>
+                                            </p:txEl>
+                                          </p:spTgt>
+                                        </p:tgtEl>
+                                        <p:attrNameLst>
+                                          <p:attrName>style.visibility</p:attrName>
+                                        </p:attrNameLst>
+                                      </p:cBhvr>
+                                      <p:to>
+                                        <p:strVal val="visible"/>
+                                      </p:to>
+                                    </p:set>
+                                    <p:animEffect transition="in" filter="fade">
+                                      <p:cBhvr>
+                                        <p:cTn id="36" dur="500"/>
+                                        <p:tgtEl>
+                                          <p:spTgt spid="3">
+                                            <p:txEl>
+                                              <p:pRg st="5" end="5"/>
+                                            </p:txEl>
+                                          </p:spTgt>
+                                        </p:tgtEl>
+                                      </p:cBhvr>
+                                    </p:animEffect>
+                                    <p:anim calcmode="lin" valueType="num">
+                                      <p:cBhvr>
+                                        <p:cTn id="37" dur="500" fill="hold"/>
+                                        <p:tgtEl>
+                                          <p:spTgt spid="3">
+                                            <p:txEl>
+                                              <p:pRg st="5" end="5"/>
+                                            </p:txEl>
+                                          </p:spTgt>
+                                        </p:tgtEl>
+                                        <p:attrNameLst>
+                                          <p:attrName>ppt_x</p:attrName>
+                                        </p:attrNameLst>
+                                      </p:cBhvr>
+                                      <p:tavLst>
+                                        <p:tav tm="0">
+                                          <p:val>
+                                            <p:strVal val="#ppt_x"/>
+                                          </p:val>
+                                        </p:tav>
+                                        <p:tav tm="100000">
+                                          <p:val>
+                                            <p:strVal val="#ppt_x"/>
+                                          </p:val>
+                                        </p:tav>
+                                      </p:tavLst>
+                                    </p:anim>
+                                    <p:anim calcmode="lin" valueType="num">
+                                      <p:cBhvr>
+                                        <p:cTn id="38" dur="500" fill="hold"/>
+                                        <p:tgtEl>
+                                          <p:spTgt spid="3">
+                                            <p:txEl>
+                                              <p:pRg st="5" end="5"/>
+                                            </p:txEl>
+                                          </p:spTgt>
+                                        </p:tgtEl>
+                                        <p:attrNameLst>
+                                          <p:attrName>ppt_y</p:attrName>
+                                        </p:attrNameLst>
+                                      </p:cBhvr>
+                                      <p:tavLst>
+                                        <p:tav tm="0">
+                                          <p:val>
+                                            <p:strVal val="#ppt_y+.1"/>
+                                          </p:val>
+                                        </p:tav>
+                                        <p:tav tm="100000">
+                                          <p:val>
+                                            <p:strVal val="#ppt_y"/>
+                                          </p:val>
+                                        </p:tav>
+                                      </p:tavLst>
+                                    </p:anim>
+                                  </p:childTnLst>
+                                </p:cTn>
+                              </p:par>
+                            </p:childTnLst>
+                          </p:cTn>
+                        </p:par>
+                      </p:childTnLst>
+                    </p:cTn>
+                  </p:par>
+                </p:childTnLst>
+              </p:cTn>
+              <p:prevCondLst>
+                <p:cond evt="onPrev" delay="0">
+                  <p:tgtEl>
+                    <p:sldTgt/>
+                  </p:tgtEl>
+                </p:cond>
+              </p:prevCondLst>
+              <p:nextCondLst>
+                <p:cond evt="onNext" delay="0">
+                  <p:tgtEl>
+                    <p:sldTgt/>
+                  </p:tgtEl>
+                </p:cond>
+              </p:nextCondLst>
+            </p:seq>
+          </p:childTnLst>
+        </p:cTn>
+      </p:par>
+    </p:tnLst>
+    <p:bldLst>
+      <p:bldP spid="3" grpId="0" uiExpand="1" build="p"/>
+    </p:bldLst>
+  </p:timing>
 </p:sld>
 </file>
 
@@ -3791,10 +6055,10 @@
           <a:lstStyle/>
           <a:p>
             <a:r>
-              <a:rPr lang="de-CH" smtClean="0"/>
-              <a:t>Rahmenbedinungen</a:t>
-            </a:r>
-            <a:endParaRPr lang="de-CH"/>
+              <a:rPr lang="de-CH" dirty="0" smtClean="0"/>
+              <a:t>Mein Projekt</a:t>
+            </a:r>
+            <a:endParaRPr lang="de-CH" dirty="0"/>
           </a:p>
         </p:txBody>
       </p:sp>
@@ -3810,10 +6074,88 @@
         </p:nvSpPr>
         <p:spPr/>
         <p:txBody>
-          <a:bodyPr/>
+          <a:bodyPr>
+            <a:normAutofit fontScale="92500" lnSpcReduction="10000"/>
+          </a:bodyPr>
           <a:lstStyle/>
           <a:p>
-            <a:endParaRPr lang="de-CH"/>
+            <a:pPr>
+              <a:lnSpc>
+                <a:spcPct val="150000"/>
+              </a:lnSpc>
+            </a:pPr>
+            <a:r>
+              <a:rPr lang="de-CH" dirty="0" smtClean="0"/>
+              <a:t>Brettspiel:				Dame</a:t>
+            </a:r>
+          </a:p>
+          <a:p>
+            <a:pPr>
+              <a:lnSpc>
+                <a:spcPct val="150000"/>
+              </a:lnSpc>
+            </a:pPr>
+            <a:r>
+              <a:rPr lang="de-CH" dirty="0" smtClean="0"/>
+              <a:t>Programmiersprache:		C#</a:t>
+            </a:r>
+          </a:p>
+          <a:p>
+            <a:pPr>
+              <a:lnSpc>
+                <a:spcPct val="150000"/>
+              </a:lnSpc>
+            </a:pPr>
+            <a:r>
+              <a:rPr lang="de-CH" dirty="0" smtClean="0"/>
+              <a:t>Entwicklungsumgebung:		</a:t>
+            </a:r>
+            <a:r>
+              <a:rPr lang="de-CH" dirty="0" err="1" smtClean="0"/>
+              <a:t>VisualStudio</a:t>
+            </a:r>
+            <a:r>
+              <a:rPr lang="de-CH" dirty="0"/>
+              <a:t> </a:t>
+            </a:r>
+            <a:r>
+              <a:rPr lang="de-CH" dirty="0" smtClean="0"/>
+              <a:t>2013</a:t>
+            </a:r>
+            <a:endParaRPr lang="de-CH" dirty="0" smtClean="0"/>
+          </a:p>
+          <a:p>
+            <a:pPr>
+              <a:lnSpc>
+                <a:spcPct val="150000"/>
+              </a:lnSpc>
+            </a:pPr>
+            <a:r>
+              <a:rPr lang="de-CH" dirty="0" smtClean="0"/>
+              <a:t>Arbeitsdokumentation:		Arbeitsjournal</a:t>
+            </a:r>
+          </a:p>
+          <a:p>
+            <a:pPr>
+              <a:lnSpc>
+                <a:spcPct val="150000"/>
+              </a:lnSpc>
+            </a:pPr>
+            <a:r>
+              <a:rPr lang="de-CH" dirty="0" smtClean="0"/>
+              <a:t>C# - Kenntnisse:			Keine</a:t>
+            </a:r>
+          </a:p>
+          <a:p>
+            <a:pPr>
+              <a:lnSpc>
+                <a:spcPct val="150000"/>
+              </a:lnSpc>
+            </a:pPr>
+            <a:r>
+              <a:rPr lang="de-CH" dirty="0" smtClean="0"/>
+              <a:t>Projekterfahrung:			Sehr wenig</a:t>
+            </a:r>
           </a:p>
         </p:txBody>
       </p:sp>
@@ -3827,6 +6169,705 @@
   <p:clrMapOvr>
     <a:masterClrMapping/>
   </p:clrMapOvr>
+  <mc:AlternateContent xmlns:mc="http://schemas.openxmlformats.org/markup-compatibility/2006">
+    <mc:Choice xmlns:p14="http://schemas.microsoft.com/office/powerpoint/2010/main" Requires="p14">
+      <p:transition spd="slow">
+        <p14:ferris dir="l"/>
+      </p:transition>
+    </mc:Choice>
+    <mc:Fallback>
+      <p:transition spd="slow">
+        <p:fade/>
+      </p:transition>
+    </mc:Fallback>
+  </mc:AlternateContent>
+  <p:timing>
+    <p:tnLst>
+      <p:par>
+        <p:cTn id="1" dur="indefinite" restart="never" nodeType="tmRoot">
+          <p:childTnLst>
+            <p:seq concurrent="1" nextAc="seek">
+              <p:cTn id="2" dur="indefinite" nodeType="mainSeq">
+                <p:childTnLst>
+                  <p:par>
+                    <p:cTn id="3" fill="hold">
+                      <p:stCondLst>
+                        <p:cond delay="indefinite"/>
+                      </p:stCondLst>
+                      <p:childTnLst>
+                        <p:par>
+                          <p:cTn id="4" fill="hold">
+                            <p:stCondLst>
+                              <p:cond delay="0"/>
+                            </p:stCondLst>
+                            <p:childTnLst>
+                              <p:par>
+                                <p:cTn id="5" presetID="42" presetClass="entr" presetSubtype="0" fill="hold" grpId="0" nodeType="clickEffect">
+                                  <p:stCondLst>
+                                    <p:cond delay="0"/>
+                                  </p:stCondLst>
+                                  <p:childTnLst>
+                                    <p:set>
+                                      <p:cBhvr>
+                                        <p:cTn id="6" dur="1" fill="hold">
+                                          <p:stCondLst>
+                                            <p:cond delay="0"/>
+                                          </p:stCondLst>
+                                        </p:cTn>
+                                        <p:tgtEl>
+                                          <p:spTgt spid="3">
+                                            <p:txEl>
+                                              <p:pRg st="0" end="0"/>
+                                            </p:txEl>
+                                          </p:spTgt>
+                                        </p:tgtEl>
+                                        <p:attrNameLst>
+                                          <p:attrName>style.visibility</p:attrName>
+                                        </p:attrNameLst>
+                                      </p:cBhvr>
+                                      <p:to>
+                                        <p:strVal val="visible"/>
+                                      </p:to>
+                                    </p:set>
+                                    <p:animEffect transition="in" filter="fade">
+                                      <p:cBhvr>
+                                        <p:cTn id="7" dur="500"/>
+                                        <p:tgtEl>
+                                          <p:spTgt spid="3">
+                                            <p:txEl>
+                                              <p:pRg st="0" end="0"/>
+                                            </p:txEl>
+                                          </p:spTgt>
+                                        </p:tgtEl>
+                                      </p:cBhvr>
+                                    </p:animEffect>
+                                    <p:anim calcmode="lin" valueType="num">
+                                      <p:cBhvr>
+                                        <p:cTn id="8" dur="500" fill="hold"/>
+                                        <p:tgtEl>
+                                          <p:spTgt spid="3">
+                                            <p:txEl>
+                                              <p:pRg st="0" end="0"/>
+                                            </p:txEl>
+                                          </p:spTgt>
+                                        </p:tgtEl>
+                                        <p:attrNameLst>
+                                          <p:attrName>ppt_x</p:attrName>
+                                        </p:attrNameLst>
+                                      </p:cBhvr>
+                                      <p:tavLst>
+                                        <p:tav tm="0">
+                                          <p:val>
+                                            <p:strVal val="#ppt_x"/>
+                                          </p:val>
+                                        </p:tav>
+                                        <p:tav tm="100000">
+                                          <p:val>
+                                            <p:strVal val="#ppt_x"/>
+                                          </p:val>
+                                        </p:tav>
+                                      </p:tavLst>
+                                    </p:anim>
+                                    <p:anim calcmode="lin" valueType="num">
+                                      <p:cBhvr>
+                                        <p:cTn id="9" dur="500" fill="hold"/>
+                                        <p:tgtEl>
+                                          <p:spTgt spid="3">
+                                            <p:txEl>
+                                              <p:pRg st="0" end="0"/>
+                                            </p:txEl>
+                                          </p:spTgt>
+                                        </p:tgtEl>
+                                        <p:attrNameLst>
+                                          <p:attrName>ppt_y</p:attrName>
+                                        </p:attrNameLst>
+                                      </p:cBhvr>
+                                      <p:tavLst>
+                                        <p:tav tm="0">
+                                          <p:val>
+                                            <p:strVal val="#ppt_y+.1"/>
+                                          </p:val>
+                                        </p:tav>
+                                        <p:tav tm="100000">
+                                          <p:val>
+                                            <p:strVal val="#ppt_y"/>
+                                          </p:val>
+                                        </p:tav>
+                                      </p:tavLst>
+                                    </p:anim>
+                                  </p:childTnLst>
+                                </p:cTn>
+                              </p:par>
+                            </p:childTnLst>
+                          </p:cTn>
+                        </p:par>
+                      </p:childTnLst>
+                    </p:cTn>
+                  </p:par>
+                  <p:par>
+                    <p:cTn id="10" fill="hold">
+                      <p:stCondLst>
+                        <p:cond delay="indefinite"/>
+                      </p:stCondLst>
+                      <p:childTnLst>
+                        <p:par>
+                          <p:cTn id="11" fill="hold">
+                            <p:stCondLst>
+                              <p:cond delay="0"/>
+                            </p:stCondLst>
+                            <p:childTnLst>
+                              <p:par>
+                                <p:cTn id="12" presetID="42" presetClass="entr" presetSubtype="0" fill="hold" grpId="0" nodeType="clickEffect">
+                                  <p:stCondLst>
+                                    <p:cond delay="0"/>
+                                  </p:stCondLst>
+                                  <p:childTnLst>
+                                    <p:set>
+                                      <p:cBhvr>
+                                        <p:cTn id="13" dur="1" fill="hold">
+                                          <p:stCondLst>
+                                            <p:cond delay="0"/>
+                                          </p:stCondLst>
+                                        </p:cTn>
+                                        <p:tgtEl>
+                                          <p:spTgt spid="3">
+                                            <p:txEl>
+                                              <p:pRg st="1" end="1"/>
+                                            </p:txEl>
+                                          </p:spTgt>
+                                        </p:tgtEl>
+                                        <p:attrNameLst>
+                                          <p:attrName>style.visibility</p:attrName>
+                                        </p:attrNameLst>
+                                      </p:cBhvr>
+                                      <p:to>
+                                        <p:strVal val="visible"/>
+                                      </p:to>
+                                    </p:set>
+                                    <p:animEffect transition="in" filter="fade">
+                                      <p:cBhvr>
+                                        <p:cTn id="14" dur="500"/>
+                                        <p:tgtEl>
+                                          <p:spTgt spid="3">
+                                            <p:txEl>
+                                              <p:pRg st="1" end="1"/>
+                                            </p:txEl>
+                                          </p:spTgt>
+                                        </p:tgtEl>
+                                      </p:cBhvr>
+                                    </p:animEffect>
+                                    <p:anim calcmode="lin" valueType="num">
+                                      <p:cBhvr>
+                                        <p:cTn id="15" dur="500" fill="hold"/>
+                                        <p:tgtEl>
+                                          <p:spTgt spid="3">
+                                            <p:txEl>
+                                              <p:pRg st="1" end="1"/>
+                                            </p:txEl>
+                                          </p:spTgt>
+                                        </p:tgtEl>
+                                        <p:attrNameLst>
+                                          <p:attrName>ppt_x</p:attrName>
+                                        </p:attrNameLst>
+                                      </p:cBhvr>
+                                      <p:tavLst>
+                                        <p:tav tm="0">
+                                          <p:val>
+                                            <p:strVal val="#ppt_x"/>
+                                          </p:val>
+                                        </p:tav>
+                                        <p:tav tm="100000">
+                                          <p:val>
+                                            <p:strVal val="#ppt_x"/>
+                                          </p:val>
+                                        </p:tav>
+                                      </p:tavLst>
+                                    </p:anim>
+                                    <p:anim calcmode="lin" valueType="num">
+                                      <p:cBhvr>
+                                        <p:cTn id="16" dur="500" fill="hold"/>
+                                        <p:tgtEl>
+                                          <p:spTgt spid="3">
+                                            <p:txEl>
+                                              <p:pRg st="1" end="1"/>
+                                            </p:txEl>
+                                          </p:spTgt>
+                                        </p:tgtEl>
+                                        <p:attrNameLst>
+                                          <p:attrName>ppt_y</p:attrName>
+                                        </p:attrNameLst>
+                                      </p:cBhvr>
+                                      <p:tavLst>
+                                        <p:tav tm="0">
+                                          <p:val>
+                                            <p:strVal val="#ppt_y+.1"/>
+                                          </p:val>
+                                        </p:tav>
+                                        <p:tav tm="100000">
+                                          <p:val>
+                                            <p:strVal val="#ppt_y"/>
+                                          </p:val>
+                                        </p:tav>
+                                      </p:tavLst>
+                                    </p:anim>
+                                  </p:childTnLst>
+                                </p:cTn>
+                              </p:par>
+                              <p:par>
+                                <p:cTn id="17" presetID="42" presetClass="entr" presetSubtype="0" fill="hold" grpId="0" nodeType="withEffect">
+                                  <p:stCondLst>
+                                    <p:cond delay="0"/>
+                                  </p:stCondLst>
+                                  <p:childTnLst>
+                                    <p:set>
+                                      <p:cBhvr>
+                                        <p:cTn id="18" dur="1" fill="hold">
+                                          <p:stCondLst>
+                                            <p:cond delay="0"/>
+                                          </p:stCondLst>
+                                        </p:cTn>
+                                        <p:tgtEl>
+                                          <p:spTgt spid="3">
+                                            <p:txEl>
+                                              <p:pRg st="2" end="2"/>
+                                            </p:txEl>
+                                          </p:spTgt>
+                                        </p:tgtEl>
+                                        <p:attrNameLst>
+                                          <p:attrName>style.visibility</p:attrName>
+                                        </p:attrNameLst>
+                                      </p:cBhvr>
+                                      <p:to>
+                                        <p:strVal val="visible"/>
+                                      </p:to>
+                                    </p:set>
+                                    <p:animEffect transition="in" filter="fade">
+                                      <p:cBhvr>
+                                        <p:cTn id="19" dur="500"/>
+                                        <p:tgtEl>
+                                          <p:spTgt spid="3">
+                                            <p:txEl>
+                                              <p:pRg st="2" end="2"/>
+                                            </p:txEl>
+                                          </p:spTgt>
+                                        </p:tgtEl>
+                                      </p:cBhvr>
+                                    </p:animEffect>
+                                    <p:anim calcmode="lin" valueType="num">
+                                      <p:cBhvr>
+                                        <p:cTn id="20" dur="500" fill="hold"/>
+                                        <p:tgtEl>
+                                          <p:spTgt spid="3">
+                                            <p:txEl>
+                                              <p:pRg st="2" end="2"/>
+                                            </p:txEl>
+                                          </p:spTgt>
+                                        </p:tgtEl>
+                                        <p:attrNameLst>
+                                          <p:attrName>ppt_x</p:attrName>
+                                        </p:attrNameLst>
+                                      </p:cBhvr>
+                                      <p:tavLst>
+                                        <p:tav tm="0">
+                                          <p:val>
+                                            <p:strVal val="#ppt_x"/>
+                                          </p:val>
+                                        </p:tav>
+                                        <p:tav tm="100000">
+                                          <p:val>
+                                            <p:strVal val="#ppt_x"/>
+                                          </p:val>
+                                        </p:tav>
+                                      </p:tavLst>
+                                    </p:anim>
+                                    <p:anim calcmode="lin" valueType="num">
+                                      <p:cBhvr>
+                                        <p:cTn id="21" dur="500" fill="hold"/>
+                                        <p:tgtEl>
+                                          <p:spTgt spid="3">
+                                            <p:txEl>
+                                              <p:pRg st="2" end="2"/>
+                                            </p:txEl>
+                                          </p:spTgt>
+                                        </p:tgtEl>
+                                        <p:attrNameLst>
+                                          <p:attrName>ppt_y</p:attrName>
+                                        </p:attrNameLst>
+                                      </p:cBhvr>
+                                      <p:tavLst>
+                                        <p:tav tm="0">
+                                          <p:val>
+                                            <p:strVal val="#ppt_y+.1"/>
+                                          </p:val>
+                                        </p:tav>
+                                        <p:tav tm="100000">
+                                          <p:val>
+                                            <p:strVal val="#ppt_y"/>
+                                          </p:val>
+                                        </p:tav>
+                                      </p:tavLst>
+                                    </p:anim>
+                                  </p:childTnLst>
+                                </p:cTn>
+                              </p:par>
+                            </p:childTnLst>
+                          </p:cTn>
+                        </p:par>
+                      </p:childTnLst>
+                    </p:cTn>
+                  </p:par>
+                  <p:par>
+                    <p:cTn id="22" fill="hold">
+                      <p:stCondLst>
+                        <p:cond delay="indefinite"/>
+                      </p:stCondLst>
+                      <p:childTnLst>
+                        <p:par>
+                          <p:cTn id="23" fill="hold">
+                            <p:stCondLst>
+                              <p:cond delay="0"/>
+                            </p:stCondLst>
+                            <p:childTnLst>
+                              <p:par>
+                                <p:cTn id="24" presetID="42" presetClass="entr" presetSubtype="0" fill="hold" grpId="0" nodeType="clickEffect">
+                                  <p:stCondLst>
+                                    <p:cond delay="0"/>
+                                  </p:stCondLst>
+                                  <p:childTnLst>
+                                    <p:set>
+                                      <p:cBhvr>
+                                        <p:cTn id="25" dur="1" fill="hold">
+                                          <p:stCondLst>
+                                            <p:cond delay="0"/>
+                                          </p:stCondLst>
+                                        </p:cTn>
+                                        <p:tgtEl>
+                                          <p:spTgt spid="3">
+                                            <p:txEl>
+                                              <p:pRg st="3" end="3"/>
+                                            </p:txEl>
+                                          </p:spTgt>
+                                        </p:tgtEl>
+                                        <p:attrNameLst>
+                                          <p:attrName>style.visibility</p:attrName>
+                                        </p:attrNameLst>
+                                      </p:cBhvr>
+                                      <p:to>
+                                        <p:strVal val="visible"/>
+                                      </p:to>
+                                    </p:set>
+                                    <p:animEffect transition="in" filter="fade">
+                                      <p:cBhvr>
+                                        <p:cTn id="26" dur="500"/>
+                                        <p:tgtEl>
+                                          <p:spTgt spid="3">
+                                            <p:txEl>
+                                              <p:pRg st="3" end="3"/>
+                                            </p:txEl>
+                                          </p:spTgt>
+                                        </p:tgtEl>
+                                      </p:cBhvr>
+                                    </p:animEffect>
+                                    <p:anim calcmode="lin" valueType="num">
+                                      <p:cBhvr>
+                                        <p:cTn id="27" dur="500" fill="hold"/>
+                                        <p:tgtEl>
+                                          <p:spTgt spid="3">
+                                            <p:txEl>
+                                              <p:pRg st="3" end="3"/>
+                                            </p:txEl>
+                                          </p:spTgt>
+                                        </p:tgtEl>
+                                        <p:attrNameLst>
+                                          <p:attrName>ppt_x</p:attrName>
+                                        </p:attrNameLst>
+                                      </p:cBhvr>
+                                      <p:tavLst>
+                                        <p:tav tm="0">
+                                          <p:val>
+                                            <p:strVal val="#ppt_x"/>
+                                          </p:val>
+                                        </p:tav>
+                                        <p:tav tm="100000">
+                                          <p:val>
+                                            <p:strVal val="#ppt_x"/>
+                                          </p:val>
+                                        </p:tav>
+                                      </p:tavLst>
+                                    </p:anim>
+                                    <p:anim calcmode="lin" valueType="num">
+                                      <p:cBhvr>
+                                        <p:cTn id="28" dur="500" fill="hold"/>
+                                        <p:tgtEl>
+                                          <p:spTgt spid="3">
+                                            <p:txEl>
+                                              <p:pRg st="3" end="3"/>
+                                            </p:txEl>
+                                          </p:spTgt>
+                                        </p:tgtEl>
+                                        <p:attrNameLst>
+                                          <p:attrName>ppt_y</p:attrName>
+                                        </p:attrNameLst>
+                                      </p:cBhvr>
+                                      <p:tavLst>
+                                        <p:tav tm="0">
+                                          <p:val>
+                                            <p:strVal val="#ppt_y+.1"/>
+                                          </p:val>
+                                        </p:tav>
+                                        <p:tav tm="100000">
+                                          <p:val>
+                                            <p:strVal val="#ppt_y"/>
+                                          </p:val>
+                                        </p:tav>
+                                      </p:tavLst>
+                                    </p:anim>
+                                  </p:childTnLst>
+                                </p:cTn>
+                              </p:par>
+                            </p:childTnLst>
+                          </p:cTn>
+                        </p:par>
+                      </p:childTnLst>
+                    </p:cTn>
+                  </p:par>
+                  <p:par>
+                    <p:cTn id="29" fill="hold">
+                      <p:stCondLst>
+                        <p:cond delay="indefinite"/>
+                      </p:stCondLst>
+                      <p:childTnLst>
+                        <p:par>
+                          <p:cTn id="30" fill="hold">
+                            <p:stCondLst>
+                              <p:cond delay="0"/>
+                            </p:stCondLst>
+                            <p:childTnLst>
+                              <p:par>
+                                <p:cTn id="31" presetID="42" presetClass="entr" presetSubtype="0" fill="hold" grpId="0" nodeType="clickEffect">
+                                  <p:stCondLst>
+                                    <p:cond delay="0"/>
+                                  </p:stCondLst>
+                                  <p:childTnLst>
+                                    <p:set>
+                                      <p:cBhvr>
+                                        <p:cTn id="32" dur="1" fill="hold">
+                                          <p:stCondLst>
+                                            <p:cond delay="0"/>
+                                          </p:stCondLst>
+                                        </p:cTn>
+                                        <p:tgtEl>
+                                          <p:spTgt spid="3">
+                                            <p:txEl>
+                                              <p:pRg st="4" end="4"/>
+                                            </p:txEl>
+                                          </p:spTgt>
+                                        </p:tgtEl>
+                                        <p:attrNameLst>
+                                          <p:attrName>style.visibility</p:attrName>
+                                        </p:attrNameLst>
+                                      </p:cBhvr>
+                                      <p:to>
+                                        <p:strVal val="visible"/>
+                                      </p:to>
+                                    </p:set>
+                                    <p:animEffect transition="in" filter="fade">
+                                      <p:cBhvr>
+                                        <p:cTn id="33" dur="500"/>
+                                        <p:tgtEl>
+                                          <p:spTgt spid="3">
+                                            <p:txEl>
+                                              <p:pRg st="4" end="4"/>
+                                            </p:txEl>
+                                          </p:spTgt>
+                                        </p:tgtEl>
+                                      </p:cBhvr>
+                                    </p:animEffect>
+                                    <p:anim calcmode="lin" valueType="num">
+                                      <p:cBhvr>
+                                        <p:cTn id="34" dur="500" fill="hold"/>
+                                        <p:tgtEl>
+                                          <p:spTgt spid="3">
+                                            <p:txEl>
+                                              <p:pRg st="4" end="4"/>
+                                            </p:txEl>
+                                          </p:spTgt>
+                                        </p:tgtEl>
+                                        <p:attrNameLst>
+                                          <p:attrName>ppt_x</p:attrName>
+                                        </p:attrNameLst>
+                                      </p:cBhvr>
+                                      <p:tavLst>
+                                        <p:tav tm="0">
+                                          <p:val>
+                                            <p:strVal val="#ppt_x"/>
+                                          </p:val>
+                                        </p:tav>
+                                        <p:tav tm="100000">
+                                          <p:val>
+                                            <p:strVal val="#ppt_x"/>
+                                          </p:val>
+                                        </p:tav>
+                                      </p:tavLst>
+                                    </p:anim>
+                                    <p:anim calcmode="lin" valueType="num">
+                                      <p:cBhvr>
+                                        <p:cTn id="35" dur="500" fill="hold"/>
+                                        <p:tgtEl>
+                                          <p:spTgt spid="3">
+                                            <p:txEl>
+                                              <p:pRg st="4" end="4"/>
+                                            </p:txEl>
+                                          </p:spTgt>
+                                        </p:tgtEl>
+                                        <p:attrNameLst>
+                                          <p:attrName>ppt_y</p:attrName>
+                                        </p:attrNameLst>
+                                      </p:cBhvr>
+                                      <p:tavLst>
+                                        <p:tav tm="0">
+                                          <p:val>
+                                            <p:strVal val="#ppt_y+.1"/>
+                                          </p:val>
+                                        </p:tav>
+                                        <p:tav tm="100000">
+                                          <p:val>
+                                            <p:strVal val="#ppt_y"/>
+                                          </p:val>
+                                        </p:tav>
+                                      </p:tavLst>
+                                    </p:anim>
+                                  </p:childTnLst>
+                                </p:cTn>
+                              </p:par>
+                              <p:par>
+                                <p:cTn id="36" presetID="42" presetClass="entr" presetSubtype="0" fill="hold" grpId="0" nodeType="withEffect">
+                                  <p:stCondLst>
+                                    <p:cond delay="0"/>
+                                  </p:stCondLst>
+                                  <p:childTnLst>
+                                    <p:set>
+                                      <p:cBhvr>
+                                        <p:cTn id="37" dur="1" fill="hold">
+                                          <p:stCondLst>
+                                            <p:cond delay="0"/>
+                                          </p:stCondLst>
+                                        </p:cTn>
+                                        <p:tgtEl>
+                                          <p:spTgt spid="3">
+                                            <p:txEl>
+                                              <p:pRg st="5" end="5"/>
+                                            </p:txEl>
+                                          </p:spTgt>
+                                        </p:tgtEl>
+                                        <p:attrNameLst>
+                                          <p:attrName>style.visibility</p:attrName>
+                                        </p:attrNameLst>
+                                      </p:cBhvr>
+                                      <p:to>
+                                        <p:strVal val="visible"/>
+                                      </p:to>
+                                    </p:set>
+                                    <p:animEffect transition="in" filter="fade">
+                                      <p:cBhvr>
+                                        <p:cTn id="38" dur="500"/>
+                                        <p:tgtEl>
+                                          <p:spTgt spid="3">
+                                            <p:txEl>
+                                              <p:pRg st="5" end="5"/>
+                                            </p:txEl>
+                                          </p:spTgt>
+                                        </p:tgtEl>
+                                      </p:cBhvr>
+                                    </p:animEffect>
+                                    <p:anim calcmode="lin" valueType="num">
+                                      <p:cBhvr>
+                                        <p:cTn id="39" dur="500" fill="hold"/>
+                                        <p:tgtEl>
+                                          <p:spTgt spid="3">
+                                            <p:txEl>
+                                              <p:pRg st="5" end="5"/>
+                                            </p:txEl>
+                                          </p:spTgt>
+                                        </p:tgtEl>
+                                        <p:attrNameLst>
+                                          <p:attrName>ppt_x</p:attrName>
+                                        </p:attrNameLst>
+                                      </p:cBhvr>
+                                      <p:tavLst>
+                                        <p:tav tm="0">
+                                          <p:val>
+                                            <p:strVal val="#ppt_x"/>
+                                          </p:val>
+                                        </p:tav>
+                                        <p:tav tm="100000">
+                                          <p:val>
+                                            <p:strVal val="#ppt_x"/>
+                                          </p:val>
+                                        </p:tav>
+                                      </p:tavLst>
+                                    </p:anim>
+                                    <p:anim calcmode="lin" valueType="num">
+                                      <p:cBhvr>
+                                        <p:cTn id="40" dur="500" fill="hold"/>
+                                        <p:tgtEl>
+                                          <p:spTgt spid="3">
+                                            <p:txEl>
+                                              <p:pRg st="5" end="5"/>
+                                            </p:txEl>
+                                          </p:spTgt>
+                                        </p:tgtEl>
+                                        <p:attrNameLst>
+                                          <p:attrName>ppt_y</p:attrName>
+                                        </p:attrNameLst>
+                                      </p:cBhvr>
+                                      <p:tavLst>
+                                        <p:tav tm="0">
+                                          <p:val>
+                                            <p:strVal val="#ppt_y+.1"/>
+                                          </p:val>
+                                        </p:tav>
+                                        <p:tav tm="100000">
+                                          <p:val>
+                                            <p:strVal val="#ppt_y"/>
+                                          </p:val>
+                                        </p:tav>
+                                      </p:tavLst>
+                                    </p:anim>
+                                  </p:childTnLst>
+                                </p:cTn>
+                              </p:par>
+                            </p:childTnLst>
+                          </p:cTn>
+                        </p:par>
+                      </p:childTnLst>
+                    </p:cTn>
+                  </p:par>
+                </p:childTnLst>
+              </p:cTn>
+              <p:prevCondLst>
+                <p:cond evt="onPrev" delay="0">
+                  <p:tgtEl>
+                    <p:sldTgt/>
+                  </p:tgtEl>
+                </p:cond>
+              </p:prevCondLst>
+              <p:nextCondLst>
+                <p:cond evt="onNext" delay="0">
+                  <p:tgtEl>
+                    <p:sldTgt/>
+                  </p:tgtEl>
+                </p:cond>
+              </p:nextCondLst>
+            </p:seq>
+          </p:childTnLst>
+        </p:cTn>
+      </p:par>
+    </p:tnLst>
+    <p:bldLst>
+      <p:bldP spid="3" grpId="0" uiExpand="1" build="p"/>
+    </p:bldLst>
+  </p:timing>
 </p:sld>
 </file>
 
@@ -3863,10 +6904,10 @@
           <a:lstStyle/>
           <a:p>
             <a:r>
-              <a:rPr lang="de-CH" smtClean="0"/>
-              <a:t>Umsetzung projekt</a:t>
-            </a:r>
-            <a:endParaRPr lang="de-CH"/>
+              <a:rPr lang="de-CH" dirty="0" smtClean="0"/>
+              <a:t>Umsetzung Projekt</a:t>
+            </a:r>
+            <a:endParaRPr lang="de-CH" dirty="0"/>
           </a:p>
         </p:txBody>
       </p:sp>
@@ -3882,23 +6923,3443 @@
         </p:nvSpPr>
         <p:spPr/>
         <p:txBody>
-          <a:bodyPr/>
+          <a:bodyPr>
+            <a:normAutofit fontScale="92500" lnSpcReduction="10000"/>
+          </a:bodyPr>
           <a:lstStyle/>
           <a:p>
-            <a:endParaRPr lang="de-CH"/>
+            <a:r>
+              <a:rPr lang="de-CH" dirty="0" smtClean="0"/>
+              <a:t>Klick wird mittels Koordinaten geortet.</a:t>
+            </a:r>
+          </a:p>
+          <a:p>
+            <a:pPr lvl="1"/>
+            <a:r>
+              <a:rPr lang="de-CH" dirty="0" smtClean="0"/>
+              <a:t>Grund: Spielfeld ist ein Bild.</a:t>
+            </a:r>
+            <a:br>
+              <a:rPr lang="de-CH" dirty="0" smtClean="0"/>
+            </a:br>
+            <a:endParaRPr lang="de-CH" dirty="0" smtClean="0"/>
+          </a:p>
+          <a:p>
+            <a:r>
+              <a:rPr lang="de-CH" dirty="0" smtClean="0"/>
+              <a:t>Spielsteine anhand von Koordinaten zeichnen.</a:t>
+            </a:r>
+          </a:p>
+          <a:p>
+            <a:pPr lvl="1"/>
+            <a:r>
+              <a:rPr lang="de-CH" dirty="0" smtClean="0"/>
+              <a:t>Es werden keine Bilder verschoben.</a:t>
+            </a:r>
+            <a:br>
+              <a:rPr lang="de-CH" dirty="0" smtClean="0"/>
+            </a:br>
+            <a:endParaRPr lang="de-CH" dirty="0" smtClean="0"/>
+          </a:p>
+          <a:p>
+            <a:r>
+              <a:rPr lang="de-CH" dirty="0" smtClean="0"/>
+              <a:t>Alles in einer Klasse</a:t>
+            </a:r>
+          </a:p>
+          <a:p>
+            <a:pPr lvl="1"/>
+            <a:r>
+              <a:rPr lang="de-CH" dirty="0" smtClean="0"/>
+              <a:t>Grund:	- Keine Programmiererfahrung mit Klassen</a:t>
+            </a:r>
+            <a:br>
+              <a:rPr lang="de-CH" dirty="0" smtClean="0"/>
+            </a:br>
+            <a:r>
+              <a:rPr lang="de-CH" dirty="0" smtClean="0"/>
+              <a:t>		- eine  Fehlerquelle weniger</a:t>
+            </a:r>
+            <a:br>
+              <a:rPr lang="de-CH" dirty="0" smtClean="0"/>
+            </a:br>
+            <a:r>
+              <a:rPr lang="de-CH" dirty="0" smtClean="0"/>
+              <a:t>		- Kein Einfluss auf Bewertung</a:t>
+            </a:r>
+          </a:p>
+        </p:txBody>
+      </p:sp>
+      <p:sp>
+        <p:nvSpPr>
+          <p:cNvPr id="4" name="Titel 1"/>
+          <p:cNvSpPr txBox="1">
+            <a:spLocks/>
+          </p:cNvSpPr>
+          <p:nvPr/>
+        </p:nvSpPr>
+        <p:spPr>
+          <a:xfrm>
+            <a:off x="6444208" y="764704"/>
+            <a:ext cx="2808312" cy="838200"/>
+          </a:xfrm>
+          <a:prstGeom prst="rect">
+            <a:avLst/>
+          </a:prstGeom>
+        </p:spPr>
+        <p:txBody>
+          <a:bodyPr vert="horz" anchor="ctr">
+            <a:normAutofit fontScale="92500"/>
+          </a:bodyPr>
+          <a:lstStyle>
+            <a:lvl1pPr algn="l" rtl="0" eaLnBrk="1" latinLnBrk="0" hangingPunct="1">
+              <a:spcBef>
+                <a:spcPct val="0"/>
+              </a:spcBef>
+              <a:buNone/>
+              <a:defRPr kumimoji="0" sz="3600" kern="1200" cap="all" baseline="0">
+                <a:solidFill>
+                  <a:schemeClr val="tx2"/>
+                </a:solidFill>
+                <a:effectLst>
+                  <a:reflection blurRad="12700" stA="48000" endA="300" endPos="55000" dir="5400000" sy="-90000" algn="bl" rotWithShape="0"/>
+                </a:effectLst>
+                <a:latin typeface="+mj-lt"/>
+                <a:ea typeface="+mj-ea"/>
+                <a:cs typeface="+mj-cs"/>
+              </a:defRPr>
+            </a:lvl1pPr>
+          </a:lstStyle>
+          <a:p>
+            <a:r>
+              <a:rPr lang="de-CH" sz="2800" dirty="0" smtClean="0"/>
+              <a:t>Grundgedanke </a:t>
+            </a:r>
+            <a:endParaRPr lang="de-CH" sz="2800" dirty="0"/>
           </a:p>
         </p:txBody>
       </p:sp>
     </p:spTree>
     <p:extLst>
       <p:ext uri="{BB962C8B-B14F-4D97-AF65-F5344CB8AC3E}">
-        <p14:creationId xmlns:p14="http://schemas.microsoft.com/office/powerpoint/2010/main" val="2172687"/>
+        <p14:creationId xmlns:p14="http://schemas.microsoft.com/office/powerpoint/2010/main" val="3972713040"/>
       </p:ext>
     </p:extLst>
   </p:cSld>
   <p:clrMapOvr>
     <a:masterClrMapping/>
   </p:clrMapOvr>
+  <mc:AlternateContent xmlns:mc="http://schemas.openxmlformats.org/markup-compatibility/2006">
+    <mc:Choice xmlns:p14="http://schemas.microsoft.com/office/powerpoint/2010/main" Requires="p14">
+      <p:transition spd="slow">
+        <p14:ferris dir="l"/>
+      </p:transition>
+    </mc:Choice>
+    <mc:Fallback>
+      <p:transition spd="slow">
+        <p:fade/>
+      </p:transition>
+    </mc:Fallback>
+  </mc:AlternateContent>
+  <p:timing>
+    <p:tnLst>
+      <p:par>
+        <p:cTn id="1" dur="indefinite" restart="never" nodeType="tmRoot">
+          <p:childTnLst>
+            <p:seq concurrent="1" nextAc="seek">
+              <p:cTn id="2" dur="indefinite" nodeType="mainSeq">
+                <p:childTnLst>
+                  <p:par>
+                    <p:cTn id="3" fill="hold">
+                      <p:stCondLst>
+                        <p:cond delay="indefinite"/>
+                      </p:stCondLst>
+                      <p:childTnLst>
+                        <p:par>
+                          <p:cTn id="4" fill="hold">
+                            <p:stCondLst>
+                              <p:cond delay="0"/>
+                            </p:stCondLst>
+                            <p:childTnLst>
+                              <p:par>
+                                <p:cTn id="5" presetID="42" presetClass="entr" presetSubtype="0" fill="hold" nodeType="clickEffect">
+                                  <p:stCondLst>
+                                    <p:cond delay="0"/>
+                                  </p:stCondLst>
+                                  <p:childTnLst>
+                                    <p:set>
+                                      <p:cBhvr>
+                                        <p:cTn id="6" dur="1" fill="hold">
+                                          <p:stCondLst>
+                                            <p:cond delay="0"/>
+                                          </p:stCondLst>
+                                        </p:cTn>
+                                        <p:tgtEl>
+                                          <p:spTgt spid="3">
+                                            <p:txEl>
+                                              <p:pRg st="0" end="0"/>
+                                            </p:txEl>
+                                          </p:spTgt>
+                                        </p:tgtEl>
+                                        <p:attrNameLst>
+                                          <p:attrName>style.visibility</p:attrName>
+                                        </p:attrNameLst>
+                                      </p:cBhvr>
+                                      <p:to>
+                                        <p:strVal val="visible"/>
+                                      </p:to>
+                                    </p:set>
+                                    <p:animEffect transition="in" filter="fade">
+                                      <p:cBhvr>
+                                        <p:cTn id="7" dur="500"/>
+                                        <p:tgtEl>
+                                          <p:spTgt spid="3">
+                                            <p:txEl>
+                                              <p:pRg st="0" end="0"/>
+                                            </p:txEl>
+                                          </p:spTgt>
+                                        </p:tgtEl>
+                                      </p:cBhvr>
+                                    </p:animEffect>
+                                    <p:anim calcmode="lin" valueType="num">
+                                      <p:cBhvr>
+                                        <p:cTn id="8" dur="500" fill="hold"/>
+                                        <p:tgtEl>
+                                          <p:spTgt spid="3">
+                                            <p:txEl>
+                                              <p:pRg st="0" end="0"/>
+                                            </p:txEl>
+                                          </p:spTgt>
+                                        </p:tgtEl>
+                                        <p:attrNameLst>
+                                          <p:attrName>ppt_x</p:attrName>
+                                        </p:attrNameLst>
+                                      </p:cBhvr>
+                                      <p:tavLst>
+                                        <p:tav tm="0">
+                                          <p:val>
+                                            <p:strVal val="#ppt_x"/>
+                                          </p:val>
+                                        </p:tav>
+                                        <p:tav tm="100000">
+                                          <p:val>
+                                            <p:strVal val="#ppt_x"/>
+                                          </p:val>
+                                        </p:tav>
+                                      </p:tavLst>
+                                    </p:anim>
+                                    <p:anim calcmode="lin" valueType="num">
+                                      <p:cBhvr>
+                                        <p:cTn id="9" dur="500" fill="hold"/>
+                                        <p:tgtEl>
+                                          <p:spTgt spid="3">
+                                            <p:txEl>
+                                              <p:pRg st="0" end="0"/>
+                                            </p:txEl>
+                                          </p:spTgt>
+                                        </p:tgtEl>
+                                        <p:attrNameLst>
+                                          <p:attrName>ppt_y</p:attrName>
+                                        </p:attrNameLst>
+                                      </p:cBhvr>
+                                      <p:tavLst>
+                                        <p:tav tm="0">
+                                          <p:val>
+                                            <p:strVal val="#ppt_y+.1"/>
+                                          </p:val>
+                                        </p:tav>
+                                        <p:tav tm="100000">
+                                          <p:val>
+                                            <p:strVal val="#ppt_y"/>
+                                          </p:val>
+                                        </p:tav>
+                                      </p:tavLst>
+                                    </p:anim>
+                                  </p:childTnLst>
+                                </p:cTn>
+                              </p:par>
+                              <p:par>
+                                <p:cTn id="10" presetID="42" presetClass="entr" presetSubtype="0" fill="hold" nodeType="withEffect">
+                                  <p:stCondLst>
+                                    <p:cond delay="0"/>
+                                  </p:stCondLst>
+                                  <p:childTnLst>
+                                    <p:set>
+                                      <p:cBhvr>
+                                        <p:cTn id="11" dur="1" fill="hold">
+                                          <p:stCondLst>
+                                            <p:cond delay="0"/>
+                                          </p:stCondLst>
+                                        </p:cTn>
+                                        <p:tgtEl>
+                                          <p:spTgt spid="3">
+                                            <p:txEl>
+                                              <p:pRg st="1" end="1"/>
+                                            </p:txEl>
+                                          </p:spTgt>
+                                        </p:tgtEl>
+                                        <p:attrNameLst>
+                                          <p:attrName>style.visibility</p:attrName>
+                                        </p:attrNameLst>
+                                      </p:cBhvr>
+                                      <p:to>
+                                        <p:strVal val="visible"/>
+                                      </p:to>
+                                    </p:set>
+                                    <p:animEffect transition="in" filter="fade">
+                                      <p:cBhvr>
+                                        <p:cTn id="12" dur="500"/>
+                                        <p:tgtEl>
+                                          <p:spTgt spid="3">
+                                            <p:txEl>
+                                              <p:pRg st="1" end="1"/>
+                                            </p:txEl>
+                                          </p:spTgt>
+                                        </p:tgtEl>
+                                      </p:cBhvr>
+                                    </p:animEffect>
+                                    <p:anim calcmode="lin" valueType="num">
+                                      <p:cBhvr>
+                                        <p:cTn id="13" dur="500" fill="hold"/>
+                                        <p:tgtEl>
+                                          <p:spTgt spid="3">
+                                            <p:txEl>
+                                              <p:pRg st="1" end="1"/>
+                                            </p:txEl>
+                                          </p:spTgt>
+                                        </p:tgtEl>
+                                        <p:attrNameLst>
+                                          <p:attrName>ppt_x</p:attrName>
+                                        </p:attrNameLst>
+                                      </p:cBhvr>
+                                      <p:tavLst>
+                                        <p:tav tm="0">
+                                          <p:val>
+                                            <p:strVal val="#ppt_x"/>
+                                          </p:val>
+                                        </p:tav>
+                                        <p:tav tm="100000">
+                                          <p:val>
+                                            <p:strVal val="#ppt_x"/>
+                                          </p:val>
+                                        </p:tav>
+                                      </p:tavLst>
+                                    </p:anim>
+                                    <p:anim calcmode="lin" valueType="num">
+                                      <p:cBhvr>
+                                        <p:cTn id="14" dur="500" fill="hold"/>
+                                        <p:tgtEl>
+                                          <p:spTgt spid="3">
+                                            <p:txEl>
+                                              <p:pRg st="1" end="1"/>
+                                            </p:txEl>
+                                          </p:spTgt>
+                                        </p:tgtEl>
+                                        <p:attrNameLst>
+                                          <p:attrName>ppt_y</p:attrName>
+                                        </p:attrNameLst>
+                                      </p:cBhvr>
+                                      <p:tavLst>
+                                        <p:tav tm="0">
+                                          <p:val>
+                                            <p:strVal val="#ppt_y+.1"/>
+                                          </p:val>
+                                        </p:tav>
+                                        <p:tav tm="100000">
+                                          <p:val>
+                                            <p:strVal val="#ppt_y"/>
+                                          </p:val>
+                                        </p:tav>
+                                      </p:tavLst>
+                                    </p:anim>
+                                  </p:childTnLst>
+                                </p:cTn>
+                              </p:par>
+                            </p:childTnLst>
+                          </p:cTn>
+                        </p:par>
+                      </p:childTnLst>
+                    </p:cTn>
+                  </p:par>
+                  <p:par>
+                    <p:cTn id="15" fill="hold">
+                      <p:stCondLst>
+                        <p:cond delay="indefinite"/>
+                      </p:stCondLst>
+                      <p:childTnLst>
+                        <p:par>
+                          <p:cTn id="16" fill="hold">
+                            <p:stCondLst>
+                              <p:cond delay="0"/>
+                            </p:stCondLst>
+                            <p:childTnLst>
+                              <p:par>
+                                <p:cTn id="17" presetID="42" presetClass="entr" presetSubtype="0" fill="hold" nodeType="clickEffect">
+                                  <p:stCondLst>
+                                    <p:cond delay="0"/>
+                                  </p:stCondLst>
+                                  <p:childTnLst>
+                                    <p:set>
+                                      <p:cBhvr>
+                                        <p:cTn id="18" dur="1" fill="hold">
+                                          <p:stCondLst>
+                                            <p:cond delay="0"/>
+                                          </p:stCondLst>
+                                        </p:cTn>
+                                        <p:tgtEl>
+                                          <p:spTgt spid="3">
+                                            <p:txEl>
+                                              <p:pRg st="2" end="2"/>
+                                            </p:txEl>
+                                          </p:spTgt>
+                                        </p:tgtEl>
+                                        <p:attrNameLst>
+                                          <p:attrName>style.visibility</p:attrName>
+                                        </p:attrNameLst>
+                                      </p:cBhvr>
+                                      <p:to>
+                                        <p:strVal val="visible"/>
+                                      </p:to>
+                                    </p:set>
+                                    <p:animEffect transition="in" filter="fade">
+                                      <p:cBhvr>
+                                        <p:cTn id="19" dur="500"/>
+                                        <p:tgtEl>
+                                          <p:spTgt spid="3">
+                                            <p:txEl>
+                                              <p:pRg st="2" end="2"/>
+                                            </p:txEl>
+                                          </p:spTgt>
+                                        </p:tgtEl>
+                                      </p:cBhvr>
+                                    </p:animEffect>
+                                    <p:anim calcmode="lin" valueType="num">
+                                      <p:cBhvr>
+                                        <p:cTn id="20" dur="500" fill="hold"/>
+                                        <p:tgtEl>
+                                          <p:spTgt spid="3">
+                                            <p:txEl>
+                                              <p:pRg st="2" end="2"/>
+                                            </p:txEl>
+                                          </p:spTgt>
+                                        </p:tgtEl>
+                                        <p:attrNameLst>
+                                          <p:attrName>ppt_x</p:attrName>
+                                        </p:attrNameLst>
+                                      </p:cBhvr>
+                                      <p:tavLst>
+                                        <p:tav tm="0">
+                                          <p:val>
+                                            <p:strVal val="#ppt_x"/>
+                                          </p:val>
+                                        </p:tav>
+                                        <p:tav tm="100000">
+                                          <p:val>
+                                            <p:strVal val="#ppt_x"/>
+                                          </p:val>
+                                        </p:tav>
+                                      </p:tavLst>
+                                    </p:anim>
+                                    <p:anim calcmode="lin" valueType="num">
+                                      <p:cBhvr>
+                                        <p:cTn id="21" dur="500" fill="hold"/>
+                                        <p:tgtEl>
+                                          <p:spTgt spid="3">
+                                            <p:txEl>
+                                              <p:pRg st="2" end="2"/>
+                                            </p:txEl>
+                                          </p:spTgt>
+                                        </p:tgtEl>
+                                        <p:attrNameLst>
+                                          <p:attrName>ppt_y</p:attrName>
+                                        </p:attrNameLst>
+                                      </p:cBhvr>
+                                      <p:tavLst>
+                                        <p:tav tm="0">
+                                          <p:val>
+                                            <p:strVal val="#ppt_y+.1"/>
+                                          </p:val>
+                                        </p:tav>
+                                        <p:tav tm="100000">
+                                          <p:val>
+                                            <p:strVal val="#ppt_y"/>
+                                          </p:val>
+                                        </p:tav>
+                                      </p:tavLst>
+                                    </p:anim>
+                                  </p:childTnLst>
+                                </p:cTn>
+                              </p:par>
+                              <p:par>
+                                <p:cTn id="22" presetID="42" presetClass="entr" presetSubtype="0" fill="hold" nodeType="withEffect">
+                                  <p:stCondLst>
+                                    <p:cond delay="0"/>
+                                  </p:stCondLst>
+                                  <p:childTnLst>
+                                    <p:set>
+                                      <p:cBhvr>
+                                        <p:cTn id="23" dur="1" fill="hold">
+                                          <p:stCondLst>
+                                            <p:cond delay="0"/>
+                                          </p:stCondLst>
+                                        </p:cTn>
+                                        <p:tgtEl>
+                                          <p:spTgt spid="3">
+                                            <p:txEl>
+                                              <p:pRg st="3" end="3"/>
+                                            </p:txEl>
+                                          </p:spTgt>
+                                        </p:tgtEl>
+                                        <p:attrNameLst>
+                                          <p:attrName>style.visibility</p:attrName>
+                                        </p:attrNameLst>
+                                      </p:cBhvr>
+                                      <p:to>
+                                        <p:strVal val="visible"/>
+                                      </p:to>
+                                    </p:set>
+                                    <p:animEffect transition="in" filter="fade">
+                                      <p:cBhvr>
+                                        <p:cTn id="24" dur="500"/>
+                                        <p:tgtEl>
+                                          <p:spTgt spid="3">
+                                            <p:txEl>
+                                              <p:pRg st="3" end="3"/>
+                                            </p:txEl>
+                                          </p:spTgt>
+                                        </p:tgtEl>
+                                      </p:cBhvr>
+                                    </p:animEffect>
+                                    <p:anim calcmode="lin" valueType="num">
+                                      <p:cBhvr>
+                                        <p:cTn id="25" dur="500" fill="hold"/>
+                                        <p:tgtEl>
+                                          <p:spTgt spid="3">
+                                            <p:txEl>
+                                              <p:pRg st="3" end="3"/>
+                                            </p:txEl>
+                                          </p:spTgt>
+                                        </p:tgtEl>
+                                        <p:attrNameLst>
+                                          <p:attrName>ppt_x</p:attrName>
+                                        </p:attrNameLst>
+                                      </p:cBhvr>
+                                      <p:tavLst>
+                                        <p:tav tm="0">
+                                          <p:val>
+                                            <p:strVal val="#ppt_x"/>
+                                          </p:val>
+                                        </p:tav>
+                                        <p:tav tm="100000">
+                                          <p:val>
+                                            <p:strVal val="#ppt_x"/>
+                                          </p:val>
+                                        </p:tav>
+                                      </p:tavLst>
+                                    </p:anim>
+                                    <p:anim calcmode="lin" valueType="num">
+                                      <p:cBhvr>
+                                        <p:cTn id="26" dur="500" fill="hold"/>
+                                        <p:tgtEl>
+                                          <p:spTgt spid="3">
+                                            <p:txEl>
+                                              <p:pRg st="3" end="3"/>
+                                            </p:txEl>
+                                          </p:spTgt>
+                                        </p:tgtEl>
+                                        <p:attrNameLst>
+                                          <p:attrName>ppt_y</p:attrName>
+                                        </p:attrNameLst>
+                                      </p:cBhvr>
+                                      <p:tavLst>
+                                        <p:tav tm="0">
+                                          <p:val>
+                                            <p:strVal val="#ppt_y+.1"/>
+                                          </p:val>
+                                        </p:tav>
+                                        <p:tav tm="100000">
+                                          <p:val>
+                                            <p:strVal val="#ppt_y"/>
+                                          </p:val>
+                                        </p:tav>
+                                      </p:tavLst>
+                                    </p:anim>
+                                  </p:childTnLst>
+                                </p:cTn>
+                              </p:par>
+                            </p:childTnLst>
+                          </p:cTn>
+                        </p:par>
+                      </p:childTnLst>
+                    </p:cTn>
+                  </p:par>
+                  <p:par>
+                    <p:cTn id="27" fill="hold">
+                      <p:stCondLst>
+                        <p:cond delay="indefinite"/>
+                      </p:stCondLst>
+                      <p:childTnLst>
+                        <p:par>
+                          <p:cTn id="28" fill="hold">
+                            <p:stCondLst>
+                              <p:cond delay="0"/>
+                            </p:stCondLst>
+                            <p:childTnLst>
+                              <p:par>
+                                <p:cTn id="29" presetID="42" presetClass="entr" presetSubtype="0" fill="hold" nodeType="clickEffect">
+                                  <p:stCondLst>
+                                    <p:cond delay="0"/>
+                                  </p:stCondLst>
+                                  <p:childTnLst>
+                                    <p:set>
+                                      <p:cBhvr>
+                                        <p:cTn id="30" dur="1" fill="hold">
+                                          <p:stCondLst>
+                                            <p:cond delay="0"/>
+                                          </p:stCondLst>
+                                        </p:cTn>
+                                        <p:tgtEl>
+                                          <p:spTgt spid="3">
+                                            <p:txEl>
+                                              <p:pRg st="4" end="4"/>
+                                            </p:txEl>
+                                          </p:spTgt>
+                                        </p:tgtEl>
+                                        <p:attrNameLst>
+                                          <p:attrName>style.visibility</p:attrName>
+                                        </p:attrNameLst>
+                                      </p:cBhvr>
+                                      <p:to>
+                                        <p:strVal val="visible"/>
+                                      </p:to>
+                                    </p:set>
+                                    <p:animEffect transition="in" filter="fade">
+                                      <p:cBhvr>
+                                        <p:cTn id="31" dur="500"/>
+                                        <p:tgtEl>
+                                          <p:spTgt spid="3">
+                                            <p:txEl>
+                                              <p:pRg st="4" end="4"/>
+                                            </p:txEl>
+                                          </p:spTgt>
+                                        </p:tgtEl>
+                                      </p:cBhvr>
+                                    </p:animEffect>
+                                    <p:anim calcmode="lin" valueType="num">
+                                      <p:cBhvr>
+                                        <p:cTn id="32" dur="500" fill="hold"/>
+                                        <p:tgtEl>
+                                          <p:spTgt spid="3">
+                                            <p:txEl>
+                                              <p:pRg st="4" end="4"/>
+                                            </p:txEl>
+                                          </p:spTgt>
+                                        </p:tgtEl>
+                                        <p:attrNameLst>
+                                          <p:attrName>ppt_x</p:attrName>
+                                        </p:attrNameLst>
+                                      </p:cBhvr>
+                                      <p:tavLst>
+                                        <p:tav tm="0">
+                                          <p:val>
+                                            <p:strVal val="#ppt_x"/>
+                                          </p:val>
+                                        </p:tav>
+                                        <p:tav tm="100000">
+                                          <p:val>
+                                            <p:strVal val="#ppt_x"/>
+                                          </p:val>
+                                        </p:tav>
+                                      </p:tavLst>
+                                    </p:anim>
+                                    <p:anim calcmode="lin" valueType="num">
+                                      <p:cBhvr>
+                                        <p:cTn id="33" dur="500" fill="hold"/>
+                                        <p:tgtEl>
+                                          <p:spTgt spid="3">
+                                            <p:txEl>
+                                              <p:pRg st="4" end="4"/>
+                                            </p:txEl>
+                                          </p:spTgt>
+                                        </p:tgtEl>
+                                        <p:attrNameLst>
+                                          <p:attrName>ppt_y</p:attrName>
+                                        </p:attrNameLst>
+                                      </p:cBhvr>
+                                      <p:tavLst>
+                                        <p:tav tm="0">
+                                          <p:val>
+                                            <p:strVal val="#ppt_y+.1"/>
+                                          </p:val>
+                                        </p:tav>
+                                        <p:tav tm="100000">
+                                          <p:val>
+                                            <p:strVal val="#ppt_y"/>
+                                          </p:val>
+                                        </p:tav>
+                                      </p:tavLst>
+                                    </p:anim>
+                                  </p:childTnLst>
+                                </p:cTn>
+                              </p:par>
+                              <p:par>
+                                <p:cTn id="34" presetID="42" presetClass="entr" presetSubtype="0" fill="hold" nodeType="withEffect">
+                                  <p:stCondLst>
+                                    <p:cond delay="0"/>
+                                  </p:stCondLst>
+                                  <p:childTnLst>
+                                    <p:set>
+                                      <p:cBhvr>
+                                        <p:cTn id="35" dur="1" fill="hold">
+                                          <p:stCondLst>
+                                            <p:cond delay="0"/>
+                                          </p:stCondLst>
+                                        </p:cTn>
+                                        <p:tgtEl>
+                                          <p:spTgt spid="3">
+                                            <p:txEl>
+                                              <p:pRg st="5" end="5"/>
+                                            </p:txEl>
+                                          </p:spTgt>
+                                        </p:tgtEl>
+                                        <p:attrNameLst>
+                                          <p:attrName>style.visibility</p:attrName>
+                                        </p:attrNameLst>
+                                      </p:cBhvr>
+                                      <p:to>
+                                        <p:strVal val="visible"/>
+                                      </p:to>
+                                    </p:set>
+                                    <p:animEffect transition="in" filter="fade">
+                                      <p:cBhvr>
+                                        <p:cTn id="36" dur="500"/>
+                                        <p:tgtEl>
+                                          <p:spTgt spid="3">
+                                            <p:txEl>
+                                              <p:pRg st="5" end="5"/>
+                                            </p:txEl>
+                                          </p:spTgt>
+                                        </p:tgtEl>
+                                      </p:cBhvr>
+                                    </p:animEffect>
+                                    <p:anim calcmode="lin" valueType="num">
+                                      <p:cBhvr>
+                                        <p:cTn id="37" dur="500" fill="hold"/>
+                                        <p:tgtEl>
+                                          <p:spTgt spid="3">
+                                            <p:txEl>
+                                              <p:pRg st="5" end="5"/>
+                                            </p:txEl>
+                                          </p:spTgt>
+                                        </p:tgtEl>
+                                        <p:attrNameLst>
+                                          <p:attrName>ppt_x</p:attrName>
+                                        </p:attrNameLst>
+                                      </p:cBhvr>
+                                      <p:tavLst>
+                                        <p:tav tm="0">
+                                          <p:val>
+                                            <p:strVal val="#ppt_x"/>
+                                          </p:val>
+                                        </p:tav>
+                                        <p:tav tm="100000">
+                                          <p:val>
+                                            <p:strVal val="#ppt_x"/>
+                                          </p:val>
+                                        </p:tav>
+                                      </p:tavLst>
+                                    </p:anim>
+                                    <p:anim calcmode="lin" valueType="num">
+                                      <p:cBhvr>
+                                        <p:cTn id="38" dur="500" fill="hold"/>
+                                        <p:tgtEl>
+                                          <p:spTgt spid="3">
+                                            <p:txEl>
+                                              <p:pRg st="5" end="5"/>
+                                            </p:txEl>
+                                          </p:spTgt>
+                                        </p:tgtEl>
+                                        <p:attrNameLst>
+                                          <p:attrName>ppt_y</p:attrName>
+                                        </p:attrNameLst>
+                                      </p:cBhvr>
+                                      <p:tavLst>
+                                        <p:tav tm="0">
+                                          <p:val>
+                                            <p:strVal val="#ppt_y+.1"/>
+                                          </p:val>
+                                        </p:tav>
+                                        <p:tav tm="100000">
+                                          <p:val>
+                                            <p:strVal val="#ppt_y"/>
+                                          </p:val>
+                                        </p:tav>
+                                      </p:tavLst>
+                                    </p:anim>
+                                  </p:childTnLst>
+                                </p:cTn>
+                              </p:par>
+                            </p:childTnLst>
+                          </p:cTn>
+                        </p:par>
+                      </p:childTnLst>
+                    </p:cTn>
+                  </p:par>
+                </p:childTnLst>
+              </p:cTn>
+              <p:prevCondLst>
+                <p:cond evt="onPrev" delay="0">
+                  <p:tgtEl>
+                    <p:sldTgt/>
+                  </p:tgtEl>
+                </p:cond>
+              </p:prevCondLst>
+              <p:nextCondLst>
+                <p:cond evt="onNext" delay="0">
+                  <p:tgtEl>
+                    <p:sldTgt/>
+                  </p:tgtEl>
+                </p:cond>
+              </p:nextCondLst>
+            </p:seq>
+          </p:childTnLst>
+        </p:cTn>
+      </p:par>
+    </p:tnLst>
+  </p:timing>
+</p:sld>
+</file>
+
+<file path=ppt/slides/slide6.xml><?xml version="1.0" encoding="utf-8"?>
+<p:sld xmlns:a="http://schemas.openxmlformats.org/drawingml/2006/main" xmlns:r="http://schemas.openxmlformats.org/officeDocument/2006/relationships" xmlns:p="http://schemas.openxmlformats.org/presentationml/2006/main">
+  <p:cSld>
+    <p:spTree>
+      <p:nvGrpSpPr>
+        <p:cNvPr id="1" name=""/>
+        <p:cNvGrpSpPr/>
+        <p:nvPr/>
+      </p:nvGrpSpPr>
+      <p:grpSpPr>
+        <a:xfrm>
+          <a:off x="0" y="0"/>
+          <a:ext cx="0" cy="0"/>
+          <a:chOff x="0" y="0"/>
+          <a:chExt cx="0" cy="0"/>
+        </a:xfrm>
+      </p:grpSpPr>
+      <p:sp>
+        <p:nvSpPr>
+          <p:cNvPr id="2" name="Titel 1"/>
+          <p:cNvSpPr>
+            <a:spLocks noGrp="1"/>
+          </p:cNvSpPr>
+          <p:nvPr>
+            <p:ph type="title"/>
+          </p:nvPr>
+        </p:nvSpPr>
+        <p:spPr/>
+        <p:txBody>
+          <a:bodyPr/>
+          <a:lstStyle/>
+          <a:p>
+            <a:r>
+              <a:rPr lang="de-CH" dirty="0" smtClean="0"/>
+              <a:t>Umsetzung Projekt</a:t>
+            </a:r>
+            <a:endParaRPr lang="de-CH" dirty="0"/>
+          </a:p>
+        </p:txBody>
+      </p:sp>
+      <p:sp>
+        <p:nvSpPr>
+          <p:cNvPr id="4" name="Titel 1"/>
+          <p:cNvSpPr txBox="1">
+            <a:spLocks/>
+          </p:cNvSpPr>
+          <p:nvPr/>
+        </p:nvSpPr>
+        <p:spPr>
+          <a:xfrm>
+            <a:off x="5796136" y="764704"/>
+            <a:ext cx="3384376" cy="838200"/>
+          </a:xfrm>
+          <a:prstGeom prst="rect">
+            <a:avLst/>
+          </a:prstGeom>
+        </p:spPr>
+        <p:txBody>
+          <a:bodyPr vert="horz" anchor="ctr">
+            <a:normAutofit fontScale="92500"/>
+          </a:bodyPr>
+          <a:lstStyle>
+            <a:lvl1pPr algn="l" rtl="0" eaLnBrk="1" latinLnBrk="0" hangingPunct="1">
+              <a:spcBef>
+                <a:spcPct val="0"/>
+              </a:spcBef>
+              <a:buNone/>
+              <a:defRPr kumimoji="0" sz="3600" kern="1200" cap="all" baseline="0">
+                <a:solidFill>
+                  <a:schemeClr val="tx2"/>
+                </a:solidFill>
+                <a:effectLst>
+                  <a:reflection blurRad="12700" stA="48000" endA="300" endPos="55000" dir="5400000" sy="-90000" algn="bl" rotWithShape="0"/>
+                </a:effectLst>
+                <a:latin typeface="+mj-lt"/>
+                <a:ea typeface="+mj-ea"/>
+                <a:cs typeface="+mj-cs"/>
+              </a:defRPr>
+            </a:lvl1pPr>
+          </a:lstStyle>
+          <a:p>
+            <a:r>
+              <a:rPr lang="de-CH" sz="2800" dirty="0" smtClean="0"/>
+              <a:t>Ablauf eines Zuges</a:t>
+            </a:r>
+            <a:endParaRPr lang="de-CH" sz="2800" dirty="0"/>
+          </a:p>
+        </p:txBody>
+      </p:sp>
+      <p:pic>
+        <p:nvPicPr>
+          <p:cNvPr id="9" name="Grafik 8"/>
+          <p:cNvPicPr>
+            <a:picLocks noChangeAspect="1"/>
+          </p:cNvPicPr>
+          <p:nvPr/>
+        </p:nvPicPr>
+        <p:blipFill rotWithShape="1">
+          <a:blip r:embed="rId2" cstate="print">
+            <a:extLst>
+              <a:ext uri="{28A0092B-C50C-407E-A947-70E740481C1C}">
+                <a14:useLocalDpi xmlns:a14="http://schemas.microsoft.com/office/drawing/2010/main" val="0"/>
+              </a:ext>
+            </a:extLst>
+          </a:blip>
+          <a:srcRect l="13200" t="8895" r="23001" b="31255"/>
+          <a:stretch/>
+        </p:blipFill>
+        <p:spPr>
+          <a:xfrm>
+            <a:off x="1187624" y="1150818"/>
+            <a:ext cx="5688632" cy="5590550"/>
+          </a:xfrm>
+          <a:prstGeom prst="rect">
+            <a:avLst/>
+          </a:prstGeom>
+        </p:spPr>
+      </p:pic>
+    </p:spTree>
+    <p:extLst>
+      <p:ext uri="{BB962C8B-B14F-4D97-AF65-F5344CB8AC3E}">
+        <p14:creationId xmlns:p14="http://schemas.microsoft.com/office/powerpoint/2010/main" val="958785083"/>
+      </p:ext>
+    </p:extLst>
+  </p:cSld>
+  <p:clrMapOvr>
+    <a:masterClrMapping/>
+  </p:clrMapOvr>
+  <mc:AlternateContent xmlns:mc="http://schemas.openxmlformats.org/markup-compatibility/2006">
+    <mc:Choice xmlns:p14="http://schemas.microsoft.com/office/powerpoint/2010/main" Requires="p14">
+      <p:transition spd="slow">
+        <p14:ferris dir="l"/>
+      </p:transition>
+    </mc:Choice>
+    <mc:Fallback>
+      <p:transition spd="slow">
+        <p:fade/>
+      </p:transition>
+    </mc:Fallback>
+  </mc:AlternateContent>
+  <p:timing>
+    <p:tnLst>
+      <p:par>
+        <p:cTn id="1" dur="indefinite" restart="never" nodeType="tmRoot">
+          <p:childTnLst>
+            <p:seq concurrent="1" nextAc="seek">
+              <p:cTn id="2" dur="indefinite" nodeType="mainSeq">
+                <p:childTnLst>
+                  <p:par>
+                    <p:cTn id="3" fill="hold">
+                      <p:stCondLst>
+                        <p:cond delay="indefinite"/>
+                      </p:stCondLst>
+                      <p:childTnLst>
+                        <p:par>
+                          <p:cTn id="4" fill="hold">
+                            <p:stCondLst>
+                              <p:cond delay="0"/>
+                            </p:stCondLst>
+                            <p:childTnLst>
+                              <p:par>
+                                <p:cTn id="5" presetID="42" presetClass="entr" presetSubtype="0" fill="hold" nodeType="clickEffect">
+                                  <p:stCondLst>
+                                    <p:cond delay="0"/>
+                                  </p:stCondLst>
+                                  <p:childTnLst>
+                                    <p:set>
+                                      <p:cBhvr>
+                                        <p:cTn id="6" dur="1" fill="hold">
+                                          <p:stCondLst>
+                                            <p:cond delay="0"/>
+                                          </p:stCondLst>
+                                        </p:cTn>
+                                        <p:tgtEl>
+                                          <p:spTgt spid="9"/>
+                                        </p:tgtEl>
+                                        <p:attrNameLst>
+                                          <p:attrName>style.visibility</p:attrName>
+                                        </p:attrNameLst>
+                                      </p:cBhvr>
+                                      <p:to>
+                                        <p:strVal val="visible"/>
+                                      </p:to>
+                                    </p:set>
+                                    <p:animEffect transition="in" filter="fade">
+                                      <p:cBhvr>
+                                        <p:cTn id="7" dur="500"/>
+                                        <p:tgtEl>
+                                          <p:spTgt spid="9"/>
+                                        </p:tgtEl>
+                                      </p:cBhvr>
+                                    </p:animEffect>
+                                    <p:anim calcmode="lin" valueType="num">
+                                      <p:cBhvr>
+                                        <p:cTn id="8" dur="500" fill="hold"/>
+                                        <p:tgtEl>
+                                          <p:spTgt spid="9"/>
+                                        </p:tgtEl>
+                                        <p:attrNameLst>
+                                          <p:attrName>ppt_x</p:attrName>
+                                        </p:attrNameLst>
+                                      </p:cBhvr>
+                                      <p:tavLst>
+                                        <p:tav tm="0">
+                                          <p:val>
+                                            <p:strVal val="#ppt_x"/>
+                                          </p:val>
+                                        </p:tav>
+                                        <p:tav tm="100000">
+                                          <p:val>
+                                            <p:strVal val="#ppt_x"/>
+                                          </p:val>
+                                        </p:tav>
+                                      </p:tavLst>
+                                    </p:anim>
+                                    <p:anim calcmode="lin" valueType="num">
+                                      <p:cBhvr>
+                                        <p:cTn id="9" dur="500" fill="hold"/>
+                                        <p:tgtEl>
+                                          <p:spTgt spid="9"/>
+                                        </p:tgtEl>
+                                        <p:attrNameLst>
+                                          <p:attrName>ppt_y</p:attrName>
+                                        </p:attrNameLst>
+                                      </p:cBhvr>
+                                      <p:tavLst>
+                                        <p:tav tm="0">
+                                          <p:val>
+                                            <p:strVal val="#ppt_y+.1"/>
+                                          </p:val>
+                                        </p:tav>
+                                        <p:tav tm="100000">
+                                          <p:val>
+                                            <p:strVal val="#ppt_y"/>
+                                          </p:val>
+                                        </p:tav>
+                                      </p:tavLst>
+                                    </p:anim>
+                                  </p:childTnLst>
+                                </p:cTn>
+                              </p:par>
+                            </p:childTnLst>
+                          </p:cTn>
+                        </p:par>
+                      </p:childTnLst>
+                    </p:cTn>
+                  </p:par>
+                </p:childTnLst>
+              </p:cTn>
+              <p:prevCondLst>
+                <p:cond evt="onPrev" delay="0">
+                  <p:tgtEl>
+                    <p:sldTgt/>
+                  </p:tgtEl>
+                </p:cond>
+              </p:prevCondLst>
+              <p:nextCondLst>
+                <p:cond evt="onNext" delay="0">
+                  <p:tgtEl>
+                    <p:sldTgt/>
+                  </p:tgtEl>
+                </p:cond>
+              </p:nextCondLst>
+            </p:seq>
+          </p:childTnLst>
+        </p:cTn>
+      </p:par>
+    </p:tnLst>
+  </p:timing>
+</p:sld>
+</file>
+
+<file path=ppt/slides/slide7.xml><?xml version="1.0" encoding="utf-8"?>
+<p:sld xmlns:a="http://schemas.openxmlformats.org/drawingml/2006/main" xmlns:r="http://schemas.openxmlformats.org/officeDocument/2006/relationships" xmlns:p="http://schemas.openxmlformats.org/presentationml/2006/main">
+  <p:cSld>
+    <p:spTree>
+      <p:nvGrpSpPr>
+        <p:cNvPr id="1" name=""/>
+        <p:cNvGrpSpPr/>
+        <p:nvPr/>
+      </p:nvGrpSpPr>
+      <p:grpSpPr>
+        <a:xfrm>
+          <a:off x="0" y="0"/>
+          <a:ext cx="0" cy="0"/>
+          <a:chOff x="0" y="0"/>
+          <a:chExt cx="0" cy="0"/>
+        </a:xfrm>
+      </p:grpSpPr>
+      <p:sp>
+        <p:nvSpPr>
+          <p:cNvPr id="2" name="Titel 1"/>
+          <p:cNvSpPr>
+            <a:spLocks noGrp="1"/>
+          </p:cNvSpPr>
+          <p:nvPr>
+            <p:ph type="title"/>
+          </p:nvPr>
+        </p:nvSpPr>
+        <p:spPr/>
+        <p:txBody>
+          <a:bodyPr/>
+          <a:lstStyle/>
+          <a:p>
+            <a:r>
+              <a:rPr lang="de-CH" dirty="0" smtClean="0"/>
+              <a:t>Umsetzung Projekt</a:t>
+            </a:r>
+            <a:endParaRPr lang="de-CH" dirty="0"/>
+          </a:p>
+        </p:txBody>
+      </p:sp>
+      <p:sp>
+        <p:nvSpPr>
+          <p:cNvPr id="3" name="Inhaltsplatzhalter 2"/>
+          <p:cNvSpPr>
+            <a:spLocks noGrp="1"/>
+          </p:cNvSpPr>
+          <p:nvPr>
+            <p:ph sz="half" idx="1"/>
+          </p:nvPr>
+        </p:nvSpPr>
+        <p:spPr>
+          <a:xfrm>
+            <a:off x="304800" y="2204864"/>
+            <a:ext cx="4191000" cy="4032448"/>
+          </a:xfrm>
+        </p:spPr>
+        <p:txBody>
+          <a:bodyPr>
+            <a:normAutofit lnSpcReduction="10000"/>
+          </a:bodyPr>
+          <a:lstStyle/>
+          <a:p>
+            <a:r>
+              <a:rPr lang="de-CH" dirty="0"/>
+              <a:t>Nur sehr geringe Vorkenntnisse</a:t>
+            </a:r>
+          </a:p>
+          <a:p>
+            <a:endParaRPr lang="de-CH" sz="1500" dirty="0"/>
+          </a:p>
+          <a:p>
+            <a:r>
+              <a:rPr lang="de-CH" dirty="0"/>
+              <a:t>Einzelgruppe</a:t>
+            </a:r>
+          </a:p>
+          <a:p>
+            <a:pPr lvl="1"/>
+            <a:r>
+              <a:rPr lang="de-CH" dirty="0"/>
+              <a:t>Grosser Zeitaufwand</a:t>
+            </a:r>
+          </a:p>
+          <a:p>
+            <a:pPr lvl="1"/>
+            <a:r>
+              <a:rPr lang="de-CH" dirty="0"/>
+              <a:t>Keine Zweitmeinung in der eigenen Gruppe</a:t>
+            </a:r>
+          </a:p>
+          <a:p>
+            <a:pPr lvl="1"/>
+            <a:r>
+              <a:rPr lang="de-CH" dirty="0"/>
+              <a:t>Keine Arbeitsteilung nach Stärken / Schwächen</a:t>
+            </a:r>
+          </a:p>
+        </p:txBody>
+      </p:sp>
+      <p:sp>
+        <p:nvSpPr>
+          <p:cNvPr id="12" name="Inhaltsplatzhalter 11"/>
+          <p:cNvSpPr>
+            <a:spLocks noGrp="1"/>
+          </p:cNvSpPr>
+          <p:nvPr>
+            <p:ph sz="half" idx="2"/>
+          </p:nvPr>
+        </p:nvSpPr>
+        <p:spPr>
+          <a:xfrm>
+            <a:off x="4648200" y="2204864"/>
+            <a:ext cx="4343400" cy="4032448"/>
+          </a:xfrm>
+        </p:spPr>
+        <p:txBody>
+          <a:bodyPr>
+            <a:normAutofit lnSpcReduction="10000"/>
+          </a:bodyPr>
+          <a:lstStyle/>
+          <a:p>
+            <a:r>
+              <a:rPr lang="de-CH" dirty="0" smtClean="0"/>
+              <a:t>Bestimmung </a:t>
+            </a:r>
+            <a:r>
+              <a:rPr lang="de-CH" dirty="0"/>
+              <a:t>anhand von Koordinaten</a:t>
+            </a:r>
+          </a:p>
+          <a:p>
+            <a:endParaRPr lang="de-CH" sz="1500" dirty="0"/>
+          </a:p>
+          <a:p>
+            <a:r>
+              <a:rPr lang="de-CH" dirty="0"/>
+              <a:t>Komplexer Programmablauf</a:t>
+            </a:r>
+          </a:p>
+          <a:p>
+            <a:endParaRPr lang="de-CH" sz="1500" dirty="0"/>
+          </a:p>
+          <a:p>
+            <a:r>
+              <a:rPr lang="de-CH" dirty="0"/>
+              <a:t>Überprüfung Schlagzwang</a:t>
+            </a:r>
+          </a:p>
+          <a:p>
+            <a:endParaRPr lang="de-CH" sz="1500" dirty="0"/>
+          </a:p>
+          <a:p>
+            <a:r>
+              <a:rPr lang="de-CH" dirty="0"/>
+              <a:t>Spieler vs. Computer</a:t>
+            </a:r>
+          </a:p>
+          <a:p>
+            <a:endParaRPr lang="de-CH" dirty="0" smtClean="0"/>
+          </a:p>
+        </p:txBody>
+      </p:sp>
+      <p:sp>
+        <p:nvSpPr>
+          <p:cNvPr id="4" name="Titel 1"/>
+          <p:cNvSpPr txBox="1">
+            <a:spLocks/>
+          </p:cNvSpPr>
+          <p:nvPr/>
+        </p:nvSpPr>
+        <p:spPr>
+          <a:xfrm>
+            <a:off x="6228184" y="764704"/>
+            <a:ext cx="2948136" cy="838200"/>
+          </a:xfrm>
+          <a:prstGeom prst="rect">
+            <a:avLst/>
+          </a:prstGeom>
+        </p:spPr>
+        <p:txBody>
+          <a:bodyPr vert="horz" anchor="ctr">
+            <a:normAutofit fontScale="92500"/>
+          </a:bodyPr>
+          <a:lstStyle>
+            <a:lvl1pPr algn="l" rtl="0" eaLnBrk="1" latinLnBrk="0" hangingPunct="1">
+              <a:spcBef>
+                <a:spcPct val="0"/>
+              </a:spcBef>
+              <a:buNone/>
+              <a:defRPr kumimoji="0" sz="3600" kern="1200" cap="all" baseline="0">
+                <a:solidFill>
+                  <a:schemeClr val="tx2"/>
+                </a:solidFill>
+                <a:effectLst>
+                  <a:reflection blurRad="12700" stA="48000" endA="300" endPos="55000" dir="5400000" sy="-90000" algn="bl" rotWithShape="0"/>
+                </a:effectLst>
+                <a:latin typeface="+mj-lt"/>
+                <a:ea typeface="+mj-ea"/>
+                <a:cs typeface="+mj-cs"/>
+              </a:defRPr>
+            </a:lvl1pPr>
+          </a:lstStyle>
+          <a:p>
+            <a:r>
+              <a:rPr lang="de-CH" sz="2800" dirty="0" smtClean="0"/>
+              <a:t>Schwierigkeiten</a:t>
+            </a:r>
+            <a:endParaRPr lang="de-CH" sz="2800" dirty="0"/>
+          </a:p>
+        </p:txBody>
+      </p:sp>
+      <p:sp>
+        <p:nvSpPr>
+          <p:cNvPr id="13" name="Inhaltsplatzhalter 2"/>
+          <p:cNvSpPr txBox="1">
+            <a:spLocks/>
+          </p:cNvSpPr>
+          <p:nvPr/>
+        </p:nvSpPr>
+        <p:spPr>
+          <a:xfrm>
+            <a:off x="301752" y="1484784"/>
+            <a:ext cx="4191000" cy="648072"/>
+          </a:xfrm>
+          <a:prstGeom prst="rect">
+            <a:avLst/>
+          </a:prstGeom>
+        </p:spPr>
+        <p:txBody>
+          <a:bodyPr vert="horz">
+            <a:noAutofit/>
+          </a:bodyPr>
+          <a:lstStyle>
+            <a:lvl1pPr marL="342900" indent="-342900" algn="l" rtl="0" eaLnBrk="1" latinLnBrk="0" hangingPunct="1">
+              <a:spcBef>
+                <a:spcPct val="20000"/>
+              </a:spcBef>
+              <a:buClr>
+                <a:schemeClr val="accent1"/>
+              </a:buClr>
+              <a:buSzPct val="70000"/>
+              <a:buFont typeface="Wingdings 2"/>
+              <a:buChar char=""/>
+              <a:defRPr kumimoji="0" sz="2800" kern="1200">
+                <a:solidFill>
+                  <a:schemeClr val="tx2"/>
+                </a:solidFill>
+                <a:latin typeface="+mn-lt"/>
+                <a:ea typeface="+mn-ea"/>
+                <a:cs typeface="+mn-cs"/>
+              </a:defRPr>
+            </a:lvl1pPr>
+            <a:lvl2pPr marL="742950" indent="-285750" algn="l" rtl="0" eaLnBrk="1" latinLnBrk="0" hangingPunct="1">
+              <a:spcBef>
+                <a:spcPct val="20000"/>
+              </a:spcBef>
+              <a:buClr>
+                <a:schemeClr val="accent1"/>
+              </a:buClr>
+              <a:buSzPct val="70000"/>
+              <a:buFont typeface="Wingdings 2"/>
+              <a:buChar char=""/>
+              <a:defRPr kumimoji="0" sz="2400" kern="1200">
+                <a:solidFill>
+                  <a:schemeClr val="tx2"/>
+                </a:solidFill>
+                <a:latin typeface="+mn-lt"/>
+                <a:ea typeface="+mn-ea"/>
+                <a:cs typeface="+mn-cs"/>
+              </a:defRPr>
+            </a:lvl2pPr>
+            <a:lvl3pPr marL="1143000" indent="-228600" algn="l" rtl="0" eaLnBrk="1" latinLnBrk="0" hangingPunct="1">
+              <a:spcBef>
+                <a:spcPct val="20000"/>
+              </a:spcBef>
+              <a:buClr>
+                <a:schemeClr val="accent1"/>
+              </a:buClr>
+              <a:buSzPct val="70000"/>
+              <a:buFont typeface="Wingdings 2"/>
+              <a:buChar char=""/>
+              <a:defRPr kumimoji="0" sz="2000" kern="1200">
+                <a:solidFill>
+                  <a:schemeClr val="tx2"/>
+                </a:solidFill>
+                <a:latin typeface="+mn-lt"/>
+                <a:ea typeface="+mn-ea"/>
+                <a:cs typeface="+mn-cs"/>
+              </a:defRPr>
+            </a:lvl3pPr>
+            <a:lvl4pPr marL="1600200" indent="-228600" algn="l" rtl="0" eaLnBrk="1" latinLnBrk="0" hangingPunct="1">
+              <a:spcBef>
+                <a:spcPct val="20000"/>
+              </a:spcBef>
+              <a:buClr>
+                <a:schemeClr val="accent1"/>
+              </a:buClr>
+              <a:buSzPct val="70000"/>
+              <a:buFont typeface="Wingdings 2"/>
+              <a:buChar char=""/>
+              <a:defRPr kumimoji="0" sz="1800" kern="1200">
+                <a:solidFill>
+                  <a:schemeClr val="tx2"/>
+                </a:solidFill>
+                <a:latin typeface="+mn-lt"/>
+                <a:ea typeface="+mn-ea"/>
+                <a:cs typeface="+mn-cs"/>
+              </a:defRPr>
+            </a:lvl4pPr>
+            <a:lvl5pPr marL="2057400" indent="-228600" algn="l" rtl="0" eaLnBrk="1" latinLnBrk="0" hangingPunct="1">
+              <a:spcBef>
+                <a:spcPct val="20000"/>
+              </a:spcBef>
+              <a:buClr>
+                <a:schemeClr val="accent1"/>
+              </a:buClr>
+              <a:buSzPct val="60000"/>
+              <a:buFont typeface="Wingdings 2"/>
+              <a:buChar char=""/>
+              <a:defRPr kumimoji="0" sz="1800" kern="1200">
+                <a:solidFill>
+                  <a:schemeClr val="tx2"/>
+                </a:solidFill>
+                <a:latin typeface="+mn-lt"/>
+                <a:ea typeface="+mn-ea"/>
+                <a:cs typeface="+mn-cs"/>
+              </a:defRPr>
+            </a:lvl5pPr>
+            <a:lvl6pPr marL="2514600" indent="-228600" algn="l" rtl="0" eaLnBrk="1" latinLnBrk="0" hangingPunct="1">
+              <a:spcBef>
+                <a:spcPct val="20000"/>
+              </a:spcBef>
+              <a:buClr>
+                <a:schemeClr val="accent1"/>
+              </a:buClr>
+              <a:buSzPct val="60000"/>
+              <a:buFont typeface="Wingdings 2"/>
+              <a:buChar char=""/>
+              <a:defRPr kumimoji="0" sz="1800" kern="1200">
+                <a:solidFill>
+                  <a:schemeClr val="tx2"/>
+                </a:solidFill>
+                <a:latin typeface="+mn-lt"/>
+                <a:ea typeface="+mn-ea"/>
+                <a:cs typeface="+mn-cs"/>
+              </a:defRPr>
+            </a:lvl6pPr>
+            <a:lvl7pPr marL="2971800" indent="-228600" algn="l" rtl="0" eaLnBrk="1" latinLnBrk="0" hangingPunct="1">
+              <a:spcBef>
+                <a:spcPct val="20000"/>
+              </a:spcBef>
+              <a:buClr>
+                <a:schemeClr val="accent1"/>
+              </a:buClr>
+              <a:buSzPct val="60000"/>
+              <a:buFont typeface="Wingdings 2"/>
+              <a:buChar char=""/>
+              <a:defRPr kumimoji="0" sz="1600" kern="1200">
+                <a:solidFill>
+                  <a:schemeClr val="tx2"/>
+                </a:solidFill>
+                <a:latin typeface="+mn-lt"/>
+                <a:ea typeface="+mn-ea"/>
+                <a:cs typeface="+mn-cs"/>
+              </a:defRPr>
+            </a:lvl7pPr>
+            <a:lvl8pPr marL="3429000" indent="-228600" algn="l" rtl="0" eaLnBrk="1" latinLnBrk="0" hangingPunct="1">
+              <a:spcBef>
+                <a:spcPct val="20000"/>
+              </a:spcBef>
+              <a:buClr>
+                <a:schemeClr val="accent1"/>
+              </a:buClr>
+              <a:buSzPct val="60000"/>
+              <a:buFont typeface="Wingdings 2"/>
+              <a:buChar char=""/>
+              <a:defRPr kumimoji="0" sz="1600" kern="1200" baseline="0">
+                <a:solidFill>
+                  <a:schemeClr val="tx2"/>
+                </a:solidFill>
+                <a:latin typeface="+mn-lt"/>
+                <a:ea typeface="+mn-ea"/>
+                <a:cs typeface="+mn-cs"/>
+              </a:defRPr>
+            </a:lvl8pPr>
+            <a:lvl9pPr marL="3886200" indent="-228600" algn="l" rtl="0" eaLnBrk="1" latinLnBrk="0" hangingPunct="1">
+              <a:spcBef>
+                <a:spcPct val="20000"/>
+              </a:spcBef>
+              <a:buClr>
+                <a:schemeClr val="accent1"/>
+              </a:buClr>
+              <a:buSzPct val="60000"/>
+              <a:buFont typeface="Wingdings 2"/>
+              <a:buChar char=""/>
+              <a:defRPr kumimoji="0" sz="1400" kern="1200" baseline="0">
+                <a:solidFill>
+                  <a:schemeClr val="tx2"/>
+                </a:solidFill>
+                <a:latin typeface="+mn-lt"/>
+                <a:ea typeface="+mn-ea"/>
+                <a:cs typeface="+mn-cs"/>
+              </a:defRPr>
+            </a:lvl9pPr>
+          </a:lstStyle>
+          <a:p>
+            <a:pPr marL="0" indent="0">
+              <a:buNone/>
+            </a:pPr>
+            <a:r>
+              <a:rPr lang="de-CH" cap="all" dirty="0" smtClean="0">
+                <a:solidFill>
+                  <a:schemeClr val="accent1">
+                    <a:shade val="50000"/>
+                  </a:schemeClr>
+                </a:solidFill>
+                <a:latin typeface="+mj-lt"/>
+                <a:ea typeface="+mj-ea"/>
+                <a:cs typeface="+mj-cs"/>
+              </a:rPr>
+              <a:t>Allgemein</a:t>
+            </a:r>
+            <a:endParaRPr lang="de-CH" dirty="0"/>
+          </a:p>
+        </p:txBody>
+      </p:sp>
+      <p:sp>
+        <p:nvSpPr>
+          <p:cNvPr id="15" name="Inhaltsplatzhalter 2"/>
+          <p:cNvSpPr txBox="1">
+            <a:spLocks/>
+          </p:cNvSpPr>
+          <p:nvPr/>
+        </p:nvSpPr>
+        <p:spPr>
+          <a:xfrm>
+            <a:off x="4645152" y="1484784"/>
+            <a:ext cx="4191000" cy="648072"/>
+          </a:xfrm>
+          <a:prstGeom prst="rect">
+            <a:avLst/>
+          </a:prstGeom>
+        </p:spPr>
+        <p:txBody>
+          <a:bodyPr vert="horz">
+            <a:normAutofit/>
+          </a:bodyPr>
+          <a:lstStyle>
+            <a:lvl1pPr marL="342900" indent="-342900" algn="l" rtl="0" eaLnBrk="1" latinLnBrk="0" hangingPunct="1">
+              <a:spcBef>
+                <a:spcPct val="20000"/>
+              </a:spcBef>
+              <a:buClr>
+                <a:schemeClr val="accent1"/>
+              </a:buClr>
+              <a:buSzPct val="70000"/>
+              <a:buFont typeface="Wingdings 2"/>
+              <a:buChar char=""/>
+              <a:defRPr kumimoji="0" sz="2800" kern="1200">
+                <a:solidFill>
+                  <a:schemeClr val="tx2"/>
+                </a:solidFill>
+                <a:latin typeface="+mn-lt"/>
+                <a:ea typeface="+mn-ea"/>
+                <a:cs typeface="+mn-cs"/>
+              </a:defRPr>
+            </a:lvl1pPr>
+            <a:lvl2pPr marL="742950" indent="-285750" algn="l" rtl="0" eaLnBrk="1" latinLnBrk="0" hangingPunct="1">
+              <a:spcBef>
+                <a:spcPct val="20000"/>
+              </a:spcBef>
+              <a:buClr>
+                <a:schemeClr val="accent1"/>
+              </a:buClr>
+              <a:buSzPct val="70000"/>
+              <a:buFont typeface="Wingdings 2"/>
+              <a:buChar char=""/>
+              <a:defRPr kumimoji="0" sz="2400" kern="1200">
+                <a:solidFill>
+                  <a:schemeClr val="tx2"/>
+                </a:solidFill>
+                <a:latin typeface="+mn-lt"/>
+                <a:ea typeface="+mn-ea"/>
+                <a:cs typeface="+mn-cs"/>
+              </a:defRPr>
+            </a:lvl2pPr>
+            <a:lvl3pPr marL="1143000" indent="-228600" algn="l" rtl="0" eaLnBrk="1" latinLnBrk="0" hangingPunct="1">
+              <a:spcBef>
+                <a:spcPct val="20000"/>
+              </a:spcBef>
+              <a:buClr>
+                <a:schemeClr val="accent1"/>
+              </a:buClr>
+              <a:buSzPct val="70000"/>
+              <a:buFont typeface="Wingdings 2"/>
+              <a:buChar char=""/>
+              <a:defRPr kumimoji="0" sz="2000" kern="1200">
+                <a:solidFill>
+                  <a:schemeClr val="tx2"/>
+                </a:solidFill>
+                <a:latin typeface="+mn-lt"/>
+                <a:ea typeface="+mn-ea"/>
+                <a:cs typeface="+mn-cs"/>
+              </a:defRPr>
+            </a:lvl3pPr>
+            <a:lvl4pPr marL="1600200" indent="-228600" algn="l" rtl="0" eaLnBrk="1" latinLnBrk="0" hangingPunct="1">
+              <a:spcBef>
+                <a:spcPct val="20000"/>
+              </a:spcBef>
+              <a:buClr>
+                <a:schemeClr val="accent1"/>
+              </a:buClr>
+              <a:buSzPct val="70000"/>
+              <a:buFont typeface="Wingdings 2"/>
+              <a:buChar char=""/>
+              <a:defRPr kumimoji="0" sz="1800" kern="1200">
+                <a:solidFill>
+                  <a:schemeClr val="tx2"/>
+                </a:solidFill>
+                <a:latin typeface="+mn-lt"/>
+                <a:ea typeface="+mn-ea"/>
+                <a:cs typeface="+mn-cs"/>
+              </a:defRPr>
+            </a:lvl4pPr>
+            <a:lvl5pPr marL="2057400" indent="-228600" algn="l" rtl="0" eaLnBrk="1" latinLnBrk="0" hangingPunct="1">
+              <a:spcBef>
+                <a:spcPct val="20000"/>
+              </a:spcBef>
+              <a:buClr>
+                <a:schemeClr val="accent1"/>
+              </a:buClr>
+              <a:buSzPct val="60000"/>
+              <a:buFont typeface="Wingdings 2"/>
+              <a:buChar char=""/>
+              <a:defRPr kumimoji="0" sz="1800" kern="1200">
+                <a:solidFill>
+                  <a:schemeClr val="tx2"/>
+                </a:solidFill>
+                <a:latin typeface="+mn-lt"/>
+                <a:ea typeface="+mn-ea"/>
+                <a:cs typeface="+mn-cs"/>
+              </a:defRPr>
+            </a:lvl5pPr>
+            <a:lvl6pPr marL="2514600" indent="-228600" algn="l" rtl="0" eaLnBrk="1" latinLnBrk="0" hangingPunct="1">
+              <a:spcBef>
+                <a:spcPct val="20000"/>
+              </a:spcBef>
+              <a:buClr>
+                <a:schemeClr val="accent1"/>
+              </a:buClr>
+              <a:buSzPct val="60000"/>
+              <a:buFont typeface="Wingdings 2"/>
+              <a:buChar char=""/>
+              <a:defRPr kumimoji="0" sz="1800" kern="1200">
+                <a:solidFill>
+                  <a:schemeClr val="tx2"/>
+                </a:solidFill>
+                <a:latin typeface="+mn-lt"/>
+                <a:ea typeface="+mn-ea"/>
+                <a:cs typeface="+mn-cs"/>
+              </a:defRPr>
+            </a:lvl6pPr>
+            <a:lvl7pPr marL="2971800" indent="-228600" algn="l" rtl="0" eaLnBrk="1" latinLnBrk="0" hangingPunct="1">
+              <a:spcBef>
+                <a:spcPct val="20000"/>
+              </a:spcBef>
+              <a:buClr>
+                <a:schemeClr val="accent1"/>
+              </a:buClr>
+              <a:buSzPct val="60000"/>
+              <a:buFont typeface="Wingdings 2"/>
+              <a:buChar char=""/>
+              <a:defRPr kumimoji="0" sz="1600" kern="1200">
+                <a:solidFill>
+                  <a:schemeClr val="tx2"/>
+                </a:solidFill>
+                <a:latin typeface="+mn-lt"/>
+                <a:ea typeface="+mn-ea"/>
+                <a:cs typeface="+mn-cs"/>
+              </a:defRPr>
+            </a:lvl7pPr>
+            <a:lvl8pPr marL="3429000" indent="-228600" algn="l" rtl="0" eaLnBrk="1" latinLnBrk="0" hangingPunct="1">
+              <a:spcBef>
+                <a:spcPct val="20000"/>
+              </a:spcBef>
+              <a:buClr>
+                <a:schemeClr val="accent1"/>
+              </a:buClr>
+              <a:buSzPct val="60000"/>
+              <a:buFont typeface="Wingdings 2"/>
+              <a:buChar char=""/>
+              <a:defRPr kumimoji="0" sz="1600" kern="1200" baseline="0">
+                <a:solidFill>
+                  <a:schemeClr val="tx2"/>
+                </a:solidFill>
+                <a:latin typeface="+mn-lt"/>
+                <a:ea typeface="+mn-ea"/>
+                <a:cs typeface="+mn-cs"/>
+              </a:defRPr>
+            </a:lvl8pPr>
+            <a:lvl9pPr marL="3886200" indent="-228600" algn="l" rtl="0" eaLnBrk="1" latinLnBrk="0" hangingPunct="1">
+              <a:spcBef>
+                <a:spcPct val="20000"/>
+              </a:spcBef>
+              <a:buClr>
+                <a:schemeClr val="accent1"/>
+              </a:buClr>
+              <a:buSzPct val="60000"/>
+              <a:buFont typeface="Wingdings 2"/>
+              <a:buChar char=""/>
+              <a:defRPr kumimoji="0" sz="1400" kern="1200" baseline="0">
+                <a:solidFill>
+                  <a:schemeClr val="tx2"/>
+                </a:solidFill>
+                <a:latin typeface="+mn-lt"/>
+                <a:ea typeface="+mn-ea"/>
+                <a:cs typeface="+mn-cs"/>
+              </a:defRPr>
+            </a:lvl9pPr>
+          </a:lstStyle>
+          <a:p>
+            <a:pPr marL="0" indent="0">
+              <a:buNone/>
+            </a:pPr>
+            <a:r>
+              <a:rPr lang="de-CH" cap="all" dirty="0" smtClean="0">
+                <a:solidFill>
+                  <a:schemeClr val="accent1">
+                    <a:shade val="50000"/>
+                  </a:schemeClr>
+                </a:solidFill>
+                <a:latin typeface="+mj-lt"/>
+                <a:ea typeface="+mj-ea"/>
+                <a:cs typeface="+mj-cs"/>
+              </a:rPr>
+              <a:t>Beim Programmieren</a:t>
+            </a:r>
+            <a:endParaRPr lang="de-CH" dirty="0"/>
+          </a:p>
+        </p:txBody>
+      </p:sp>
+    </p:spTree>
+    <p:extLst>
+      <p:ext uri="{BB962C8B-B14F-4D97-AF65-F5344CB8AC3E}">
+        <p14:creationId xmlns:p14="http://schemas.microsoft.com/office/powerpoint/2010/main" val="1691259219"/>
+      </p:ext>
+    </p:extLst>
+  </p:cSld>
+  <p:clrMapOvr>
+    <a:masterClrMapping/>
+  </p:clrMapOvr>
+  <mc:AlternateContent xmlns:mc="http://schemas.openxmlformats.org/markup-compatibility/2006">
+    <mc:Choice xmlns:p14="http://schemas.microsoft.com/office/powerpoint/2010/main" Requires="p14">
+      <p:transition spd="slow">
+        <p14:ferris dir="l"/>
+      </p:transition>
+    </mc:Choice>
+    <mc:Fallback>
+      <p:transition spd="slow">
+        <p:fade/>
+      </p:transition>
+    </mc:Fallback>
+  </mc:AlternateContent>
+  <p:timing>
+    <p:tnLst>
+      <p:par>
+        <p:cTn id="1" dur="indefinite" restart="never" nodeType="tmRoot">
+          <p:childTnLst>
+            <p:seq concurrent="1" nextAc="seek">
+              <p:cTn id="2" dur="indefinite" nodeType="mainSeq">
+                <p:childTnLst>
+                  <p:par>
+                    <p:cTn id="3" fill="hold">
+                      <p:stCondLst>
+                        <p:cond delay="indefinite"/>
+                      </p:stCondLst>
+                      <p:childTnLst>
+                        <p:par>
+                          <p:cTn id="4" fill="hold">
+                            <p:stCondLst>
+                              <p:cond delay="0"/>
+                            </p:stCondLst>
+                            <p:childTnLst>
+                              <p:par>
+                                <p:cTn id="5" presetID="42" presetClass="entr" presetSubtype="0" fill="hold" grpId="0" nodeType="clickEffect">
+                                  <p:stCondLst>
+                                    <p:cond delay="0"/>
+                                  </p:stCondLst>
+                                  <p:childTnLst>
+                                    <p:set>
+                                      <p:cBhvr>
+                                        <p:cTn id="6" dur="1" fill="hold">
+                                          <p:stCondLst>
+                                            <p:cond delay="0"/>
+                                          </p:stCondLst>
+                                        </p:cTn>
+                                        <p:tgtEl>
+                                          <p:spTgt spid="13"/>
+                                        </p:tgtEl>
+                                        <p:attrNameLst>
+                                          <p:attrName>style.visibility</p:attrName>
+                                        </p:attrNameLst>
+                                      </p:cBhvr>
+                                      <p:to>
+                                        <p:strVal val="visible"/>
+                                      </p:to>
+                                    </p:set>
+                                    <p:animEffect transition="in" filter="fade">
+                                      <p:cBhvr>
+                                        <p:cTn id="7" dur="500"/>
+                                        <p:tgtEl>
+                                          <p:spTgt spid="13"/>
+                                        </p:tgtEl>
+                                      </p:cBhvr>
+                                    </p:animEffect>
+                                    <p:anim calcmode="lin" valueType="num">
+                                      <p:cBhvr>
+                                        <p:cTn id="8" dur="500" fill="hold"/>
+                                        <p:tgtEl>
+                                          <p:spTgt spid="13"/>
+                                        </p:tgtEl>
+                                        <p:attrNameLst>
+                                          <p:attrName>ppt_x</p:attrName>
+                                        </p:attrNameLst>
+                                      </p:cBhvr>
+                                      <p:tavLst>
+                                        <p:tav tm="0">
+                                          <p:val>
+                                            <p:strVal val="#ppt_x"/>
+                                          </p:val>
+                                        </p:tav>
+                                        <p:tav tm="100000">
+                                          <p:val>
+                                            <p:strVal val="#ppt_x"/>
+                                          </p:val>
+                                        </p:tav>
+                                      </p:tavLst>
+                                    </p:anim>
+                                    <p:anim calcmode="lin" valueType="num">
+                                      <p:cBhvr>
+                                        <p:cTn id="9" dur="500" fill="hold"/>
+                                        <p:tgtEl>
+                                          <p:spTgt spid="13"/>
+                                        </p:tgtEl>
+                                        <p:attrNameLst>
+                                          <p:attrName>ppt_y</p:attrName>
+                                        </p:attrNameLst>
+                                      </p:cBhvr>
+                                      <p:tavLst>
+                                        <p:tav tm="0">
+                                          <p:val>
+                                            <p:strVal val="#ppt_y+.1"/>
+                                          </p:val>
+                                        </p:tav>
+                                        <p:tav tm="100000">
+                                          <p:val>
+                                            <p:strVal val="#ppt_y"/>
+                                          </p:val>
+                                        </p:tav>
+                                      </p:tavLst>
+                                    </p:anim>
+                                  </p:childTnLst>
+                                </p:cTn>
+                              </p:par>
+                            </p:childTnLst>
+                          </p:cTn>
+                        </p:par>
+                      </p:childTnLst>
+                    </p:cTn>
+                  </p:par>
+                  <p:par>
+                    <p:cTn id="10" fill="hold">
+                      <p:stCondLst>
+                        <p:cond delay="indefinite"/>
+                      </p:stCondLst>
+                      <p:childTnLst>
+                        <p:par>
+                          <p:cTn id="11" fill="hold">
+                            <p:stCondLst>
+                              <p:cond delay="0"/>
+                            </p:stCondLst>
+                            <p:childTnLst>
+                              <p:par>
+                                <p:cTn id="12" presetID="42" presetClass="entr" presetSubtype="0" fill="hold" grpId="0" nodeType="clickEffect">
+                                  <p:stCondLst>
+                                    <p:cond delay="0"/>
+                                  </p:stCondLst>
+                                  <p:childTnLst>
+                                    <p:set>
+                                      <p:cBhvr>
+                                        <p:cTn id="13" dur="1" fill="hold">
+                                          <p:stCondLst>
+                                            <p:cond delay="0"/>
+                                          </p:stCondLst>
+                                        </p:cTn>
+                                        <p:tgtEl>
+                                          <p:spTgt spid="3">
+                                            <p:txEl>
+                                              <p:pRg st="0" end="0"/>
+                                            </p:txEl>
+                                          </p:spTgt>
+                                        </p:tgtEl>
+                                        <p:attrNameLst>
+                                          <p:attrName>style.visibility</p:attrName>
+                                        </p:attrNameLst>
+                                      </p:cBhvr>
+                                      <p:to>
+                                        <p:strVal val="visible"/>
+                                      </p:to>
+                                    </p:set>
+                                    <p:animEffect transition="in" filter="fade">
+                                      <p:cBhvr>
+                                        <p:cTn id="14" dur="500"/>
+                                        <p:tgtEl>
+                                          <p:spTgt spid="3">
+                                            <p:txEl>
+                                              <p:pRg st="0" end="0"/>
+                                            </p:txEl>
+                                          </p:spTgt>
+                                        </p:tgtEl>
+                                      </p:cBhvr>
+                                    </p:animEffect>
+                                    <p:anim calcmode="lin" valueType="num">
+                                      <p:cBhvr>
+                                        <p:cTn id="15" dur="500" fill="hold"/>
+                                        <p:tgtEl>
+                                          <p:spTgt spid="3">
+                                            <p:txEl>
+                                              <p:pRg st="0" end="0"/>
+                                            </p:txEl>
+                                          </p:spTgt>
+                                        </p:tgtEl>
+                                        <p:attrNameLst>
+                                          <p:attrName>ppt_x</p:attrName>
+                                        </p:attrNameLst>
+                                      </p:cBhvr>
+                                      <p:tavLst>
+                                        <p:tav tm="0">
+                                          <p:val>
+                                            <p:strVal val="#ppt_x"/>
+                                          </p:val>
+                                        </p:tav>
+                                        <p:tav tm="100000">
+                                          <p:val>
+                                            <p:strVal val="#ppt_x"/>
+                                          </p:val>
+                                        </p:tav>
+                                      </p:tavLst>
+                                    </p:anim>
+                                    <p:anim calcmode="lin" valueType="num">
+                                      <p:cBhvr>
+                                        <p:cTn id="16" dur="500" fill="hold"/>
+                                        <p:tgtEl>
+                                          <p:spTgt spid="3">
+                                            <p:txEl>
+                                              <p:pRg st="0" end="0"/>
+                                            </p:txEl>
+                                          </p:spTgt>
+                                        </p:tgtEl>
+                                        <p:attrNameLst>
+                                          <p:attrName>ppt_y</p:attrName>
+                                        </p:attrNameLst>
+                                      </p:cBhvr>
+                                      <p:tavLst>
+                                        <p:tav tm="0">
+                                          <p:val>
+                                            <p:strVal val="#ppt_y+.1"/>
+                                          </p:val>
+                                        </p:tav>
+                                        <p:tav tm="100000">
+                                          <p:val>
+                                            <p:strVal val="#ppt_y"/>
+                                          </p:val>
+                                        </p:tav>
+                                      </p:tavLst>
+                                    </p:anim>
+                                  </p:childTnLst>
+                                </p:cTn>
+                              </p:par>
+                            </p:childTnLst>
+                          </p:cTn>
+                        </p:par>
+                      </p:childTnLst>
+                    </p:cTn>
+                  </p:par>
+                  <p:par>
+                    <p:cTn id="17" fill="hold">
+                      <p:stCondLst>
+                        <p:cond delay="indefinite"/>
+                      </p:stCondLst>
+                      <p:childTnLst>
+                        <p:par>
+                          <p:cTn id="18" fill="hold">
+                            <p:stCondLst>
+                              <p:cond delay="0"/>
+                            </p:stCondLst>
+                            <p:childTnLst>
+                              <p:par>
+                                <p:cTn id="19" presetID="42" presetClass="entr" presetSubtype="0" fill="hold" grpId="0" nodeType="clickEffect">
+                                  <p:stCondLst>
+                                    <p:cond delay="0"/>
+                                  </p:stCondLst>
+                                  <p:childTnLst>
+                                    <p:set>
+                                      <p:cBhvr>
+                                        <p:cTn id="20" dur="1" fill="hold">
+                                          <p:stCondLst>
+                                            <p:cond delay="0"/>
+                                          </p:stCondLst>
+                                        </p:cTn>
+                                        <p:tgtEl>
+                                          <p:spTgt spid="3">
+                                            <p:txEl>
+                                              <p:pRg st="2" end="2"/>
+                                            </p:txEl>
+                                          </p:spTgt>
+                                        </p:tgtEl>
+                                        <p:attrNameLst>
+                                          <p:attrName>style.visibility</p:attrName>
+                                        </p:attrNameLst>
+                                      </p:cBhvr>
+                                      <p:to>
+                                        <p:strVal val="visible"/>
+                                      </p:to>
+                                    </p:set>
+                                    <p:animEffect transition="in" filter="fade">
+                                      <p:cBhvr>
+                                        <p:cTn id="21" dur="500"/>
+                                        <p:tgtEl>
+                                          <p:spTgt spid="3">
+                                            <p:txEl>
+                                              <p:pRg st="2" end="2"/>
+                                            </p:txEl>
+                                          </p:spTgt>
+                                        </p:tgtEl>
+                                      </p:cBhvr>
+                                    </p:animEffect>
+                                    <p:anim calcmode="lin" valueType="num">
+                                      <p:cBhvr>
+                                        <p:cTn id="22" dur="500" fill="hold"/>
+                                        <p:tgtEl>
+                                          <p:spTgt spid="3">
+                                            <p:txEl>
+                                              <p:pRg st="2" end="2"/>
+                                            </p:txEl>
+                                          </p:spTgt>
+                                        </p:tgtEl>
+                                        <p:attrNameLst>
+                                          <p:attrName>ppt_x</p:attrName>
+                                        </p:attrNameLst>
+                                      </p:cBhvr>
+                                      <p:tavLst>
+                                        <p:tav tm="0">
+                                          <p:val>
+                                            <p:strVal val="#ppt_x"/>
+                                          </p:val>
+                                        </p:tav>
+                                        <p:tav tm="100000">
+                                          <p:val>
+                                            <p:strVal val="#ppt_x"/>
+                                          </p:val>
+                                        </p:tav>
+                                      </p:tavLst>
+                                    </p:anim>
+                                    <p:anim calcmode="lin" valueType="num">
+                                      <p:cBhvr>
+                                        <p:cTn id="23" dur="500" fill="hold"/>
+                                        <p:tgtEl>
+                                          <p:spTgt spid="3">
+                                            <p:txEl>
+                                              <p:pRg st="2" end="2"/>
+                                            </p:txEl>
+                                          </p:spTgt>
+                                        </p:tgtEl>
+                                        <p:attrNameLst>
+                                          <p:attrName>ppt_y</p:attrName>
+                                        </p:attrNameLst>
+                                      </p:cBhvr>
+                                      <p:tavLst>
+                                        <p:tav tm="0">
+                                          <p:val>
+                                            <p:strVal val="#ppt_y+.1"/>
+                                          </p:val>
+                                        </p:tav>
+                                        <p:tav tm="100000">
+                                          <p:val>
+                                            <p:strVal val="#ppt_y"/>
+                                          </p:val>
+                                        </p:tav>
+                                      </p:tavLst>
+                                    </p:anim>
+                                  </p:childTnLst>
+                                </p:cTn>
+                              </p:par>
+                              <p:par>
+                                <p:cTn id="24" presetID="42" presetClass="entr" presetSubtype="0" fill="hold" grpId="0" nodeType="withEffect">
+                                  <p:stCondLst>
+                                    <p:cond delay="0"/>
+                                  </p:stCondLst>
+                                  <p:childTnLst>
+                                    <p:set>
+                                      <p:cBhvr>
+                                        <p:cTn id="25" dur="1" fill="hold">
+                                          <p:stCondLst>
+                                            <p:cond delay="0"/>
+                                          </p:stCondLst>
+                                        </p:cTn>
+                                        <p:tgtEl>
+                                          <p:spTgt spid="3">
+                                            <p:txEl>
+                                              <p:pRg st="3" end="3"/>
+                                            </p:txEl>
+                                          </p:spTgt>
+                                        </p:tgtEl>
+                                        <p:attrNameLst>
+                                          <p:attrName>style.visibility</p:attrName>
+                                        </p:attrNameLst>
+                                      </p:cBhvr>
+                                      <p:to>
+                                        <p:strVal val="visible"/>
+                                      </p:to>
+                                    </p:set>
+                                    <p:animEffect transition="in" filter="fade">
+                                      <p:cBhvr>
+                                        <p:cTn id="26" dur="500"/>
+                                        <p:tgtEl>
+                                          <p:spTgt spid="3">
+                                            <p:txEl>
+                                              <p:pRg st="3" end="3"/>
+                                            </p:txEl>
+                                          </p:spTgt>
+                                        </p:tgtEl>
+                                      </p:cBhvr>
+                                    </p:animEffect>
+                                    <p:anim calcmode="lin" valueType="num">
+                                      <p:cBhvr>
+                                        <p:cTn id="27" dur="500" fill="hold"/>
+                                        <p:tgtEl>
+                                          <p:spTgt spid="3">
+                                            <p:txEl>
+                                              <p:pRg st="3" end="3"/>
+                                            </p:txEl>
+                                          </p:spTgt>
+                                        </p:tgtEl>
+                                        <p:attrNameLst>
+                                          <p:attrName>ppt_x</p:attrName>
+                                        </p:attrNameLst>
+                                      </p:cBhvr>
+                                      <p:tavLst>
+                                        <p:tav tm="0">
+                                          <p:val>
+                                            <p:strVal val="#ppt_x"/>
+                                          </p:val>
+                                        </p:tav>
+                                        <p:tav tm="100000">
+                                          <p:val>
+                                            <p:strVal val="#ppt_x"/>
+                                          </p:val>
+                                        </p:tav>
+                                      </p:tavLst>
+                                    </p:anim>
+                                    <p:anim calcmode="lin" valueType="num">
+                                      <p:cBhvr>
+                                        <p:cTn id="28" dur="500" fill="hold"/>
+                                        <p:tgtEl>
+                                          <p:spTgt spid="3">
+                                            <p:txEl>
+                                              <p:pRg st="3" end="3"/>
+                                            </p:txEl>
+                                          </p:spTgt>
+                                        </p:tgtEl>
+                                        <p:attrNameLst>
+                                          <p:attrName>ppt_y</p:attrName>
+                                        </p:attrNameLst>
+                                      </p:cBhvr>
+                                      <p:tavLst>
+                                        <p:tav tm="0">
+                                          <p:val>
+                                            <p:strVal val="#ppt_y+.1"/>
+                                          </p:val>
+                                        </p:tav>
+                                        <p:tav tm="100000">
+                                          <p:val>
+                                            <p:strVal val="#ppt_y"/>
+                                          </p:val>
+                                        </p:tav>
+                                      </p:tavLst>
+                                    </p:anim>
+                                  </p:childTnLst>
+                                </p:cTn>
+                              </p:par>
+                              <p:par>
+                                <p:cTn id="29" presetID="42" presetClass="entr" presetSubtype="0" fill="hold" grpId="0" nodeType="withEffect">
+                                  <p:stCondLst>
+                                    <p:cond delay="0"/>
+                                  </p:stCondLst>
+                                  <p:childTnLst>
+                                    <p:set>
+                                      <p:cBhvr>
+                                        <p:cTn id="30" dur="1" fill="hold">
+                                          <p:stCondLst>
+                                            <p:cond delay="0"/>
+                                          </p:stCondLst>
+                                        </p:cTn>
+                                        <p:tgtEl>
+                                          <p:spTgt spid="3">
+                                            <p:txEl>
+                                              <p:pRg st="4" end="4"/>
+                                            </p:txEl>
+                                          </p:spTgt>
+                                        </p:tgtEl>
+                                        <p:attrNameLst>
+                                          <p:attrName>style.visibility</p:attrName>
+                                        </p:attrNameLst>
+                                      </p:cBhvr>
+                                      <p:to>
+                                        <p:strVal val="visible"/>
+                                      </p:to>
+                                    </p:set>
+                                    <p:animEffect transition="in" filter="fade">
+                                      <p:cBhvr>
+                                        <p:cTn id="31" dur="500"/>
+                                        <p:tgtEl>
+                                          <p:spTgt spid="3">
+                                            <p:txEl>
+                                              <p:pRg st="4" end="4"/>
+                                            </p:txEl>
+                                          </p:spTgt>
+                                        </p:tgtEl>
+                                      </p:cBhvr>
+                                    </p:animEffect>
+                                    <p:anim calcmode="lin" valueType="num">
+                                      <p:cBhvr>
+                                        <p:cTn id="32" dur="500" fill="hold"/>
+                                        <p:tgtEl>
+                                          <p:spTgt spid="3">
+                                            <p:txEl>
+                                              <p:pRg st="4" end="4"/>
+                                            </p:txEl>
+                                          </p:spTgt>
+                                        </p:tgtEl>
+                                        <p:attrNameLst>
+                                          <p:attrName>ppt_x</p:attrName>
+                                        </p:attrNameLst>
+                                      </p:cBhvr>
+                                      <p:tavLst>
+                                        <p:tav tm="0">
+                                          <p:val>
+                                            <p:strVal val="#ppt_x"/>
+                                          </p:val>
+                                        </p:tav>
+                                        <p:tav tm="100000">
+                                          <p:val>
+                                            <p:strVal val="#ppt_x"/>
+                                          </p:val>
+                                        </p:tav>
+                                      </p:tavLst>
+                                    </p:anim>
+                                    <p:anim calcmode="lin" valueType="num">
+                                      <p:cBhvr>
+                                        <p:cTn id="33" dur="500" fill="hold"/>
+                                        <p:tgtEl>
+                                          <p:spTgt spid="3">
+                                            <p:txEl>
+                                              <p:pRg st="4" end="4"/>
+                                            </p:txEl>
+                                          </p:spTgt>
+                                        </p:tgtEl>
+                                        <p:attrNameLst>
+                                          <p:attrName>ppt_y</p:attrName>
+                                        </p:attrNameLst>
+                                      </p:cBhvr>
+                                      <p:tavLst>
+                                        <p:tav tm="0">
+                                          <p:val>
+                                            <p:strVal val="#ppt_y+.1"/>
+                                          </p:val>
+                                        </p:tav>
+                                        <p:tav tm="100000">
+                                          <p:val>
+                                            <p:strVal val="#ppt_y"/>
+                                          </p:val>
+                                        </p:tav>
+                                      </p:tavLst>
+                                    </p:anim>
+                                  </p:childTnLst>
+                                </p:cTn>
+                              </p:par>
+                              <p:par>
+                                <p:cTn id="34" presetID="42" presetClass="entr" presetSubtype="0" fill="hold" grpId="0" nodeType="withEffect">
+                                  <p:stCondLst>
+                                    <p:cond delay="0"/>
+                                  </p:stCondLst>
+                                  <p:childTnLst>
+                                    <p:set>
+                                      <p:cBhvr>
+                                        <p:cTn id="35" dur="1" fill="hold">
+                                          <p:stCondLst>
+                                            <p:cond delay="0"/>
+                                          </p:stCondLst>
+                                        </p:cTn>
+                                        <p:tgtEl>
+                                          <p:spTgt spid="3">
+                                            <p:txEl>
+                                              <p:pRg st="5" end="5"/>
+                                            </p:txEl>
+                                          </p:spTgt>
+                                        </p:tgtEl>
+                                        <p:attrNameLst>
+                                          <p:attrName>style.visibility</p:attrName>
+                                        </p:attrNameLst>
+                                      </p:cBhvr>
+                                      <p:to>
+                                        <p:strVal val="visible"/>
+                                      </p:to>
+                                    </p:set>
+                                    <p:animEffect transition="in" filter="fade">
+                                      <p:cBhvr>
+                                        <p:cTn id="36" dur="500"/>
+                                        <p:tgtEl>
+                                          <p:spTgt spid="3">
+                                            <p:txEl>
+                                              <p:pRg st="5" end="5"/>
+                                            </p:txEl>
+                                          </p:spTgt>
+                                        </p:tgtEl>
+                                      </p:cBhvr>
+                                    </p:animEffect>
+                                    <p:anim calcmode="lin" valueType="num">
+                                      <p:cBhvr>
+                                        <p:cTn id="37" dur="500" fill="hold"/>
+                                        <p:tgtEl>
+                                          <p:spTgt spid="3">
+                                            <p:txEl>
+                                              <p:pRg st="5" end="5"/>
+                                            </p:txEl>
+                                          </p:spTgt>
+                                        </p:tgtEl>
+                                        <p:attrNameLst>
+                                          <p:attrName>ppt_x</p:attrName>
+                                        </p:attrNameLst>
+                                      </p:cBhvr>
+                                      <p:tavLst>
+                                        <p:tav tm="0">
+                                          <p:val>
+                                            <p:strVal val="#ppt_x"/>
+                                          </p:val>
+                                        </p:tav>
+                                        <p:tav tm="100000">
+                                          <p:val>
+                                            <p:strVal val="#ppt_x"/>
+                                          </p:val>
+                                        </p:tav>
+                                      </p:tavLst>
+                                    </p:anim>
+                                    <p:anim calcmode="lin" valueType="num">
+                                      <p:cBhvr>
+                                        <p:cTn id="38" dur="500" fill="hold"/>
+                                        <p:tgtEl>
+                                          <p:spTgt spid="3">
+                                            <p:txEl>
+                                              <p:pRg st="5" end="5"/>
+                                            </p:txEl>
+                                          </p:spTgt>
+                                        </p:tgtEl>
+                                        <p:attrNameLst>
+                                          <p:attrName>ppt_y</p:attrName>
+                                        </p:attrNameLst>
+                                      </p:cBhvr>
+                                      <p:tavLst>
+                                        <p:tav tm="0">
+                                          <p:val>
+                                            <p:strVal val="#ppt_y+.1"/>
+                                          </p:val>
+                                        </p:tav>
+                                        <p:tav tm="100000">
+                                          <p:val>
+                                            <p:strVal val="#ppt_y"/>
+                                          </p:val>
+                                        </p:tav>
+                                      </p:tavLst>
+                                    </p:anim>
+                                  </p:childTnLst>
+                                </p:cTn>
+                              </p:par>
+                            </p:childTnLst>
+                          </p:cTn>
+                        </p:par>
+                      </p:childTnLst>
+                    </p:cTn>
+                  </p:par>
+                  <p:par>
+                    <p:cTn id="39" fill="hold">
+                      <p:stCondLst>
+                        <p:cond delay="indefinite"/>
+                      </p:stCondLst>
+                      <p:childTnLst>
+                        <p:par>
+                          <p:cTn id="40" fill="hold">
+                            <p:stCondLst>
+                              <p:cond delay="0"/>
+                            </p:stCondLst>
+                            <p:childTnLst>
+                              <p:par>
+                                <p:cTn id="41" presetID="42" presetClass="entr" presetSubtype="0" fill="hold" grpId="0" nodeType="clickEffect">
+                                  <p:stCondLst>
+                                    <p:cond delay="0"/>
+                                  </p:stCondLst>
+                                  <p:childTnLst>
+                                    <p:set>
+                                      <p:cBhvr>
+                                        <p:cTn id="42" dur="1" fill="hold">
+                                          <p:stCondLst>
+                                            <p:cond delay="0"/>
+                                          </p:stCondLst>
+                                        </p:cTn>
+                                        <p:tgtEl>
+                                          <p:spTgt spid="15"/>
+                                        </p:tgtEl>
+                                        <p:attrNameLst>
+                                          <p:attrName>style.visibility</p:attrName>
+                                        </p:attrNameLst>
+                                      </p:cBhvr>
+                                      <p:to>
+                                        <p:strVal val="visible"/>
+                                      </p:to>
+                                    </p:set>
+                                    <p:animEffect transition="in" filter="fade">
+                                      <p:cBhvr>
+                                        <p:cTn id="43" dur="500"/>
+                                        <p:tgtEl>
+                                          <p:spTgt spid="15"/>
+                                        </p:tgtEl>
+                                      </p:cBhvr>
+                                    </p:animEffect>
+                                    <p:anim calcmode="lin" valueType="num">
+                                      <p:cBhvr>
+                                        <p:cTn id="44" dur="500" fill="hold"/>
+                                        <p:tgtEl>
+                                          <p:spTgt spid="15"/>
+                                        </p:tgtEl>
+                                        <p:attrNameLst>
+                                          <p:attrName>ppt_x</p:attrName>
+                                        </p:attrNameLst>
+                                      </p:cBhvr>
+                                      <p:tavLst>
+                                        <p:tav tm="0">
+                                          <p:val>
+                                            <p:strVal val="#ppt_x"/>
+                                          </p:val>
+                                        </p:tav>
+                                        <p:tav tm="100000">
+                                          <p:val>
+                                            <p:strVal val="#ppt_x"/>
+                                          </p:val>
+                                        </p:tav>
+                                      </p:tavLst>
+                                    </p:anim>
+                                    <p:anim calcmode="lin" valueType="num">
+                                      <p:cBhvr>
+                                        <p:cTn id="45" dur="500" fill="hold"/>
+                                        <p:tgtEl>
+                                          <p:spTgt spid="15"/>
+                                        </p:tgtEl>
+                                        <p:attrNameLst>
+                                          <p:attrName>ppt_y</p:attrName>
+                                        </p:attrNameLst>
+                                      </p:cBhvr>
+                                      <p:tavLst>
+                                        <p:tav tm="0">
+                                          <p:val>
+                                            <p:strVal val="#ppt_y+.1"/>
+                                          </p:val>
+                                        </p:tav>
+                                        <p:tav tm="100000">
+                                          <p:val>
+                                            <p:strVal val="#ppt_y"/>
+                                          </p:val>
+                                        </p:tav>
+                                      </p:tavLst>
+                                    </p:anim>
+                                  </p:childTnLst>
+                                </p:cTn>
+                              </p:par>
+                            </p:childTnLst>
+                          </p:cTn>
+                        </p:par>
+                      </p:childTnLst>
+                    </p:cTn>
+                  </p:par>
+                  <p:par>
+                    <p:cTn id="46" fill="hold">
+                      <p:stCondLst>
+                        <p:cond delay="indefinite"/>
+                      </p:stCondLst>
+                      <p:childTnLst>
+                        <p:par>
+                          <p:cTn id="47" fill="hold">
+                            <p:stCondLst>
+                              <p:cond delay="0"/>
+                            </p:stCondLst>
+                            <p:childTnLst>
+                              <p:par>
+                                <p:cTn id="48" presetID="42" presetClass="entr" presetSubtype="0" fill="hold" grpId="0" nodeType="clickEffect">
+                                  <p:stCondLst>
+                                    <p:cond delay="0"/>
+                                  </p:stCondLst>
+                                  <p:childTnLst>
+                                    <p:set>
+                                      <p:cBhvr>
+                                        <p:cTn id="49" dur="1" fill="hold">
+                                          <p:stCondLst>
+                                            <p:cond delay="0"/>
+                                          </p:stCondLst>
+                                        </p:cTn>
+                                        <p:tgtEl>
+                                          <p:spTgt spid="12">
+                                            <p:txEl>
+                                              <p:pRg st="0" end="0"/>
+                                            </p:txEl>
+                                          </p:spTgt>
+                                        </p:tgtEl>
+                                        <p:attrNameLst>
+                                          <p:attrName>style.visibility</p:attrName>
+                                        </p:attrNameLst>
+                                      </p:cBhvr>
+                                      <p:to>
+                                        <p:strVal val="visible"/>
+                                      </p:to>
+                                    </p:set>
+                                    <p:animEffect transition="in" filter="fade">
+                                      <p:cBhvr>
+                                        <p:cTn id="50" dur="500"/>
+                                        <p:tgtEl>
+                                          <p:spTgt spid="12">
+                                            <p:txEl>
+                                              <p:pRg st="0" end="0"/>
+                                            </p:txEl>
+                                          </p:spTgt>
+                                        </p:tgtEl>
+                                      </p:cBhvr>
+                                    </p:animEffect>
+                                    <p:anim calcmode="lin" valueType="num">
+                                      <p:cBhvr>
+                                        <p:cTn id="51" dur="500" fill="hold"/>
+                                        <p:tgtEl>
+                                          <p:spTgt spid="12">
+                                            <p:txEl>
+                                              <p:pRg st="0" end="0"/>
+                                            </p:txEl>
+                                          </p:spTgt>
+                                        </p:tgtEl>
+                                        <p:attrNameLst>
+                                          <p:attrName>ppt_x</p:attrName>
+                                        </p:attrNameLst>
+                                      </p:cBhvr>
+                                      <p:tavLst>
+                                        <p:tav tm="0">
+                                          <p:val>
+                                            <p:strVal val="#ppt_x"/>
+                                          </p:val>
+                                        </p:tav>
+                                        <p:tav tm="100000">
+                                          <p:val>
+                                            <p:strVal val="#ppt_x"/>
+                                          </p:val>
+                                        </p:tav>
+                                      </p:tavLst>
+                                    </p:anim>
+                                    <p:anim calcmode="lin" valueType="num">
+                                      <p:cBhvr>
+                                        <p:cTn id="52" dur="500" fill="hold"/>
+                                        <p:tgtEl>
+                                          <p:spTgt spid="12">
+                                            <p:txEl>
+                                              <p:pRg st="0" end="0"/>
+                                            </p:txEl>
+                                          </p:spTgt>
+                                        </p:tgtEl>
+                                        <p:attrNameLst>
+                                          <p:attrName>ppt_y</p:attrName>
+                                        </p:attrNameLst>
+                                      </p:cBhvr>
+                                      <p:tavLst>
+                                        <p:tav tm="0">
+                                          <p:val>
+                                            <p:strVal val="#ppt_y+.1"/>
+                                          </p:val>
+                                        </p:tav>
+                                        <p:tav tm="100000">
+                                          <p:val>
+                                            <p:strVal val="#ppt_y"/>
+                                          </p:val>
+                                        </p:tav>
+                                      </p:tavLst>
+                                    </p:anim>
+                                  </p:childTnLst>
+                                </p:cTn>
+                              </p:par>
+                            </p:childTnLst>
+                          </p:cTn>
+                        </p:par>
+                      </p:childTnLst>
+                    </p:cTn>
+                  </p:par>
+                  <p:par>
+                    <p:cTn id="53" fill="hold">
+                      <p:stCondLst>
+                        <p:cond delay="indefinite"/>
+                      </p:stCondLst>
+                      <p:childTnLst>
+                        <p:par>
+                          <p:cTn id="54" fill="hold">
+                            <p:stCondLst>
+                              <p:cond delay="0"/>
+                            </p:stCondLst>
+                            <p:childTnLst>
+                              <p:par>
+                                <p:cTn id="55" presetID="42" presetClass="entr" presetSubtype="0" fill="hold" grpId="0" nodeType="clickEffect">
+                                  <p:stCondLst>
+                                    <p:cond delay="0"/>
+                                  </p:stCondLst>
+                                  <p:childTnLst>
+                                    <p:set>
+                                      <p:cBhvr>
+                                        <p:cTn id="56" dur="1" fill="hold">
+                                          <p:stCondLst>
+                                            <p:cond delay="0"/>
+                                          </p:stCondLst>
+                                        </p:cTn>
+                                        <p:tgtEl>
+                                          <p:spTgt spid="12">
+                                            <p:txEl>
+                                              <p:pRg st="2" end="2"/>
+                                            </p:txEl>
+                                          </p:spTgt>
+                                        </p:tgtEl>
+                                        <p:attrNameLst>
+                                          <p:attrName>style.visibility</p:attrName>
+                                        </p:attrNameLst>
+                                      </p:cBhvr>
+                                      <p:to>
+                                        <p:strVal val="visible"/>
+                                      </p:to>
+                                    </p:set>
+                                    <p:animEffect transition="in" filter="fade">
+                                      <p:cBhvr>
+                                        <p:cTn id="57" dur="500"/>
+                                        <p:tgtEl>
+                                          <p:spTgt spid="12">
+                                            <p:txEl>
+                                              <p:pRg st="2" end="2"/>
+                                            </p:txEl>
+                                          </p:spTgt>
+                                        </p:tgtEl>
+                                      </p:cBhvr>
+                                    </p:animEffect>
+                                    <p:anim calcmode="lin" valueType="num">
+                                      <p:cBhvr>
+                                        <p:cTn id="58" dur="500" fill="hold"/>
+                                        <p:tgtEl>
+                                          <p:spTgt spid="12">
+                                            <p:txEl>
+                                              <p:pRg st="2" end="2"/>
+                                            </p:txEl>
+                                          </p:spTgt>
+                                        </p:tgtEl>
+                                        <p:attrNameLst>
+                                          <p:attrName>ppt_x</p:attrName>
+                                        </p:attrNameLst>
+                                      </p:cBhvr>
+                                      <p:tavLst>
+                                        <p:tav tm="0">
+                                          <p:val>
+                                            <p:strVal val="#ppt_x"/>
+                                          </p:val>
+                                        </p:tav>
+                                        <p:tav tm="100000">
+                                          <p:val>
+                                            <p:strVal val="#ppt_x"/>
+                                          </p:val>
+                                        </p:tav>
+                                      </p:tavLst>
+                                    </p:anim>
+                                    <p:anim calcmode="lin" valueType="num">
+                                      <p:cBhvr>
+                                        <p:cTn id="59" dur="500" fill="hold"/>
+                                        <p:tgtEl>
+                                          <p:spTgt spid="12">
+                                            <p:txEl>
+                                              <p:pRg st="2" end="2"/>
+                                            </p:txEl>
+                                          </p:spTgt>
+                                        </p:tgtEl>
+                                        <p:attrNameLst>
+                                          <p:attrName>ppt_y</p:attrName>
+                                        </p:attrNameLst>
+                                      </p:cBhvr>
+                                      <p:tavLst>
+                                        <p:tav tm="0">
+                                          <p:val>
+                                            <p:strVal val="#ppt_y+.1"/>
+                                          </p:val>
+                                        </p:tav>
+                                        <p:tav tm="100000">
+                                          <p:val>
+                                            <p:strVal val="#ppt_y"/>
+                                          </p:val>
+                                        </p:tav>
+                                      </p:tavLst>
+                                    </p:anim>
+                                  </p:childTnLst>
+                                </p:cTn>
+                              </p:par>
+                            </p:childTnLst>
+                          </p:cTn>
+                        </p:par>
+                      </p:childTnLst>
+                    </p:cTn>
+                  </p:par>
+                  <p:par>
+                    <p:cTn id="60" fill="hold">
+                      <p:stCondLst>
+                        <p:cond delay="indefinite"/>
+                      </p:stCondLst>
+                      <p:childTnLst>
+                        <p:par>
+                          <p:cTn id="61" fill="hold">
+                            <p:stCondLst>
+                              <p:cond delay="0"/>
+                            </p:stCondLst>
+                            <p:childTnLst>
+                              <p:par>
+                                <p:cTn id="62" presetID="42" presetClass="entr" presetSubtype="0" fill="hold" grpId="0" nodeType="clickEffect">
+                                  <p:stCondLst>
+                                    <p:cond delay="0"/>
+                                  </p:stCondLst>
+                                  <p:childTnLst>
+                                    <p:set>
+                                      <p:cBhvr>
+                                        <p:cTn id="63" dur="1" fill="hold">
+                                          <p:stCondLst>
+                                            <p:cond delay="0"/>
+                                          </p:stCondLst>
+                                        </p:cTn>
+                                        <p:tgtEl>
+                                          <p:spTgt spid="12">
+                                            <p:txEl>
+                                              <p:pRg st="4" end="4"/>
+                                            </p:txEl>
+                                          </p:spTgt>
+                                        </p:tgtEl>
+                                        <p:attrNameLst>
+                                          <p:attrName>style.visibility</p:attrName>
+                                        </p:attrNameLst>
+                                      </p:cBhvr>
+                                      <p:to>
+                                        <p:strVal val="visible"/>
+                                      </p:to>
+                                    </p:set>
+                                    <p:animEffect transition="in" filter="fade">
+                                      <p:cBhvr>
+                                        <p:cTn id="64" dur="500"/>
+                                        <p:tgtEl>
+                                          <p:spTgt spid="12">
+                                            <p:txEl>
+                                              <p:pRg st="4" end="4"/>
+                                            </p:txEl>
+                                          </p:spTgt>
+                                        </p:tgtEl>
+                                      </p:cBhvr>
+                                    </p:animEffect>
+                                    <p:anim calcmode="lin" valueType="num">
+                                      <p:cBhvr>
+                                        <p:cTn id="65" dur="500" fill="hold"/>
+                                        <p:tgtEl>
+                                          <p:spTgt spid="12">
+                                            <p:txEl>
+                                              <p:pRg st="4" end="4"/>
+                                            </p:txEl>
+                                          </p:spTgt>
+                                        </p:tgtEl>
+                                        <p:attrNameLst>
+                                          <p:attrName>ppt_x</p:attrName>
+                                        </p:attrNameLst>
+                                      </p:cBhvr>
+                                      <p:tavLst>
+                                        <p:tav tm="0">
+                                          <p:val>
+                                            <p:strVal val="#ppt_x"/>
+                                          </p:val>
+                                        </p:tav>
+                                        <p:tav tm="100000">
+                                          <p:val>
+                                            <p:strVal val="#ppt_x"/>
+                                          </p:val>
+                                        </p:tav>
+                                      </p:tavLst>
+                                    </p:anim>
+                                    <p:anim calcmode="lin" valueType="num">
+                                      <p:cBhvr>
+                                        <p:cTn id="66" dur="500" fill="hold"/>
+                                        <p:tgtEl>
+                                          <p:spTgt spid="12">
+                                            <p:txEl>
+                                              <p:pRg st="4" end="4"/>
+                                            </p:txEl>
+                                          </p:spTgt>
+                                        </p:tgtEl>
+                                        <p:attrNameLst>
+                                          <p:attrName>ppt_y</p:attrName>
+                                        </p:attrNameLst>
+                                      </p:cBhvr>
+                                      <p:tavLst>
+                                        <p:tav tm="0">
+                                          <p:val>
+                                            <p:strVal val="#ppt_y+.1"/>
+                                          </p:val>
+                                        </p:tav>
+                                        <p:tav tm="100000">
+                                          <p:val>
+                                            <p:strVal val="#ppt_y"/>
+                                          </p:val>
+                                        </p:tav>
+                                      </p:tavLst>
+                                    </p:anim>
+                                  </p:childTnLst>
+                                </p:cTn>
+                              </p:par>
+                            </p:childTnLst>
+                          </p:cTn>
+                        </p:par>
+                      </p:childTnLst>
+                    </p:cTn>
+                  </p:par>
+                  <p:par>
+                    <p:cTn id="67" fill="hold">
+                      <p:stCondLst>
+                        <p:cond delay="indefinite"/>
+                      </p:stCondLst>
+                      <p:childTnLst>
+                        <p:par>
+                          <p:cTn id="68" fill="hold">
+                            <p:stCondLst>
+                              <p:cond delay="0"/>
+                            </p:stCondLst>
+                            <p:childTnLst>
+                              <p:par>
+                                <p:cTn id="69" presetID="42" presetClass="entr" presetSubtype="0" fill="hold" grpId="0" nodeType="clickEffect">
+                                  <p:stCondLst>
+                                    <p:cond delay="0"/>
+                                  </p:stCondLst>
+                                  <p:childTnLst>
+                                    <p:set>
+                                      <p:cBhvr>
+                                        <p:cTn id="70" dur="1" fill="hold">
+                                          <p:stCondLst>
+                                            <p:cond delay="0"/>
+                                          </p:stCondLst>
+                                        </p:cTn>
+                                        <p:tgtEl>
+                                          <p:spTgt spid="12">
+                                            <p:txEl>
+                                              <p:pRg st="6" end="6"/>
+                                            </p:txEl>
+                                          </p:spTgt>
+                                        </p:tgtEl>
+                                        <p:attrNameLst>
+                                          <p:attrName>style.visibility</p:attrName>
+                                        </p:attrNameLst>
+                                      </p:cBhvr>
+                                      <p:to>
+                                        <p:strVal val="visible"/>
+                                      </p:to>
+                                    </p:set>
+                                    <p:animEffect transition="in" filter="fade">
+                                      <p:cBhvr>
+                                        <p:cTn id="71" dur="500"/>
+                                        <p:tgtEl>
+                                          <p:spTgt spid="12">
+                                            <p:txEl>
+                                              <p:pRg st="6" end="6"/>
+                                            </p:txEl>
+                                          </p:spTgt>
+                                        </p:tgtEl>
+                                      </p:cBhvr>
+                                    </p:animEffect>
+                                    <p:anim calcmode="lin" valueType="num">
+                                      <p:cBhvr>
+                                        <p:cTn id="72" dur="500" fill="hold"/>
+                                        <p:tgtEl>
+                                          <p:spTgt spid="12">
+                                            <p:txEl>
+                                              <p:pRg st="6" end="6"/>
+                                            </p:txEl>
+                                          </p:spTgt>
+                                        </p:tgtEl>
+                                        <p:attrNameLst>
+                                          <p:attrName>ppt_x</p:attrName>
+                                        </p:attrNameLst>
+                                      </p:cBhvr>
+                                      <p:tavLst>
+                                        <p:tav tm="0">
+                                          <p:val>
+                                            <p:strVal val="#ppt_x"/>
+                                          </p:val>
+                                        </p:tav>
+                                        <p:tav tm="100000">
+                                          <p:val>
+                                            <p:strVal val="#ppt_x"/>
+                                          </p:val>
+                                        </p:tav>
+                                      </p:tavLst>
+                                    </p:anim>
+                                    <p:anim calcmode="lin" valueType="num">
+                                      <p:cBhvr>
+                                        <p:cTn id="73" dur="500" fill="hold"/>
+                                        <p:tgtEl>
+                                          <p:spTgt spid="12">
+                                            <p:txEl>
+                                              <p:pRg st="6" end="6"/>
+                                            </p:txEl>
+                                          </p:spTgt>
+                                        </p:tgtEl>
+                                        <p:attrNameLst>
+                                          <p:attrName>ppt_y</p:attrName>
+                                        </p:attrNameLst>
+                                      </p:cBhvr>
+                                      <p:tavLst>
+                                        <p:tav tm="0">
+                                          <p:val>
+                                            <p:strVal val="#ppt_y+.1"/>
+                                          </p:val>
+                                        </p:tav>
+                                        <p:tav tm="100000">
+                                          <p:val>
+                                            <p:strVal val="#ppt_y"/>
+                                          </p:val>
+                                        </p:tav>
+                                      </p:tavLst>
+                                    </p:anim>
+                                  </p:childTnLst>
+                                </p:cTn>
+                              </p:par>
+                            </p:childTnLst>
+                          </p:cTn>
+                        </p:par>
+                      </p:childTnLst>
+                    </p:cTn>
+                  </p:par>
+                </p:childTnLst>
+              </p:cTn>
+              <p:prevCondLst>
+                <p:cond evt="onPrev" delay="0">
+                  <p:tgtEl>
+                    <p:sldTgt/>
+                  </p:tgtEl>
+                </p:cond>
+              </p:prevCondLst>
+              <p:nextCondLst>
+                <p:cond evt="onNext" delay="0">
+                  <p:tgtEl>
+                    <p:sldTgt/>
+                  </p:tgtEl>
+                </p:cond>
+              </p:nextCondLst>
+            </p:seq>
+          </p:childTnLst>
+        </p:cTn>
+      </p:par>
+    </p:tnLst>
+    <p:bldLst>
+      <p:bldP spid="3" grpId="0" build="p"/>
+      <p:bldP spid="12" grpId="0" uiExpand="1" build="p"/>
+      <p:bldP spid="13" grpId="0"/>
+      <p:bldP spid="15" grpId="0"/>
+    </p:bldLst>
+  </p:timing>
+</p:sld>
+</file>
+
+<file path=ppt/slides/slide8.xml><?xml version="1.0" encoding="utf-8"?>
+<p:sld xmlns:a="http://schemas.openxmlformats.org/drawingml/2006/main" xmlns:r="http://schemas.openxmlformats.org/officeDocument/2006/relationships" xmlns:p="http://schemas.openxmlformats.org/presentationml/2006/main">
+  <p:cSld>
+    <p:spTree>
+      <p:nvGrpSpPr>
+        <p:cNvPr id="1" name=""/>
+        <p:cNvGrpSpPr/>
+        <p:nvPr/>
+      </p:nvGrpSpPr>
+      <p:grpSpPr>
+        <a:xfrm>
+          <a:off x="0" y="0"/>
+          <a:ext cx="0" cy="0"/>
+          <a:chOff x="0" y="0"/>
+          <a:chExt cx="0" cy="0"/>
+        </a:xfrm>
+      </p:grpSpPr>
+      <p:sp>
+        <p:nvSpPr>
+          <p:cNvPr id="2" name="Titel 1"/>
+          <p:cNvSpPr>
+            <a:spLocks noGrp="1"/>
+          </p:cNvSpPr>
+          <p:nvPr>
+            <p:ph type="title"/>
+          </p:nvPr>
+        </p:nvSpPr>
+        <p:spPr/>
+        <p:txBody>
+          <a:bodyPr/>
+          <a:lstStyle/>
+          <a:p>
+            <a:r>
+              <a:rPr lang="de-CH" dirty="0" err="1" smtClean="0"/>
+              <a:t>demonstration</a:t>
+            </a:r>
+            <a:endParaRPr lang="de-CH" dirty="0"/>
+          </a:p>
+        </p:txBody>
+      </p:sp>
+      <p:pic>
+        <p:nvPicPr>
+          <p:cNvPr id="7" name="Grafik 6">
+            <a:hlinkClick r:id="rId2" action="ppaction://hlinkfile"/>
+          </p:cNvPr>
+          <p:cNvPicPr>
+            <a:picLocks noChangeAspect="1"/>
+          </p:cNvPicPr>
+          <p:nvPr/>
+        </p:nvPicPr>
+        <p:blipFill>
+          <a:blip r:embed="rId3"/>
+          <a:stretch>
+            <a:fillRect/>
+          </a:stretch>
+        </p:blipFill>
+        <p:spPr>
+          <a:xfrm>
+            <a:off x="1358478" y="1553012"/>
+            <a:ext cx="6427044" cy="4828316"/>
+          </a:xfrm>
+          <a:prstGeom prst="rect">
+            <a:avLst/>
+          </a:prstGeom>
+        </p:spPr>
+      </p:pic>
+    </p:spTree>
+    <p:extLst>
+      <p:ext uri="{BB962C8B-B14F-4D97-AF65-F5344CB8AC3E}">
+        <p14:creationId xmlns:p14="http://schemas.microsoft.com/office/powerpoint/2010/main" val="2871839369"/>
+      </p:ext>
+    </p:extLst>
+  </p:cSld>
+  <p:clrMapOvr>
+    <a:masterClrMapping/>
+  </p:clrMapOvr>
+  <mc:AlternateContent xmlns:mc="http://schemas.openxmlformats.org/markup-compatibility/2006">
+    <mc:Choice xmlns:p14="http://schemas.microsoft.com/office/powerpoint/2010/main" Requires="p14">
+      <p:transition spd="slow">
+        <p14:ferris dir="l"/>
+      </p:transition>
+    </mc:Choice>
+    <mc:Fallback>
+      <p:transition spd="slow">
+        <p:fade/>
+      </p:transition>
+    </mc:Fallback>
+  </mc:AlternateContent>
+  <p:timing>
+    <p:tnLst>
+      <p:par>
+        <p:cTn id="1" dur="indefinite" restart="never" nodeType="tmRoot">
+          <p:childTnLst>
+            <p:seq concurrent="1" nextAc="seek">
+              <p:cTn id="2" dur="indefinite" nodeType="mainSeq">
+                <p:childTnLst>
+                  <p:par>
+                    <p:cTn id="3" fill="hold">
+                      <p:stCondLst>
+                        <p:cond delay="indefinite"/>
+                      </p:stCondLst>
+                      <p:childTnLst>
+                        <p:par>
+                          <p:cTn id="4" fill="hold">
+                            <p:stCondLst>
+                              <p:cond delay="0"/>
+                            </p:stCondLst>
+                            <p:childTnLst>
+                              <p:par>
+                                <p:cTn id="5" presetID="42" presetClass="entr" presetSubtype="0" fill="hold" nodeType="clickEffect">
+                                  <p:stCondLst>
+                                    <p:cond delay="0"/>
+                                  </p:stCondLst>
+                                  <p:childTnLst>
+                                    <p:set>
+                                      <p:cBhvr>
+                                        <p:cTn id="6" dur="1" fill="hold">
+                                          <p:stCondLst>
+                                            <p:cond delay="0"/>
+                                          </p:stCondLst>
+                                        </p:cTn>
+                                        <p:tgtEl>
+                                          <p:spTgt spid="7"/>
+                                        </p:tgtEl>
+                                        <p:attrNameLst>
+                                          <p:attrName>style.visibility</p:attrName>
+                                        </p:attrNameLst>
+                                      </p:cBhvr>
+                                      <p:to>
+                                        <p:strVal val="visible"/>
+                                      </p:to>
+                                    </p:set>
+                                    <p:animEffect transition="in" filter="fade">
+                                      <p:cBhvr>
+                                        <p:cTn id="7" dur="500"/>
+                                        <p:tgtEl>
+                                          <p:spTgt spid="7"/>
+                                        </p:tgtEl>
+                                      </p:cBhvr>
+                                    </p:animEffect>
+                                    <p:anim calcmode="lin" valueType="num">
+                                      <p:cBhvr>
+                                        <p:cTn id="8" dur="500" fill="hold"/>
+                                        <p:tgtEl>
+                                          <p:spTgt spid="7"/>
+                                        </p:tgtEl>
+                                        <p:attrNameLst>
+                                          <p:attrName>ppt_x</p:attrName>
+                                        </p:attrNameLst>
+                                      </p:cBhvr>
+                                      <p:tavLst>
+                                        <p:tav tm="0">
+                                          <p:val>
+                                            <p:strVal val="#ppt_x"/>
+                                          </p:val>
+                                        </p:tav>
+                                        <p:tav tm="100000">
+                                          <p:val>
+                                            <p:strVal val="#ppt_x"/>
+                                          </p:val>
+                                        </p:tav>
+                                      </p:tavLst>
+                                    </p:anim>
+                                    <p:anim calcmode="lin" valueType="num">
+                                      <p:cBhvr>
+                                        <p:cTn id="9" dur="500" fill="hold"/>
+                                        <p:tgtEl>
+                                          <p:spTgt spid="7"/>
+                                        </p:tgtEl>
+                                        <p:attrNameLst>
+                                          <p:attrName>ppt_y</p:attrName>
+                                        </p:attrNameLst>
+                                      </p:cBhvr>
+                                      <p:tavLst>
+                                        <p:tav tm="0">
+                                          <p:val>
+                                            <p:strVal val="#ppt_y+.1"/>
+                                          </p:val>
+                                        </p:tav>
+                                        <p:tav tm="100000">
+                                          <p:val>
+                                            <p:strVal val="#ppt_y"/>
+                                          </p:val>
+                                        </p:tav>
+                                      </p:tavLst>
+                                    </p:anim>
+                                  </p:childTnLst>
+                                </p:cTn>
+                              </p:par>
+                            </p:childTnLst>
+                          </p:cTn>
+                        </p:par>
+                      </p:childTnLst>
+                    </p:cTn>
+                  </p:par>
+                </p:childTnLst>
+              </p:cTn>
+              <p:prevCondLst>
+                <p:cond evt="onPrev" delay="0">
+                  <p:tgtEl>
+                    <p:sldTgt/>
+                  </p:tgtEl>
+                </p:cond>
+              </p:prevCondLst>
+              <p:nextCondLst>
+                <p:cond evt="onNext" delay="0">
+                  <p:tgtEl>
+                    <p:sldTgt/>
+                  </p:tgtEl>
+                </p:cond>
+              </p:nextCondLst>
+            </p:seq>
+          </p:childTnLst>
+        </p:cTn>
+      </p:par>
+    </p:tnLst>
+  </p:timing>
+</p:sld>
+</file>
+
+<file path=ppt/slides/slide9.xml><?xml version="1.0" encoding="utf-8"?>
+<p:sld xmlns:a="http://schemas.openxmlformats.org/drawingml/2006/main" xmlns:r="http://schemas.openxmlformats.org/officeDocument/2006/relationships" xmlns:p="http://schemas.openxmlformats.org/presentationml/2006/main">
+  <p:cSld>
+    <p:spTree>
+      <p:nvGrpSpPr>
+        <p:cNvPr id="1" name=""/>
+        <p:cNvGrpSpPr/>
+        <p:nvPr/>
+      </p:nvGrpSpPr>
+      <p:grpSpPr>
+        <a:xfrm>
+          <a:off x="0" y="0"/>
+          <a:ext cx="0" cy="0"/>
+          <a:chOff x="0" y="0"/>
+          <a:chExt cx="0" cy="0"/>
+        </a:xfrm>
+      </p:grpSpPr>
+      <p:sp>
+        <p:nvSpPr>
+          <p:cNvPr id="2" name="Titel 1"/>
+          <p:cNvSpPr>
+            <a:spLocks noGrp="1"/>
+          </p:cNvSpPr>
+          <p:nvPr>
+            <p:ph type="title"/>
+          </p:nvPr>
+        </p:nvSpPr>
+        <p:spPr/>
+        <p:txBody>
+          <a:bodyPr>
+            <a:normAutofit/>
+          </a:bodyPr>
+          <a:lstStyle/>
+          <a:p>
+            <a:r>
+              <a:rPr lang="de-CH" dirty="0" smtClean="0"/>
+              <a:t>Fazit</a:t>
+            </a:r>
+            <a:endParaRPr lang="de-CH" dirty="0"/>
+          </a:p>
+        </p:txBody>
+      </p:sp>
+      <p:sp>
+        <p:nvSpPr>
+          <p:cNvPr id="3" name="Inhaltsplatzhalter 2"/>
+          <p:cNvSpPr>
+            <a:spLocks noGrp="1"/>
+          </p:cNvSpPr>
+          <p:nvPr>
+            <p:ph idx="1"/>
+          </p:nvPr>
+        </p:nvSpPr>
+        <p:spPr>
+          <a:xfrm>
+            <a:off x="251520" y="2852936"/>
+            <a:ext cx="8686800" cy="938733"/>
+          </a:xfrm>
+        </p:spPr>
+        <p:txBody>
+          <a:bodyPr>
+            <a:normAutofit/>
+          </a:bodyPr>
+          <a:lstStyle/>
+          <a:p>
+            <a:pPr marL="0" indent="0" algn="ctr">
+              <a:buNone/>
+            </a:pPr>
+            <a:r>
+              <a:rPr lang="de-CH" sz="5400" dirty="0" smtClean="0"/>
+              <a:t>Learning </a:t>
+            </a:r>
+            <a:r>
+              <a:rPr lang="de-CH" sz="5400" dirty="0" err="1" smtClean="0"/>
+              <a:t>by</a:t>
+            </a:r>
+            <a:r>
+              <a:rPr lang="de-CH" sz="5400" dirty="0" smtClean="0"/>
+              <a:t> </a:t>
+            </a:r>
+            <a:r>
+              <a:rPr lang="de-CH" sz="5400" dirty="0" err="1" smtClean="0"/>
+              <a:t>doing</a:t>
+            </a:r>
+            <a:endParaRPr lang="de-CH" sz="5400" dirty="0" smtClean="0"/>
+          </a:p>
+        </p:txBody>
+      </p:sp>
+    </p:spTree>
+    <p:extLst>
+      <p:ext uri="{BB962C8B-B14F-4D97-AF65-F5344CB8AC3E}">
+        <p14:creationId xmlns:p14="http://schemas.microsoft.com/office/powerpoint/2010/main" val="2090024771"/>
+      </p:ext>
+    </p:extLst>
+  </p:cSld>
+  <p:clrMapOvr>
+    <a:masterClrMapping/>
+  </p:clrMapOvr>
+  <mc:AlternateContent xmlns:mc="http://schemas.openxmlformats.org/markup-compatibility/2006">
+    <mc:Choice xmlns:p14="http://schemas.microsoft.com/office/powerpoint/2010/main" Requires="p14">
+      <p:transition spd="slow">
+        <p14:ferris dir="l"/>
+      </p:transition>
+    </mc:Choice>
+    <mc:Fallback>
+      <p:transition spd="slow">
+        <p:fade/>
+      </p:transition>
+    </mc:Fallback>
+  </mc:AlternateContent>
+  <p:timing>
+    <p:tnLst>
+      <p:par>
+        <p:cTn id="1" dur="indefinite" restart="never" nodeType="tmRoot">
+          <p:childTnLst>
+            <p:seq concurrent="1" nextAc="seek">
+              <p:cTn id="2" dur="indefinite" nodeType="mainSeq">
+                <p:childTnLst>
+                  <p:par>
+                    <p:cTn id="3" fill="hold">
+                      <p:stCondLst>
+                        <p:cond delay="indefinite"/>
+                      </p:stCondLst>
+                      <p:childTnLst>
+                        <p:par>
+                          <p:cTn id="4" fill="hold">
+                            <p:stCondLst>
+                              <p:cond delay="0"/>
+                            </p:stCondLst>
+                            <p:childTnLst>
+                              <p:par>
+                                <p:cTn id="5" presetID="42" presetClass="entr" presetSubtype="0" fill="hold" grpId="0" nodeType="clickEffect">
+                                  <p:stCondLst>
+                                    <p:cond delay="0"/>
+                                  </p:stCondLst>
+                                  <p:childTnLst>
+                                    <p:set>
+                                      <p:cBhvr>
+                                        <p:cTn id="6" dur="1" fill="hold">
+                                          <p:stCondLst>
+                                            <p:cond delay="0"/>
+                                          </p:stCondLst>
+                                        </p:cTn>
+                                        <p:tgtEl>
+                                          <p:spTgt spid="3">
+                                            <p:txEl>
+                                              <p:pRg st="0" end="0"/>
+                                            </p:txEl>
+                                          </p:spTgt>
+                                        </p:tgtEl>
+                                        <p:attrNameLst>
+                                          <p:attrName>style.visibility</p:attrName>
+                                        </p:attrNameLst>
+                                      </p:cBhvr>
+                                      <p:to>
+                                        <p:strVal val="visible"/>
+                                      </p:to>
+                                    </p:set>
+                                    <p:animEffect transition="in" filter="fade">
+                                      <p:cBhvr>
+                                        <p:cTn id="7" dur="750"/>
+                                        <p:tgtEl>
+                                          <p:spTgt spid="3">
+                                            <p:txEl>
+                                              <p:pRg st="0" end="0"/>
+                                            </p:txEl>
+                                          </p:spTgt>
+                                        </p:tgtEl>
+                                      </p:cBhvr>
+                                    </p:animEffect>
+                                    <p:anim calcmode="lin" valueType="num">
+                                      <p:cBhvr>
+                                        <p:cTn id="8" dur="750" fill="hold"/>
+                                        <p:tgtEl>
+                                          <p:spTgt spid="3">
+                                            <p:txEl>
+                                              <p:pRg st="0" end="0"/>
+                                            </p:txEl>
+                                          </p:spTgt>
+                                        </p:tgtEl>
+                                        <p:attrNameLst>
+                                          <p:attrName>ppt_x</p:attrName>
+                                        </p:attrNameLst>
+                                      </p:cBhvr>
+                                      <p:tavLst>
+                                        <p:tav tm="0">
+                                          <p:val>
+                                            <p:strVal val="#ppt_x"/>
+                                          </p:val>
+                                        </p:tav>
+                                        <p:tav tm="100000">
+                                          <p:val>
+                                            <p:strVal val="#ppt_x"/>
+                                          </p:val>
+                                        </p:tav>
+                                      </p:tavLst>
+                                    </p:anim>
+                                    <p:anim calcmode="lin" valueType="num">
+                                      <p:cBhvr>
+                                        <p:cTn id="9" dur="750" fill="hold"/>
+                                        <p:tgtEl>
+                                          <p:spTgt spid="3">
+                                            <p:txEl>
+                                              <p:pRg st="0" end="0"/>
+                                            </p:txEl>
+                                          </p:spTgt>
+                                        </p:tgtEl>
+                                        <p:attrNameLst>
+                                          <p:attrName>ppt_y</p:attrName>
+                                        </p:attrNameLst>
+                                      </p:cBhvr>
+                                      <p:tavLst>
+                                        <p:tav tm="0">
+                                          <p:val>
+                                            <p:strVal val="#ppt_y+.1"/>
+                                          </p:val>
+                                        </p:tav>
+                                        <p:tav tm="100000">
+                                          <p:val>
+                                            <p:strVal val="#ppt_y"/>
+                                          </p:val>
+                                        </p:tav>
+                                      </p:tavLst>
+                                    </p:anim>
+                                  </p:childTnLst>
+                                </p:cTn>
+                              </p:par>
+                            </p:childTnLst>
+                          </p:cTn>
+                        </p:par>
+                      </p:childTnLst>
+                    </p:cTn>
+                  </p:par>
+                </p:childTnLst>
+              </p:cTn>
+              <p:prevCondLst>
+                <p:cond evt="onPrev" delay="0">
+                  <p:tgtEl>
+                    <p:sldTgt/>
+                  </p:tgtEl>
+                </p:cond>
+              </p:prevCondLst>
+              <p:nextCondLst>
+                <p:cond evt="onNext" delay="0">
+                  <p:tgtEl>
+                    <p:sldTgt/>
+                  </p:tgtEl>
+                </p:cond>
+              </p:nextCondLst>
+            </p:seq>
+          </p:childTnLst>
+        </p:cTn>
+      </p:par>
+    </p:tnLst>
+    <p:bldLst>
+      <p:bldP spid="3" grpId="0" build="p"/>
+    </p:bldLst>
+  </p:timing>
 </p:sld>
 </file>
 
